--- a/Projekt w jezyku skryptowym/Monopoly Final.pptx
+++ b/Projekt w jezyku skryptowym/Monopoly Final.pptx
@@ -2,7 +2,7 @@
 <file path=ppt/presentation.xml><?xml version="1.0" encoding="utf-8"?>
 <p:presentation xmlns:a="http://schemas.openxmlformats.org/drawingml/2006/main" xmlns:r="http://schemas.openxmlformats.org/officeDocument/2006/relationships" xmlns:p="http://schemas.openxmlformats.org/presentationml/2006/main" saveSubsetFonts="1">
   <p:sldMasterIdLst>
-    <p:sldMasterId id="2147483648" r:id="rId1"/>
+    <p:sldMasterId id="2147483678" r:id="rId1"/>
   </p:sldMasterIdLst>
   <p:sldIdLst>
     <p:sldId id="256" r:id="rId2"/>
@@ -120,8 +120,10 @@
 <file path=ppt/revisionInfo.xml><?xml version="1.0" encoding="utf-8"?>
 <p1510:revInfo xmlns:a="http://schemas.openxmlformats.org/drawingml/2006/main" xmlns:r="http://schemas.openxmlformats.org/officeDocument/2006/relationships" xmlns:p1510="http://schemas.microsoft.com/office/powerpoint/2015/10/main">
   <p1510:revLst>
+    <p1510:client id="{44B8AA1F-AC61-E6AF-17E8-DEA171FE39C3}" v="5" dt="2023-06-16T08:10:40.787"/>
     <p1510:client id="{94DB2715-4557-F03F-41C9-68F20EA95C89}" v="262" dt="2023-06-16T07:07:54.657"/>
     <p1510:client id="{B9424CAA-CECD-CFD8-7F47-77372047D5CF}" v="439" dt="2023-06-16T07:14:23.244"/>
+    <p1510:client id="{C069BE54-CCE5-C0D0-132D-6761A40402E9}" v="2" dt="2023-06-16T08:08:52.227"/>
   </p1510:revLst>
 </p1510:revInfo>
 </file>
@@ -306,12 +308,531 @@
       </pc:sldChg>
     </pc:docChg>
   </pc:docChgLst>
+  <pc:docChgLst>
+    <pc:chgData name="Piotr Siwiec" userId="S::336826@uwr.edu.pl::b7c14bf0-8a6c-4895-8f2d-3ddbb9b20175" providerId="AD" clId="Web-{44B8AA1F-AC61-E6AF-17E8-DEA171FE39C3}"/>
+    <pc:docChg chg="modSld addMainMaster delMainMaster">
+      <pc:chgData name="Piotr Siwiec" userId="S::336826@uwr.edu.pl::b7c14bf0-8a6c-4895-8f2d-3ddbb9b20175" providerId="AD" clId="Web-{44B8AA1F-AC61-E6AF-17E8-DEA171FE39C3}" dt="2023-06-16T08:10:40.787" v="4" actId="1076"/>
+      <pc:docMkLst>
+        <pc:docMk/>
+      </pc:docMkLst>
+      <pc:sldChg chg="modSp mod modClrScheme chgLayout">
+        <pc:chgData name="Piotr Siwiec" userId="S::336826@uwr.edu.pl::b7c14bf0-8a6c-4895-8f2d-3ddbb9b20175" providerId="AD" clId="Web-{44B8AA1F-AC61-E6AF-17E8-DEA171FE39C3}" dt="2023-06-16T08:10:40.787" v="4" actId="1076"/>
+        <pc:sldMkLst>
+          <pc:docMk/>
+          <pc:sldMk cId="650317164" sldId="256"/>
+        </pc:sldMkLst>
+        <pc:spChg chg="mod ord">
+          <ac:chgData name="Piotr Siwiec" userId="S::336826@uwr.edu.pl::b7c14bf0-8a6c-4895-8f2d-3ddbb9b20175" providerId="AD" clId="Web-{44B8AA1F-AC61-E6AF-17E8-DEA171FE39C3}" dt="2023-06-16T08:10:40.787" v="4" actId="1076"/>
+          <ac:spMkLst>
+            <pc:docMk/>
+            <pc:sldMk cId="650317164" sldId="256"/>
+            <ac:spMk id="2" creationId="{00000000-0000-0000-0000-000000000000}"/>
+          </ac:spMkLst>
+        </pc:spChg>
+      </pc:sldChg>
+      <pc:sldChg chg="modSp mod modClrScheme chgLayout">
+        <pc:chgData name="Piotr Siwiec" userId="S::336826@uwr.edu.pl::b7c14bf0-8a6c-4895-8f2d-3ddbb9b20175" providerId="AD" clId="Web-{44B8AA1F-AC61-E6AF-17E8-DEA171FE39C3}" dt="2023-06-16T08:10:23.052" v="1"/>
+        <pc:sldMkLst>
+          <pc:docMk/>
+          <pc:sldMk cId="1674181918" sldId="257"/>
+        </pc:sldMkLst>
+        <pc:spChg chg="mod ord">
+          <ac:chgData name="Piotr Siwiec" userId="S::336826@uwr.edu.pl::b7c14bf0-8a6c-4895-8f2d-3ddbb9b20175" providerId="AD" clId="Web-{44B8AA1F-AC61-E6AF-17E8-DEA171FE39C3}" dt="2023-06-16T08:10:23.052" v="1"/>
+          <ac:spMkLst>
+            <pc:docMk/>
+            <pc:sldMk cId="1674181918" sldId="257"/>
+            <ac:spMk id="2" creationId="{28BABF7B-C4AB-D9E0-11EA-71D1E9D22C69}"/>
+          </ac:spMkLst>
+        </pc:spChg>
+      </pc:sldChg>
+      <pc:sldChg chg="modSp mod modClrScheme chgLayout">
+        <pc:chgData name="Piotr Siwiec" userId="S::336826@uwr.edu.pl::b7c14bf0-8a6c-4895-8f2d-3ddbb9b20175" providerId="AD" clId="Web-{44B8AA1F-AC61-E6AF-17E8-DEA171FE39C3}" dt="2023-06-16T08:10:23.052" v="1"/>
+        <pc:sldMkLst>
+          <pc:docMk/>
+          <pc:sldMk cId="843889477" sldId="258"/>
+        </pc:sldMkLst>
+        <pc:spChg chg="mod ord">
+          <ac:chgData name="Piotr Siwiec" userId="S::336826@uwr.edu.pl::b7c14bf0-8a6c-4895-8f2d-3ddbb9b20175" providerId="AD" clId="Web-{44B8AA1F-AC61-E6AF-17E8-DEA171FE39C3}" dt="2023-06-16T08:10:23.052" v="1"/>
+          <ac:spMkLst>
+            <pc:docMk/>
+            <pc:sldMk cId="843889477" sldId="258"/>
+            <ac:spMk id="2" creationId="{6B967FCC-3CA1-074F-7F12-BC5B58949319}"/>
+          </ac:spMkLst>
+        </pc:spChg>
+      </pc:sldChg>
+      <pc:sldChg chg="modSp mod modClrScheme chgLayout">
+        <pc:chgData name="Piotr Siwiec" userId="S::336826@uwr.edu.pl::b7c14bf0-8a6c-4895-8f2d-3ddbb9b20175" providerId="AD" clId="Web-{44B8AA1F-AC61-E6AF-17E8-DEA171FE39C3}" dt="2023-06-16T08:10:23.052" v="1"/>
+        <pc:sldMkLst>
+          <pc:docMk/>
+          <pc:sldMk cId="3380735589" sldId="259"/>
+        </pc:sldMkLst>
+        <pc:spChg chg="mod ord">
+          <ac:chgData name="Piotr Siwiec" userId="S::336826@uwr.edu.pl::b7c14bf0-8a6c-4895-8f2d-3ddbb9b20175" providerId="AD" clId="Web-{44B8AA1F-AC61-E6AF-17E8-DEA171FE39C3}" dt="2023-06-16T08:10:23.052" v="1"/>
+          <ac:spMkLst>
+            <pc:docMk/>
+            <pc:sldMk cId="3380735589" sldId="259"/>
+            <ac:spMk id="2" creationId="{6B967FCC-3CA1-074F-7F12-BC5B58949319}"/>
+          </ac:spMkLst>
+        </pc:spChg>
+      </pc:sldChg>
+      <pc:sldChg chg="modSp mod modClrScheme chgLayout">
+        <pc:chgData name="Piotr Siwiec" userId="S::336826@uwr.edu.pl::b7c14bf0-8a6c-4895-8f2d-3ddbb9b20175" providerId="AD" clId="Web-{44B8AA1F-AC61-E6AF-17E8-DEA171FE39C3}" dt="2023-06-16T08:10:23.052" v="1"/>
+        <pc:sldMkLst>
+          <pc:docMk/>
+          <pc:sldMk cId="1395431495" sldId="260"/>
+        </pc:sldMkLst>
+        <pc:spChg chg="mod ord">
+          <ac:chgData name="Piotr Siwiec" userId="S::336826@uwr.edu.pl::b7c14bf0-8a6c-4895-8f2d-3ddbb9b20175" providerId="AD" clId="Web-{44B8AA1F-AC61-E6AF-17E8-DEA171FE39C3}" dt="2023-06-16T08:10:23.052" v="1"/>
+          <ac:spMkLst>
+            <pc:docMk/>
+            <pc:sldMk cId="1395431495" sldId="260"/>
+            <ac:spMk id="2" creationId="{6B967FCC-3CA1-074F-7F12-BC5B58949319}"/>
+          </ac:spMkLst>
+        </pc:spChg>
+      </pc:sldChg>
+      <pc:sldChg chg="modSp mod modClrScheme chgLayout">
+        <pc:chgData name="Piotr Siwiec" userId="S::336826@uwr.edu.pl::b7c14bf0-8a6c-4895-8f2d-3ddbb9b20175" providerId="AD" clId="Web-{44B8AA1F-AC61-E6AF-17E8-DEA171FE39C3}" dt="2023-06-16T08:10:23.052" v="1"/>
+        <pc:sldMkLst>
+          <pc:docMk/>
+          <pc:sldMk cId="4147388073" sldId="261"/>
+        </pc:sldMkLst>
+        <pc:spChg chg="mod ord">
+          <ac:chgData name="Piotr Siwiec" userId="S::336826@uwr.edu.pl::b7c14bf0-8a6c-4895-8f2d-3ddbb9b20175" providerId="AD" clId="Web-{44B8AA1F-AC61-E6AF-17E8-DEA171FE39C3}" dt="2023-06-16T08:10:23.052" v="1"/>
+          <ac:spMkLst>
+            <pc:docMk/>
+            <pc:sldMk cId="4147388073" sldId="261"/>
+            <ac:spMk id="2" creationId="{6B967FCC-3CA1-074F-7F12-BC5B58949319}"/>
+          </ac:spMkLst>
+        </pc:spChg>
+      </pc:sldChg>
+      <pc:sldMasterChg chg="del delSldLayout">
+        <pc:chgData name="Piotr Siwiec" userId="S::336826@uwr.edu.pl::b7c14bf0-8a6c-4895-8f2d-3ddbb9b20175" providerId="AD" clId="Web-{44B8AA1F-AC61-E6AF-17E8-DEA171FE39C3}" dt="2023-06-16T08:10:12.911" v="0"/>
+        <pc:sldMasterMkLst>
+          <pc:docMk/>
+          <pc:sldMasterMk cId="3926633689" sldId="2147483648"/>
+        </pc:sldMasterMkLst>
+        <pc:sldLayoutChg chg="del">
+          <pc:chgData name="Piotr Siwiec" userId="S::336826@uwr.edu.pl::b7c14bf0-8a6c-4895-8f2d-3ddbb9b20175" providerId="AD" clId="Web-{44B8AA1F-AC61-E6AF-17E8-DEA171FE39C3}" dt="2023-06-16T08:10:12.911" v="0"/>
+          <pc:sldLayoutMkLst>
+            <pc:docMk/>
+            <pc:sldMasterMk cId="3926633689" sldId="2147483648"/>
+            <pc:sldLayoutMk cId="3391757436" sldId="2147483649"/>
+          </pc:sldLayoutMkLst>
+        </pc:sldLayoutChg>
+        <pc:sldLayoutChg chg="del">
+          <pc:chgData name="Piotr Siwiec" userId="S::336826@uwr.edu.pl::b7c14bf0-8a6c-4895-8f2d-3ddbb9b20175" providerId="AD" clId="Web-{44B8AA1F-AC61-E6AF-17E8-DEA171FE39C3}" dt="2023-06-16T08:10:12.911" v="0"/>
+          <pc:sldLayoutMkLst>
+            <pc:docMk/>
+            <pc:sldMasterMk cId="3926633689" sldId="2147483648"/>
+            <pc:sldLayoutMk cId="967380084" sldId="2147483650"/>
+          </pc:sldLayoutMkLst>
+        </pc:sldLayoutChg>
+        <pc:sldLayoutChg chg="del">
+          <pc:chgData name="Piotr Siwiec" userId="S::336826@uwr.edu.pl::b7c14bf0-8a6c-4895-8f2d-3ddbb9b20175" providerId="AD" clId="Web-{44B8AA1F-AC61-E6AF-17E8-DEA171FE39C3}" dt="2023-06-16T08:10:12.911" v="0"/>
+          <pc:sldLayoutMkLst>
+            <pc:docMk/>
+            <pc:sldMasterMk cId="3926633689" sldId="2147483648"/>
+            <pc:sldLayoutMk cId="13234121" sldId="2147483651"/>
+          </pc:sldLayoutMkLst>
+        </pc:sldLayoutChg>
+        <pc:sldLayoutChg chg="del">
+          <pc:chgData name="Piotr Siwiec" userId="S::336826@uwr.edu.pl::b7c14bf0-8a6c-4895-8f2d-3ddbb9b20175" providerId="AD" clId="Web-{44B8AA1F-AC61-E6AF-17E8-DEA171FE39C3}" dt="2023-06-16T08:10:12.911" v="0"/>
+          <pc:sldLayoutMkLst>
+            <pc:docMk/>
+            <pc:sldMasterMk cId="3926633689" sldId="2147483648"/>
+            <pc:sldLayoutMk cId="3883036252" sldId="2147483652"/>
+          </pc:sldLayoutMkLst>
+        </pc:sldLayoutChg>
+        <pc:sldLayoutChg chg="del">
+          <pc:chgData name="Piotr Siwiec" userId="S::336826@uwr.edu.pl::b7c14bf0-8a6c-4895-8f2d-3ddbb9b20175" providerId="AD" clId="Web-{44B8AA1F-AC61-E6AF-17E8-DEA171FE39C3}" dt="2023-06-16T08:10:12.911" v="0"/>
+          <pc:sldLayoutMkLst>
+            <pc:docMk/>
+            <pc:sldMasterMk cId="3926633689" sldId="2147483648"/>
+            <pc:sldLayoutMk cId="961808292" sldId="2147483653"/>
+          </pc:sldLayoutMkLst>
+        </pc:sldLayoutChg>
+        <pc:sldLayoutChg chg="del">
+          <pc:chgData name="Piotr Siwiec" userId="S::336826@uwr.edu.pl::b7c14bf0-8a6c-4895-8f2d-3ddbb9b20175" providerId="AD" clId="Web-{44B8AA1F-AC61-E6AF-17E8-DEA171FE39C3}" dt="2023-06-16T08:10:12.911" v="0"/>
+          <pc:sldLayoutMkLst>
+            <pc:docMk/>
+            <pc:sldMasterMk cId="3926633689" sldId="2147483648"/>
+            <pc:sldLayoutMk cId="1544797292" sldId="2147483654"/>
+          </pc:sldLayoutMkLst>
+        </pc:sldLayoutChg>
+        <pc:sldLayoutChg chg="del">
+          <pc:chgData name="Piotr Siwiec" userId="S::336826@uwr.edu.pl::b7c14bf0-8a6c-4895-8f2d-3ddbb9b20175" providerId="AD" clId="Web-{44B8AA1F-AC61-E6AF-17E8-DEA171FE39C3}" dt="2023-06-16T08:10:12.911" v="0"/>
+          <pc:sldLayoutMkLst>
+            <pc:docMk/>
+            <pc:sldMasterMk cId="3926633689" sldId="2147483648"/>
+            <pc:sldLayoutMk cId="1850839136" sldId="2147483655"/>
+          </pc:sldLayoutMkLst>
+        </pc:sldLayoutChg>
+        <pc:sldLayoutChg chg="del">
+          <pc:chgData name="Piotr Siwiec" userId="S::336826@uwr.edu.pl::b7c14bf0-8a6c-4895-8f2d-3ddbb9b20175" providerId="AD" clId="Web-{44B8AA1F-AC61-E6AF-17E8-DEA171FE39C3}" dt="2023-06-16T08:10:12.911" v="0"/>
+          <pc:sldLayoutMkLst>
+            <pc:docMk/>
+            <pc:sldMasterMk cId="3926633689" sldId="2147483648"/>
+            <pc:sldLayoutMk cId="2715530444" sldId="2147483656"/>
+          </pc:sldLayoutMkLst>
+        </pc:sldLayoutChg>
+        <pc:sldLayoutChg chg="del">
+          <pc:chgData name="Piotr Siwiec" userId="S::336826@uwr.edu.pl::b7c14bf0-8a6c-4895-8f2d-3ddbb9b20175" providerId="AD" clId="Web-{44B8AA1F-AC61-E6AF-17E8-DEA171FE39C3}" dt="2023-06-16T08:10:12.911" v="0"/>
+          <pc:sldLayoutMkLst>
+            <pc:docMk/>
+            <pc:sldMasterMk cId="3926633689" sldId="2147483648"/>
+            <pc:sldLayoutMk cId="3024906009" sldId="2147483657"/>
+          </pc:sldLayoutMkLst>
+        </pc:sldLayoutChg>
+        <pc:sldLayoutChg chg="del">
+          <pc:chgData name="Piotr Siwiec" userId="S::336826@uwr.edu.pl::b7c14bf0-8a6c-4895-8f2d-3ddbb9b20175" providerId="AD" clId="Web-{44B8AA1F-AC61-E6AF-17E8-DEA171FE39C3}" dt="2023-06-16T08:10:12.911" v="0"/>
+          <pc:sldLayoutMkLst>
+            <pc:docMk/>
+            <pc:sldMasterMk cId="3926633689" sldId="2147483648"/>
+            <pc:sldLayoutMk cId="2454508176" sldId="2147483658"/>
+          </pc:sldLayoutMkLst>
+        </pc:sldLayoutChg>
+        <pc:sldLayoutChg chg="del">
+          <pc:chgData name="Piotr Siwiec" userId="S::336826@uwr.edu.pl::b7c14bf0-8a6c-4895-8f2d-3ddbb9b20175" providerId="AD" clId="Web-{44B8AA1F-AC61-E6AF-17E8-DEA171FE39C3}" dt="2023-06-16T08:10:12.911" v="0"/>
+          <pc:sldLayoutMkLst>
+            <pc:docMk/>
+            <pc:sldMasterMk cId="3926633689" sldId="2147483648"/>
+            <pc:sldLayoutMk cId="1340386666" sldId="2147483659"/>
+          </pc:sldLayoutMkLst>
+        </pc:sldLayoutChg>
+      </pc:sldMasterChg>
+      <pc:sldMasterChg chg="add del addSldLayout delSldLayout modSldLayout">
+        <pc:chgData name="Piotr Siwiec" userId="S::336826@uwr.edu.pl::b7c14bf0-8a6c-4895-8f2d-3ddbb9b20175" providerId="AD" clId="Web-{44B8AA1F-AC61-E6AF-17E8-DEA171FE39C3}" dt="2023-06-16T08:10:23.052" v="1"/>
+        <pc:sldMasterMkLst>
+          <pc:docMk/>
+          <pc:sldMasterMk cId="3142385398" sldId="2147483660"/>
+        </pc:sldMasterMkLst>
+        <pc:sldLayoutChg chg="add del mod replId">
+          <pc:chgData name="Piotr Siwiec" userId="S::336826@uwr.edu.pl::b7c14bf0-8a6c-4895-8f2d-3ddbb9b20175" providerId="AD" clId="Web-{44B8AA1F-AC61-E6AF-17E8-DEA171FE39C3}" dt="2023-06-16T08:10:23.052" v="1"/>
+          <pc:sldLayoutMkLst>
+            <pc:docMk/>
+            <pc:sldMasterMk cId="3142385398" sldId="2147483660"/>
+            <pc:sldLayoutMk cId="669441640" sldId="2147483661"/>
+          </pc:sldLayoutMkLst>
+        </pc:sldLayoutChg>
+        <pc:sldLayoutChg chg="add del mod replId">
+          <pc:chgData name="Piotr Siwiec" userId="S::336826@uwr.edu.pl::b7c14bf0-8a6c-4895-8f2d-3ddbb9b20175" providerId="AD" clId="Web-{44B8AA1F-AC61-E6AF-17E8-DEA171FE39C3}" dt="2023-06-16T08:10:23.052" v="1"/>
+          <pc:sldLayoutMkLst>
+            <pc:docMk/>
+            <pc:sldMasterMk cId="3142385398" sldId="2147483660"/>
+            <pc:sldLayoutMk cId="2339856401" sldId="2147483662"/>
+          </pc:sldLayoutMkLst>
+        </pc:sldLayoutChg>
+        <pc:sldLayoutChg chg="add del mod replId">
+          <pc:chgData name="Piotr Siwiec" userId="S::336826@uwr.edu.pl::b7c14bf0-8a6c-4895-8f2d-3ddbb9b20175" providerId="AD" clId="Web-{44B8AA1F-AC61-E6AF-17E8-DEA171FE39C3}" dt="2023-06-16T08:10:23.052" v="1"/>
+          <pc:sldLayoutMkLst>
+            <pc:docMk/>
+            <pc:sldMasterMk cId="3142385398" sldId="2147483660"/>
+            <pc:sldLayoutMk cId="590082123" sldId="2147483663"/>
+          </pc:sldLayoutMkLst>
+        </pc:sldLayoutChg>
+        <pc:sldLayoutChg chg="add del mod replId">
+          <pc:chgData name="Piotr Siwiec" userId="S::336826@uwr.edu.pl::b7c14bf0-8a6c-4895-8f2d-3ddbb9b20175" providerId="AD" clId="Web-{44B8AA1F-AC61-E6AF-17E8-DEA171FE39C3}" dt="2023-06-16T08:10:23.052" v="1"/>
+          <pc:sldLayoutMkLst>
+            <pc:docMk/>
+            <pc:sldMasterMk cId="3142385398" sldId="2147483660"/>
+            <pc:sldLayoutMk cId="2057872318" sldId="2147483664"/>
+          </pc:sldLayoutMkLst>
+        </pc:sldLayoutChg>
+        <pc:sldLayoutChg chg="add del mod replId">
+          <pc:chgData name="Piotr Siwiec" userId="S::336826@uwr.edu.pl::b7c14bf0-8a6c-4895-8f2d-3ddbb9b20175" providerId="AD" clId="Web-{44B8AA1F-AC61-E6AF-17E8-DEA171FE39C3}" dt="2023-06-16T08:10:23.052" v="1"/>
+          <pc:sldLayoutMkLst>
+            <pc:docMk/>
+            <pc:sldMasterMk cId="3142385398" sldId="2147483660"/>
+            <pc:sldLayoutMk cId="167427371" sldId="2147483665"/>
+          </pc:sldLayoutMkLst>
+        </pc:sldLayoutChg>
+        <pc:sldLayoutChg chg="add del mod replId">
+          <pc:chgData name="Piotr Siwiec" userId="S::336826@uwr.edu.pl::b7c14bf0-8a6c-4895-8f2d-3ddbb9b20175" providerId="AD" clId="Web-{44B8AA1F-AC61-E6AF-17E8-DEA171FE39C3}" dt="2023-06-16T08:10:23.052" v="1"/>
+          <pc:sldLayoutMkLst>
+            <pc:docMk/>
+            <pc:sldMasterMk cId="3142385398" sldId="2147483660"/>
+            <pc:sldLayoutMk cId="2782755080" sldId="2147483666"/>
+          </pc:sldLayoutMkLst>
+        </pc:sldLayoutChg>
+        <pc:sldLayoutChg chg="add del mod replId">
+          <pc:chgData name="Piotr Siwiec" userId="S::336826@uwr.edu.pl::b7c14bf0-8a6c-4895-8f2d-3ddbb9b20175" providerId="AD" clId="Web-{44B8AA1F-AC61-E6AF-17E8-DEA171FE39C3}" dt="2023-06-16T08:10:23.052" v="1"/>
+          <pc:sldLayoutMkLst>
+            <pc:docMk/>
+            <pc:sldMasterMk cId="3142385398" sldId="2147483660"/>
+            <pc:sldLayoutMk cId="3155132428" sldId="2147483667"/>
+          </pc:sldLayoutMkLst>
+        </pc:sldLayoutChg>
+        <pc:sldLayoutChg chg="add del mod replId">
+          <pc:chgData name="Piotr Siwiec" userId="S::336826@uwr.edu.pl::b7c14bf0-8a6c-4895-8f2d-3ddbb9b20175" providerId="AD" clId="Web-{44B8AA1F-AC61-E6AF-17E8-DEA171FE39C3}" dt="2023-06-16T08:10:23.052" v="1"/>
+          <pc:sldLayoutMkLst>
+            <pc:docMk/>
+            <pc:sldMasterMk cId="3142385398" sldId="2147483660"/>
+            <pc:sldLayoutMk cId="3941862626" sldId="2147483668"/>
+          </pc:sldLayoutMkLst>
+        </pc:sldLayoutChg>
+        <pc:sldLayoutChg chg="add del mod replId">
+          <pc:chgData name="Piotr Siwiec" userId="S::336826@uwr.edu.pl::b7c14bf0-8a6c-4895-8f2d-3ddbb9b20175" providerId="AD" clId="Web-{44B8AA1F-AC61-E6AF-17E8-DEA171FE39C3}" dt="2023-06-16T08:10:23.052" v="1"/>
+          <pc:sldLayoutMkLst>
+            <pc:docMk/>
+            <pc:sldMasterMk cId="3142385398" sldId="2147483660"/>
+            <pc:sldLayoutMk cId="2560898489" sldId="2147483669"/>
+          </pc:sldLayoutMkLst>
+        </pc:sldLayoutChg>
+        <pc:sldLayoutChg chg="add del mod replId">
+          <pc:chgData name="Piotr Siwiec" userId="S::336826@uwr.edu.pl::b7c14bf0-8a6c-4895-8f2d-3ddbb9b20175" providerId="AD" clId="Web-{44B8AA1F-AC61-E6AF-17E8-DEA171FE39C3}" dt="2023-06-16T08:10:23.052" v="1"/>
+          <pc:sldLayoutMkLst>
+            <pc:docMk/>
+            <pc:sldMasterMk cId="3142385398" sldId="2147483660"/>
+            <pc:sldLayoutMk cId="601210480" sldId="2147483670"/>
+          </pc:sldLayoutMkLst>
+        </pc:sldLayoutChg>
+        <pc:sldLayoutChg chg="add del mod replId">
+          <pc:chgData name="Piotr Siwiec" userId="S::336826@uwr.edu.pl::b7c14bf0-8a6c-4895-8f2d-3ddbb9b20175" providerId="AD" clId="Web-{44B8AA1F-AC61-E6AF-17E8-DEA171FE39C3}" dt="2023-06-16T08:10:23.052" v="1"/>
+          <pc:sldLayoutMkLst>
+            <pc:docMk/>
+            <pc:sldMasterMk cId="3142385398" sldId="2147483660"/>
+            <pc:sldLayoutMk cId="1081186358" sldId="2147483671"/>
+          </pc:sldLayoutMkLst>
+        </pc:sldLayoutChg>
+        <pc:sldLayoutChg chg="add del mod replId">
+          <pc:chgData name="Piotr Siwiec" userId="S::336826@uwr.edu.pl::b7c14bf0-8a6c-4895-8f2d-3ddbb9b20175" providerId="AD" clId="Web-{44B8AA1F-AC61-E6AF-17E8-DEA171FE39C3}" dt="2023-06-16T08:10:23.052" v="1"/>
+          <pc:sldLayoutMkLst>
+            <pc:docMk/>
+            <pc:sldMasterMk cId="3142385398" sldId="2147483660"/>
+            <pc:sldLayoutMk cId="455787466" sldId="2147483672"/>
+          </pc:sldLayoutMkLst>
+        </pc:sldLayoutChg>
+        <pc:sldLayoutChg chg="add del mod replId">
+          <pc:chgData name="Piotr Siwiec" userId="S::336826@uwr.edu.pl::b7c14bf0-8a6c-4895-8f2d-3ddbb9b20175" providerId="AD" clId="Web-{44B8AA1F-AC61-E6AF-17E8-DEA171FE39C3}" dt="2023-06-16T08:10:23.052" v="1"/>
+          <pc:sldLayoutMkLst>
+            <pc:docMk/>
+            <pc:sldMasterMk cId="3142385398" sldId="2147483660"/>
+            <pc:sldLayoutMk cId="3676765426" sldId="2147483673"/>
+          </pc:sldLayoutMkLst>
+        </pc:sldLayoutChg>
+        <pc:sldLayoutChg chg="add del mod replId">
+          <pc:chgData name="Piotr Siwiec" userId="S::336826@uwr.edu.pl::b7c14bf0-8a6c-4895-8f2d-3ddbb9b20175" providerId="AD" clId="Web-{44B8AA1F-AC61-E6AF-17E8-DEA171FE39C3}" dt="2023-06-16T08:10:23.052" v="1"/>
+          <pc:sldLayoutMkLst>
+            <pc:docMk/>
+            <pc:sldMasterMk cId="3142385398" sldId="2147483660"/>
+            <pc:sldLayoutMk cId="2009787413" sldId="2147483674"/>
+          </pc:sldLayoutMkLst>
+        </pc:sldLayoutChg>
+        <pc:sldLayoutChg chg="add del mod replId">
+          <pc:chgData name="Piotr Siwiec" userId="S::336826@uwr.edu.pl::b7c14bf0-8a6c-4895-8f2d-3ddbb9b20175" providerId="AD" clId="Web-{44B8AA1F-AC61-E6AF-17E8-DEA171FE39C3}" dt="2023-06-16T08:10:23.052" v="1"/>
+          <pc:sldLayoutMkLst>
+            <pc:docMk/>
+            <pc:sldMasterMk cId="3142385398" sldId="2147483660"/>
+            <pc:sldLayoutMk cId="2603633201" sldId="2147483675"/>
+          </pc:sldLayoutMkLst>
+        </pc:sldLayoutChg>
+        <pc:sldLayoutChg chg="add del mod replId">
+          <pc:chgData name="Piotr Siwiec" userId="S::336826@uwr.edu.pl::b7c14bf0-8a6c-4895-8f2d-3ddbb9b20175" providerId="AD" clId="Web-{44B8AA1F-AC61-E6AF-17E8-DEA171FE39C3}" dt="2023-06-16T08:10:23.052" v="1"/>
+          <pc:sldLayoutMkLst>
+            <pc:docMk/>
+            <pc:sldMasterMk cId="3142385398" sldId="2147483660"/>
+            <pc:sldLayoutMk cId="893901449" sldId="2147483676"/>
+          </pc:sldLayoutMkLst>
+        </pc:sldLayoutChg>
+        <pc:sldLayoutChg chg="add del mod replId">
+          <pc:chgData name="Piotr Siwiec" userId="S::336826@uwr.edu.pl::b7c14bf0-8a6c-4895-8f2d-3ddbb9b20175" providerId="AD" clId="Web-{44B8AA1F-AC61-E6AF-17E8-DEA171FE39C3}" dt="2023-06-16T08:10:23.052" v="1"/>
+          <pc:sldLayoutMkLst>
+            <pc:docMk/>
+            <pc:sldMasterMk cId="3142385398" sldId="2147483660"/>
+            <pc:sldLayoutMk cId="1959874634" sldId="2147483677"/>
+          </pc:sldLayoutMkLst>
+        </pc:sldLayoutChg>
+      </pc:sldMasterChg>
+      <pc:sldMasterChg chg="add addSldLayout modSldLayout">
+        <pc:chgData name="Piotr Siwiec" userId="S::336826@uwr.edu.pl::b7c14bf0-8a6c-4895-8f2d-3ddbb9b20175" providerId="AD" clId="Web-{44B8AA1F-AC61-E6AF-17E8-DEA171FE39C3}" dt="2023-06-16T08:10:23.052" v="1"/>
+        <pc:sldMasterMkLst>
+          <pc:docMk/>
+          <pc:sldMasterMk cId="4076733251" sldId="2147483678"/>
+        </pc:sldMasterMkLst>
+        <pc:sldLayoutChg chg="add mod replId">
+          <pc:chgData name="Piotr Siwiec" userId="S::336826@uwr.edu.pl::b7c14bf0-8a6c-4895-8f2d-3ddbb9b20175" providerId="AD" clId="Web-{44B8AA1F-AC61-E6AF-17E8-DEA171FE39C3}" dt="2023-06-16T08:10:23.052" v="1"/>
+          <pc:sldLayoutMkLst>
+            <pc:docMk/>
+            <pc:sldMasterMk cId="4076733251" sldId="2147483678"/>
+            <pc:sldLayoutMk cId="1551545058" sldId="2147483679"/>
+          </pc:sldLayoutMkLst>
+        </pc:sldLayoutChg>
+        <pc:sldLayoutChg chg="add mod replId">
+          <pc:chgData name="Piotr Siwiec" userId="S::336826@uwr.edu.pl::b7c14bf0-8a6c-4895-8f2d-3ddbb9b20175" providerId="AD" clId="Web-{44B8AA1F-AC61-E6AF-17E8-DEA171FE39C3}" dt="2023-06-16T08:10:23.052" v="1"/>
+          <pc:sldLayoutMkLst>
+            <pc:docMk/>
+            <pc:sldMasterMk cId="4076733251" sldId="2147483678"/>
+            <pc:sldLayoutMk cId="3356248988" sldId="2147483680"/>
+          </pc:sldLayoutMkLst>
+        </pc:sldLayoutChg>
+        <pc:sldLayoutChg chg="add mod replId">
+          <pc:chgData name="Piotr Siwiec" userId="S::336826@uwr.edu.pl::b7c14bf0-8a6c-4895-8f2d-3ddbb9b20175" providerId="AD" clId="Web-{44B8AA1F-AC61-E6AF-17E8-DEA171FE39C3}" dt="2023-06-16T08:10:23.052" v="1"/>
+          <pc:sldLayoutMkLst>
+            <pc:docMk/>
+            <pc:sldMasterMk cId="4076733251" sldId="2147483678"/>
+            <pc:sldLayoutMk cId="1108174670" sldId="2147483681"/>
+          </pc:sldLayoutMkLst>
+        </pc:sldLayoutChg>
+        <pc:sldLayoutChg chg="add mod replId">
+          <pc:chgData name="Piotr Siwiec" userId="S::336826@uwr.edu.pl::b7c14bf0-8a6c-4895-8f2d-3ddbb9b20175" providerId="AD" clId="Web-{44B8AA1F-AC61-E6AF-17E8-DEA171FE39C3}" dt="2023-06-16T08:10:23.052" v="1"/>
+          <pc:sldLayoutMkLst>
+            <pc:docMk/>
+            <pc:sldMasterMk cId="4076733251" sldId="2147483678"/>
+            <pc:sldLayoutMk cId="1352931187" sldId="2147483682"/>
+          </pc:sldLayoutMkLst>
+        </pc:sldLayoutChg>
+        <pc:sldLayoutChg chg="add mod replId">
+          <pc:chgData name="Piotr Siwiec" userId="S::336826@uwr.edu.pl::b7c14bf0-8a6c-4895-8f2d-3ddbb9b20175" providerId="AD" clId="Web-{44B8AA1F-AC61-E6AF-17E8-DEA171FE39C3}" dt="2023-06-16T08:10:23.052" v="1"/>
+          <pc:sldLayoutMkLst>
+            <pc:docMk/>
+            <pc:sldMasterMk cId="4076733251" sldId="2147483678"/>
+            <pc:sldLayoutMk cId="3344688143" sldId="2147483683"/>
+          </pc:sldLayoutMkLst>
+        </pc:sldLayoutChg>
+        <pc:sldLayoutChg chg="add mod replId">
+          <pc:chgData name="Piotr Siwiec" userId="S::336826@uwr.edu.pl::b7c14bf0-8a6c-4895-8f2d-3ddbb9b20175" providerId="AD" clId="Web-{44B8AA1F-AC61-E6AF-17E8-DEA171FE39C3}" dt="2023-06-16T08:10:23.052" v="1"/>
+          <pc:sldLayoutMkLst>
+            <pc:docMk/>
+            <pc:sldMasterMk cId="4076733251" sldId="2147483678"/>
+            <pc:sldLayoutMk cId="1182578256" sldId="2147483684"/>
+          </pc:sldLayoutMkLst>
+        </pc:sldLayoutChg>
+        <pc:sldLayoutChg chg="add mod replId">
+          <pc:chgData name="Piotr Siwiec" userId="S::336826@uwr.edu.pl::b7c14bf0-8a6c-4895-8f2d-3ddbb9b20175" providerId="AD" clId="Web-{44B8AA1F-AC61-E6AF-17E8-DEA171FE39C3}" dt="2023-06-16T08:10:23.052" v="1"/>
+          <pc:sldLayoutMkLst>
+            <pc:docMk/>
+            <pc:sldMasterMk cId="4076733251" sldId="2147483678"/>
+            <pc:sldLayoutMk cId="3785203111" sldId="2147483685"/>
+          </pc:sldLayoutMkLst>
+        </pc:sldLayoutChg>
+        <pc:sldLayoutChg chg="add mod replId">
+          <pc:chgData name="Piotr Siwiec" userId="S::336826@uwr.edu.pl::b7c14bf0-8a6c-4895-8f2d-3ddbb9b20175" providerId="AD" clId="Web-{44B8AA1F-AC61-E6AF-17E8-DEA171FE39C3}" dt="2023-06-16T08:10:23.052" v="1"/>
+          <pc:sldLayoutMkLst>
+            <pc:docMk/>
+            <pc:sldMasterMk cId="4076733251" sldId="2147483678"/>
+            <pc:sldLayoutMk cId="2243505227" sldId="2147483686"/>
+          </pc:sldLayoutMkLst>
+        </pc:sldLayoutChg>
+        <pc:sldLayoutChg chg="add mod replId">
+          <pc:chgData name="Piotr Siwiec" userId="S::336826@uwr.edu.pl::b7c14bf0-8a6c-4895-8f2d-3ddbb9b20175" providerId="AD" clId="Web-{44B8AA1F-AC61-E6AF-17E8-DEA171FE39C3}" dt="2023-06-16T08:10:23.052" v="1"/>
+          <pc:sldLayoutMkLst>
+            <pc:docMk/>
+            <pc:sldMasterMk cId="4076733251" sldId="2147483678"/>
+            <pc:sldLayoutMk cId="2265920712" sldId="2147483687"/>
+          </pc:sldLayoutMkLst>
+        </pc:sldLayoutChg>
+        <pc:sldLayoutChg chg="add mod replId">
+          <pc:chgData name="Piotr Siwiec" userId="S::336826@uwr.edu.pl::b7c14bf0-8a6c-4895-8f2d-3ddbb9b20175" providerId="AD" clId="Web-{44B8AA1F-AC61-E6AF-17E8-DEA171FE39C3}" dt="2023-06-16T08:10:23.052" v="1"/>
+          <pc:sldLayoutMkLst>
+            <pc:docMk/>
+            <pc:sldMasterMk cId="4076733251" sldId="2147483678"/>
+            <pc:sldLayoutMk cId="1870562327" sldId="2147483688"/>
+          </pc:sldLayoutMkLst>
+        </pc:sldLayoutChg>
+        <pc:sldLayoutChg chg="add mod replId">
+          <pc:chgData name="Piotr Siwiec" userId="S::336826@uwr.edu.pl::b7c14bf0-8a6c-4895-8f2d-3ddbb9b20175" providerId="AD" clId="Web-{44B8AA1F-AC61-E6AF-17E8-DEA171FE39C3}" dt="2023-06-16T08:10:23.052" v="1"/>
+          <pc:sldLayoutMkLst>
+            <pc:docMk/>
+            <pc:sldMasterMk cId="4076733251" sldId="2147483678"/>
+            <pc:sldLayoutMk cId="2335734695" sldId="2147483689"/>
+          </pc:sldLayoutMkLst>
+        </pc:sldLayoutChg>
+        <pc:sldLayoutChg chg="add mod replId">
+          <pc:chgData name="Piotr Siwiec" userId="S::336826@uwr.edu.pl::b7c14bf0-8a6c-4895-8f2d-3ddbb9b20175" providerId="AD" clId="Web-{44B8AA1F-AC61-E6AF-17E8-DEA171FE39C3}" dt="2023-06-16T08:10:23.052" v="1"/>
+          <pc:sldLayoutMkLst>
+            <pc:docMk/>
+            <pc:sldMasterMk cId="4076733251" sldId="2147483678"/>
+            <pc:sldLayoutMk cId="1103800617" sldId="2147483690"/>
+          </pc:sldLayoutMkLst>
+        </pc:sldLayoutChg>
+        <pc:sldLayoutChg chg="add mod replId">
+          <pc:chgData name="Piotr Siwiec" userId="S::336826@uwr.edu.pl::b7c14bf0-8a6c-4895-8f2d-3ddbb9b20175" providerId="AD" clId="Web-{44B8AA1F-AC61-E6AF-17E8-DEA171FE39C3}" dt="2023-06-16T08:10:23.052" v="1"/>
+          <pc:sldLayoutMkLst>
+            <pc:docMk/>
+            <pc:sldMasterMk cId="4076733251" sldId="2147483678"/>
+            <pc:sldLayoutMk cId="387441484" sldId="2147483691"/>
+          </pc:sldLayoutMkLst>
+        </pc:sldLayoutChg>
+        <pc:sldLayoutChg chg="add mod replId">
+          <pc:chgData name="Piotr Siwiec" userId="S::336826@uwr.edu.pl::b7c14bf0-8a6c-4895-8f2d-3ddbb9b20175" providerId="AD" clId="Web-{44B8AA1F-AC61-E6AF-17E8-DEA171FE39C3}" dt="2023-06-16T08:10:23.052" v="1"/>
+          <pc:sldLayoutMkLst>
+            <pc:docMk/>
+            <pc:sldMasterMk cId="4076733251" sldId="2147483678"/>
+            <pc:sldLayoutMk cId="1676336149" sldId="2147483692"/>
+          </pc:sldLayoutMkLst>
+        </pc:sldLayoutChg>
+        <pc:sldLayoutChg chg="add mod replId">
+          <pc:chgData name="Piotr Siwiec" userId="S::336826@uwr.edu.pl::b7c14bf0-8a6c-4895-8f2d-3ddbb9b20175" providerId="AD" clId="Web-{44B8AA1F-AC61-E6AF-17E8-DEA171FE39C3}" dt="2023-06-16T08:10:23.052" v="1"/>
+          <pc:sldLayoutMkLst>
+            <pc:docMk/>
+            <pc:sldMasterMk cId="4076733251" sldId="2147483678"/>
+            <pc:sldLayoutMk cId="1731721048" sldId="2147483693"/>
+          </pc:sldLayoutMkLst>
+        </pc:sldLayoutChg>
+        <pc:sldLayoutChg chg="add mod replId">
+          <pc:chgData name="Piotr Siwiec" userId="S::336826@uwr.edu.pl::b7c14bf0-8a6c-4895-8f2d-3ddbb9b20175" providerId="AD" clId="Web-{44B8AA1F-AC61-E6AF-17E8-DEA171FE39C3}" dt="2023-06-16T08:10:23.052" v="1"/>
+          <pc:sldLayoutMkLst>
+            <pc:docMk/>
+            <pc:sldMasterMk cId="4076733251" sldId="2147483678"/>
+            <pc:sldLayoutMk cId="3304701262" sldId="2147483694"/>
+          </pc:sldLayoutMkLst>
+        </pc:sldLayoutChg>
+        <pc:sldLayoutChg chg="add mod replId">
+          <pc:chgData name="Piotr Siwiec" userId="S::336826@uwr.edu.pl::b7c14bf0-8a6c-4895-8f2d-3ddbb9b20175" providerId="AD" clId="Web-{44B8AA1F-AC61-E6AF-17E8-DEA171FE39C3}" dt="2023-06-16T08:10:23.052" v="1"/>
+          <pc:sldLayoutMkLst>
+            <pc:docMk/>
+            <pc:sldMasterMk cId="4076733251" sldId="2147483678"/>
+            <pc:sldLayoutMk cId="1433585680" sldId="2147483695"/>
+          </pc:sldLayoutMkLst>
+        </pc:sldLayoutChg>
+      </pc:sldMasterChg>
+    </pc:docChg>
+  </pc:docChgLst>
+  <pc:docChgLst>
+    <pc:chgData name="Piotr Siwiec" userId="S::336826@uwr.edu.pl::b7c14bf0-8a6c-4895-8f2d-3ddbb9b20175" providerId="AD" clId="Web-{C069BE54-CCE5-C0D0-132D-6761A40402E9}"/>
+    <pc:docChg chg="modSld">
+      <pc:chgData name="Piotr Siwiec" userId="S::336826@uwr.edu.pl::b7c14bf0-8a6c-4895-8f2d-3ddbb9b20175" providerId="AD" clId="Web-{C069BE54-CCE5-C0D0-132D-6761A40402E9}" dt="2023-06-16T08:08:52.227" v="1"/>
+      <pc:docMkLst>
+        <pc:docMk/>
+      </pc:docMkLst>
+      <pc:sldChg chg="delSp">
+        <pc:chgData name="Piotr Siwiec" userId="S::336826@uwr.edu.pl::b7c14bf0-8a6c-4895-8f2d-3ddbb9b20175" providerId="AD" clId="Web-{C069BE54-CCE5-C0D0-132D-6761A40402E9}" dt="2023-06-16T08:08:44.258" v="0"/>
+        <pc:sldMkLst>
+          <pc:docMk/>
+          <pc:sldMk cId="650317164" sldId="256"/>
+        </pc:sldMkLst>
+        <pc:spChg chg="del">
+          <ac:chgData name="Piotr Siwiec" userId="S::336826@uwr.edu.pl::b7c14bf0-8a6c-4895-8f2d-3ddbb9b20175" providerId="AD" clId="Web-{C069BE54-CCE5-C0D0-132D-6761A40402E9}" dt="2023-06-16T08:08:44.258" v="0"/>
+          <ac:spMkLst>
+            <pc:docMk/>
+            <pc:sldMk cId="650317164" sldId="256"/>
+            <ac:spMk id="3" creationId="{00000000-0000-0000-0000-000000000000}"/>
+          </ac:spMkLst>
+        </pc:spChg>
+      </pc:sldChg>
+      <pc:sldChg chg="delSp">
+        <pc:chgData name="Piotr Siwiec" userId="S::336826@uwr.edu.pl::b7c14bf0-8a6c-4895-8f2d-3ddbb9b20175" providerId="AD" clId="Web-{C069BE54-CCE5-C0D0-132D-6761A40402E9}" dt="2023-06-16T08:08:52.227" v="1"/>
+        <pc:sldMkLst>
+          <pc:docMk/>
+          <pc:sldMk cId="1674181918" sldId="257"/>
+        </pc:sldMkLst>
+        <pc:spChg chg="del">
+          <ac:chgData name="Piotr Siwiec" userId="S::336826@uwr.edu.pl::b7c14bf0-8a6c-4895-8f2d-3ddbb9b20175" providerId="AD" clId="Web-{C069BE54-CCE5-C0D0-132D-6761A40402E9}" dt="2023-06-16T08:08:52.227" v="1"/>
+          <ac:spMkLst>
+            <pc:docMk/>
+            <pc:sldMk cId="1674181918" sldId="257"/>
+            <ac:spMk id="3" creationId="{F5FBDFAB-9A36-D8D3-1A3F-2DECB7BB1693}"/>
+          </ac:spMkLst>
+        </pc:spChg>
+      </pc:sldChg>
+    </pc:docChg>
+  </pc:docChgLst>
 </pc:chgInfo>
 </file>
 
 <file path=ppt/slideLayouts/slideLayout1.xml><?xml version="1.0" encoding="utf-8"?>
 <p:sldLayout xmlns:a="http://schemas.openxmlformats.org/drawingml/2006/main" xmlns:r="http://schemas.openxmlformats.org/officeDocument/2006/relationships" xmlns:p="http://schemas.openxmlformats.org/presentationml/2006/main" type="title" preserve="1">
-  <p:cSld name="Slajd tytułowy">
+  <p:cSld name="Title Slide">
     <p:spTree>
       <p:nvGrpSpPr>
         <p:cNvPr id="1" name=""/>
@@ -328,7 +849,7 @@
       </p:grpSpPr>
       <p:sp>
         <p:nvSpPr>
-          <p:cNvPr id="2" name="Tytuł 1"/>
+          <p:cNvPr id="2" name="Title 1"/>
           <p:cNvSpPr>
             <a:spLocks noGrp="1"/>
           </p:cNvSpPr>
@@ -338,28 +859,28 @@
         </p:nvSpPr>
         <p:spPr>
           <a:xfrm>
-            <a:off x="1524000" y="1122363"/>
-            <a:ext cx="9144000" cy="2387600"/>
+            <a:off x="1154955" y="1447800"/>
+            <a:ext cx="8825658" cy="3329581"/>
           </a:xfrm>
         </p:spPr>
         <p:txBody>
           <a:bodyPr anchor="b"/>
           <a:lstStyle>
-            <a:lvl1pPr algn="ctr">
-              <a:defRPr sz="6000"/>
+            <a:lvl1pPr>
+              <a:defRPr sz="7200"/>
             </a:lvl1pPr>
           </a:lstStyle>
           <a:p>
             <a:r>
-              <a:rPr lang="pl-PL"/>
-              <a:t>Kliknij, aby edytować styl</a:t>
-            </a:r>
-          </a:p>
-        </p:txBody>
-      </p:sp>
-      <p:sp>
-        <p:nvSpPr>
-          <p:cNvPr id="3" name="Podtytuł 2"/>
+              <a:rPr lang="en-US" dirty="0"/>
+              <a:t>Click to edit Master title style</a:t>
+            </a:r>
+          </a:p>
+        </p:txBody>
+      </p:sp>
+      <p:sp>
+        <p:nvSpPr>
+          <p:cNvPr id="3" name="Subtitle 2"/>
           <p:cNvSpPr>
             <a:spLocks noGrp="1"/>
           </p:cNvSpPr>
@@ -369,61 +890,113 @@
         </p:nvSpPr>
         <p:spPr>
           <a:xfrm>
-            <a:off x="1524000" y="3602038"/>
-            <a:ext cx="9144000" cy="1655762"/>
+            <a:off x="1154955" y="4777380"/>
+            <a:ext cx="8825658" cy="861420"/>
           </a:xfrm>
         </p:spPr>
         <p:txBody>
-          <a:bodyPr/>
+          <a:bodyPr anchor="t"/>
           <a:lstStyle>
-            <a:lvl1pPr marL="0" indent="0" algn="ctr">
-              <a:buNone/>
-              <a:defRPr sz="2400"/>
+            <a:lvl1pPr marL="0" indent="0" algn="l">
+              <a:buNone/>
+              <a:defRPr cap="all">
+                <a:solidFill>
+                  <a:schemeClr val="accent1"/>
+                </a:solidFill>
+              </a:defRPr>
             </a:lvl1pPr>
             <a:lvl2pPr marL="457200" indent="0" algn="ctr">
               <a:buNone/>
-              <a:defRPr sz="2000"/>
+              <a:defRPr>
+                <a:solidFill>
+                  <a:schemeClr val="tx1">
+                    <a:tint val="75000"/>
+                  </a:schemeClr>
+                </a:solidFill>
+              </a:defRPr>
             </a:lvl2pPr>
             <a:lvl3pPr marL="914400" indent="0" algn="ctr">
               <a:buNone/>
-              <a:defRPr sz="1800"/>
+              <a:defRPr>
+                <a:solidFill>
+                  <a:schemeClr val="tx1">
+                    <a:tint val="75000"/>
+                  </a:schemeClr>
+                </a:solidFill>
+              </a:defRPr>
             </a:lvl3pPr>
             <a:lvl4pPr marL="1371600" indent="0" algn="ctr">
               <a:buNone/>
-              <a:defRPr sz="1600"/>
+              <a:defRPr>
+                <a:solidFill>
+                  <a:schemeClr val="tx1">
+                    <a:tint val="75000"/>
+                  </a:schemeClr>
+                </a:solidFill>
+              </a:defRPr>
             </a:lvl4pPr>
             <a:lvl5pPr marL="1828800" indent="0" algn="ctr">
               <a:buNone/>
-              <a:defRPr sz="1600"/>
+              <a:defRPr>
+                <a:solidFill>
+                  <a:schemeClr val="tx1">
+                    <a:tint val="75000"/>
+                  </a:schemeClr>
+                </a:solidFill>
+              </a:defRPr>
             </a:lvl5pPr>
             <a:lvl6pPr marL="2286000" indent="0" algn="ctr">
               <a:buNone/>
-              <a:defRPr sz="1600"/>
+              <a:defRPr>
+                <a:solidFill>
+                  <a:schemeClr val="tx1">
+                    <a:tint val="75000"/>
+                  </a:schemeClr>
+                </a:solidFill>
+              </a:defRPr>
             </a:lvl6pPr>
             <a:lvl7pPr marL="2743200" indent="0" algn="ctr">
               <a:buNone/>
-              <a:defRPr sz="1600"/>
+              <a:defRPr>
+                <a:solidFill>
+                  <a:schemeClr val="tx1">
+                    <a:tint val="75000"/>
+                  </a:schemeClr>
+                </a:solidFill>
+              </a:defRPr>
             </a:lvl7pPr>
             <a:lvl8pPr marL="3200400" indent="0" algn="ctr">
               <a:buNone/>
-              <a:defRPr sz="1600"/>
+              <a:defRPr>
+                <a:solidFill>
+                  <a:schemeClr val="tx1">
+                    <a:tint val="75000"/>
+                  </a:schemeClr>
+                </a:solidFill>
+              </a:defRPr>
             </a:lvl8pPr>
             <a:lvl9pPr marL="3657600" indent="0" algn="ctr">
               <a:buNone/>
-              <a:defRPr sz="1600"/>
+              <a:defRPr>
+                <a:solidFill>
+                  <a:schemeClr val="tx1">
+                    <a:tint val="75000"/>
+                  </a:schemeClr>
+                </a:solidFill>
+              </a:defRPr>
             </a:lvl9pPr>
           </a:lstStyle>
           <a:p>
             <a:r>
-              <a:rPr lang="pl-PL"/>
-              <a:t>Kliknij, aby edytować styl wzorca podtytułu</a:t>
-            </a:r>
-          </a:p>
-        </p:txBody>
-      </p:sp>
-      <p:sp>
-        <p:nvSpPr>
-          <p:cNvPr id="4" name="Symbol zastępczy daty 3"/>
+              <a:rPr lang="en-US" dirty="0"/>
+              <a:t>Click to edit Master subtitle style</a:t>
+            </a:r>
+          </a:p>
+        </p:txBody>
+      </p:sp>
+      <p:sp>
+        <p:nvSpPr>
+          <p:cNvPr id="4" name="Date Placeholder 3"/>
           <p:cNvSpPr>
             <a:spLocks noGrp="1"/>
           </p:cNvSpPr>
@@ -436,17 +1009,17 @@
           <a:bodyPr/>
           <a:lstStyle/>
           <a:p>
-            <a:fld id="{F98AA868-8872-43E4-8C98-D34DABD1FD38}" type="datetimeFigureOut">
-              <a:rPr lang="pl-PL" smtClean="0"/>
-              <a:t>16.06.2023</a:t>
+            <a:fld id="{4AAD347D-5ACD-4C99-B74B-A9C85AD731AF}" type="datetimeFigureOut">
+              <a:rPr lang="en-US" dirty="0"/>
+              <a:t>6/16/2023</a:t>
             </a:fld>
-            <a:endParaRPr lang="pl-PL"/>
-          </a:p>
-        </p:txBody>
-      </p:sp>
-      <p:sp>
-        <p:nvSpPr>
-          <p:cNvPr id="5" name="Symbol zastępczy stopki 4"/>
+            <a:endParaRPr lang="en-US" dirty="0"/>
+          </a:p>
+        </p:txBody>
+      </p:sp>
+      <p:sp>
+        <p:nvSpPr>
+          <p:cNvPr id="5" name="Footer Placeholder 4"/>
           <p:cNvSpPr>
             <a:spLocks noGrp="1"/>
           </p:cNvSpPr>
@@ -459,13 +1032,13 @@
           <a:bodyPr/>
           <a:lstStyle/>
           <a:p>
-            <a:endParaRPr lang="pl-PL"/>
-          </a:p>
-        </p:txBody>
-      </p:sp>
-      <p:sp>
-        <p:nvSpPr>
-          <p:cNvPr id="6" name="Symbol zastępczy numeru slajdu 5"/>
+            <a:endParaRPr lang="en-US" dirty="0"/>
+          </a:p>
+        </p:txBody>
+      </p:sp>
+      <p:sp>
+        <p:nvSpPr>
+          <p:cNvPr id="6" name="Slide Number Placeholder 5"/>
           <p:cNvSpPr>
             <a:spLocks noGrp="1"/>
           </p:cNvSpPr>
@@ -478,18 +1051,18 @@
           <a:bodyPr/>
           <a:lstStyle/>
           <a:p>
-            <a:fld id="{C77C6C3F-668B-4AF5-BFA9-0F657EB068D6}" type="slidenum">
-              <a:rPr lang="pl-PL" smtClean="0"/>
+            <a:fld id="{D57F1E4F-1CFF-5643-939E-02111984F565}" type="slidenum">
+              <a:rPr lang="en-US" dirty="0"/>
               <a:t>‹#›</a:t>
             </a:fld>
-            <a:endParaRPr lang="pl-PL"/>
+            <a:endParaRPr lang="en-US" dirty="0"/>
           </a:p>
         </p:txBody>
       </p:sp>
     </p:spTree>
     <p:extLst>
       <p:ext uri="{BB962C8B-B14F-4D97-AF65-F5344CB8AC3E}">
-        <p14:creationId xmlns:p14="http://schemas.microsoft.com/office/powerpoint/2010/main" val="3391757436"/>
+        <p14:creationId xmlns:p14="http://schemas.microsoft.com/office/powerpoint/2010/main" val="1551545058"/>
       </p:ext>
     </p:extLst>
   </p:cSld>
@@ -500,8 +1073,8 @@
 </file>
 
 <file path=ppt/slideLayouts/slideLayout10.xml><?xml version="1.0" encoding="utf-8"?>
-<p:sldLayout xmlns:a="http://schemas.openxmlformats.org/drawingml/2006/main" xmlns:r="http://schemas.openxmlformats.org/officeDocument/2006/relationships" xmlns:p="http://schemas.openxmlformats.org/presentationml/2006/main" type="vertTx" preserve="1">
-  <p:cSld name="Tytuł i tekst pionowy">
+<p:sldLayout xmlns:a="http://schemas.openxmlformats.org/drawingml/2006/main" xmlns:r="http://schemas.openxmlformats.org/officeDocument/2006/relationships" xmlns:p="http://schemas.openxmlformats.org/presentationml/2006/main" preserve="1">
+  <p:cSld name="Panoramic Picture with Caption">
     <p:spTree>
       <p:nvGrpSpPr>
         <p:cNvPr id="1" name=""/>
@@ -518,12 +1091,187 @@
       </p:grpSpPr>
       <p:sp>
         <p:nvSpPr>
-          <p:cNvPr id="2" name="Tytuł 1"/>
+          <p:cNvPr id="2" name="Title 1"/>
           <p:cNvSpPr>
             <a:spLocks noGrp="1"/>
           </p:cNvSpPr>
           <p:nvPr>
             <p:ph type="title"/>
+          </p:nvPr>
+        </p:nvSpPr>
+        <p:spPr>
+          <a:xfrm>
+            <a:off x="1154956" y="4800587"/>
+            <a:ext cx="8825657" cy="566738"/>
+          </a:xfrm>
+        </p:spPr>
+        <p:txBody>
+          <a:bodyPr anchor="b">
+            <a:normAutofit/>
+          </a:bodyPr>
+          <a:lstStyle>
+            <a:lvl1pPr algn="l">
+              <a:defRPr sz="2400" b="0"/>
+            </a:lvl1pPr>
+          </a:lstStyle>
+          <a:p>
+            <a:r>
+              <a:rPr lang="en-US" dirty="0"/>
+              <a:t>Click to edit Master title style</a:t>
+            </a:r>
+          </a:p>
+        </p:txBody>
+      </p:sp>
+      <p:sp>
+        <p:nvSpPr>
+          <p:cNvPr id="3" name="Picture Placeholder 2"/>
+          <p:cNvSpPr>
+            <a:spLocks noGrp="1" noChangeAspect="1"/>
+          </p:cNvSpPr>
+          <p:nvPr>
+            <p:ph type="pic" idx="1"/>
+          </p:nvPr>
+        </p:nvSpPr>
+        <p:spPr>
+          <a:xfrm>
+            <a:off x="1154955" y="685800"/>
+            <a:ext cx="8825658" cy="3640666"/>
+          </a:xfrm>
+          <a:prstGeom prst="roundRect">
+            <a:avLst>
+              <a:gd name="adj" fmla="val 1858"/>
+            </a:avLst>
+          </a:prstGeom>
+          <a:effectLst>
+            <a:outerShdw blurRad="50800" dist="50800" dir="5400000" algn="tl" rotWithShape="0">
+              <a:srgbClr val="000000">
+                <a:alpha val="43000"/>
+              </a:srgbClr>
+            </a:outerShdw>
+          </a:effectLst>
+        </p:spPr>
+        <p:txBody>
+          <a:bodyPr anchor="t">
+            <a:normAutofit/>
+          </a:bodyPr>
+          <a:lstStyle>
+            <a:lvl1pPr marL="0" indent="0" algn="ctr">
+              <a:buNone/>
+              <a:defRPr sz="1600"/>
+            </a:lvl1pPr>
+            <a:lvl2pPr marL="457200" indent="0">
+              <a:buNone/>
+              <a:defRPr sz="1600"/>
+            </a:lvl2pPr>
+            <a:lvl3pPr marL="914400" indent="0">
+              <a:buNone/>
+              <a:defRPr sz="1600"/>
+            </a:lvl3pPr>
+            <a:lvl4pPr marL="1371600" indent="0">
+              <a:buNone/>
+              <a:defRPr sz="1600"/>
+            </a:lvl4pPr>
+            <a:lvl5pPr marL="1828800" indent="0">
+              <a:buNone/>
+              <a:defRPr sz="1600"/>
+            </a:lvl5pPr>
+            <a:lvl6pPr marL="2286000" indent="0">
+              <a:buNone/>
+              <a:defRPr sz="1600"/>
+            </a:lvl6pPr>
+            <a:lvl7pPr marL="2743200" indent="0">
+              <a:buNone/>
+              <a:defRPr sz="1600"/>
+            </a:lvl7pPr>
+            <a:lvl8pPr marL="3200400" indent="0">
+              <a:buNone/>
+              <a:defRPr sz="1600"/>
+            </a:lvl8pPr>
+            <a:lvl9pPr marL="3657600" indent="0">
+              <a:buNone/>
+              <a:defRPr sz="1600"/>
+            </a:lvl9pPr>
+          </a:lstStyle>
+          <a:p>
+            <a:endParaRPr lang="en-US" dirty="0"/>
+          </a:p>
+        </p:txBody>
+      </p:sp>
+      <p:sp>
+        <p:nvSpPr>
+          <p:cNvPr id="4" name="Text Placeholder 3"/>
+          <p:cNvSpPr>
+            <a:spLocks noGrp="1"/>
+          </p:cNvSpPr>
+          <p:nvPr>
+            <p:ph type="body" sz="half" idx="2"/>
+          </p:nvPr>
+        </p:nvSpPr>
+        <p:spPr>
+          <a:xfrm>
+            <a:off x="1154956" y="5367325"/>
+            <a:ext cx="8825656" cy="493712"/>
+          </a:xfrm>
+        </p:spPr>
+        <p:txBody>
+          <a:bodyPr>
+            <a:normAutofit/>
+          </a:bodyPr>
+          <a:lstStyle>
+            <a:lvl1pPr marL="0" indent="0">
+              <a:buNone/>
+              <a:defRPr sz="1200"/>
+            </a:lvl1pPr>
+            <a:lvl2pPr marL="457200" indent="0">
+              <a:buNone/>
+              <a:defRPr sz="1200"/>
+            </a:lvl2pPr>
+            <a:lvl3pPr marL="914400" indent="0">
+              <a:buNone/>
+              <a:defRPr sz="1000"/>
+            </a:lvl3pPr>
+            <a:lvl4pPr marL="1371600" indent="0">
+              <a:buNone/>
+              <a:defRPr sz="900"/>
+            </a:lvl4pPr>
+            <a:lvl5pPr marL="1828800" indent="0">
+              <a:buNone/>
+              <a:defRPr sz="900"/>
+            </a:lvl5pPr>
+            <a:lvl6pPr marL="2286000" indent="0">
+              <a:buNone/>
+              <a:defRPr sz="900"/>
+            </a:lvl6pPr>
+            <a:lvl7pPr marL="2743200" indent="0">
+              <a:buNone/>
+              <a:defRPr sz="900"/>
+            </a:lvl7pPr>
+            <a:lvl8pPr marL="3200400" indent="0">
+              <a:buNone/>
+              <a:defRPr sz="900"/>
+            </a:lvl8pPr>
+            <a:lvl9pPr marL="3657600" indent="0">
+              <a:buNone/>
+              <a:defRPr sz="900"/>
+            </a:lvl9pPr>
+          </a:lstStyle>
+          <a:p>
+            <a:pPr lvl="0"/>
+            <a:r>
+              <a:rPr lang="en-US" dirty="0"/>
+              <a:t>Click to edit Master text styles</a:t>
+            </a:r>
+          </a:p>
+        </p:txBody>
+      </p:sp>
+      <p:sp>
+        <p:nvSpPr>
+          <p:cNvPr id="5" name="Date Placeholder 4"/>
+          <p:cNvSpPr>
+            <a:spLocks noGrp="1"/>
+          </p:cNvSpPr>
+          <p:nvPr>
+            <p:ph type="dt" sz="half" idx="10"/>
           </p:nvPr>
         </p:nvSpPr>
         <p:spPr/>
@@ -531,72 +1279,22 @@
           <a:bodyPr/>
           <a:lstStyle/>
           <a:p>
-            <a:r>
-              <a:rPr lang="pl-PL"/>
-              <a:t>Kliknij, aby edytować styl</a:t>
-            </a:r>
-          </a:p>
-        </p:txBody>
-      </p:sp>
-      <p:sp>
-        <p:nvSpPr>
-          <p:cNvPr id="3" name="Symbol zastępczy tytułu pionowego 2"/>
-          <p:cNvSpPr>
-            <a:spLocks noGrp="1"/>
-          </p:cNvSpPr>
-          <p:nvPr>
-            <p:ph type="body" orient="vert" idx="1"/>
-          </p:nvPr>
-        </p:nvSpPr>
-        <p:spPr/>
-        <p:txBody>
-          <a:bodyPr vert="eaVert"/>
-          <a:lstStyle/>
-          <a:p>
-            <a:pPr lvl="0"/>
-            <a:r>
-              <a:rPr lang="pl-PL"/>
-              <a:t>Kliknij, aby edytować style wzorca tekstu</a:t>
-            </a:r>
-          </a:p>
-          <a:p>
-            <a:pPr lvl="1"/>
-            <a:r>
-              <a:rPr lang="pl-PL"/>
-              <a:t>Drugi poziom</a:t>
-            </a:r>
-          </a:p>
-          <a:p>
-            <a:pPr lvl="2"/>
-            <a:r>
-              <a:rPr lang="pl-PL"/>
-              <a:t>Trzeci poziom</a:t>
-            </a:r>
-          </a:p>
-          <a:p>
-            <a:pPr lvl="3"/>
-            <a:r>
-              <a:rPr lang="pl-PL"/>
-              <a:t>Czwarty poziom</a:t>
-            </a:r>
-          </a:p>
-          <a:p>
-            <a:pPr lvl="4"/>
-            <a:r>
-              <a:rPr lang="pl-PL"/>
-              <a:t>Piąty poziom</a:t>
-            </a:r>
-          </a:p>
-        </p:txBody>
-      </p:sp>
-      <p:sp>
-        <p:nvSpPr>
-          <p:cNvPr id="4" name="Symbol zastępczy daty 3"/>
-          <p:cNvSpPr>
-            <a:spLocks noGrp="1"/>
-          </p:cNvSpPr>
-          <p:nvPr>
-            <p:ph type="dt" sz="half" idx="10"/>
+            <a:fld id="{4509A250-FF31-4206-8172-F9D3106AACB1}" type="datetimeFigureOut">
+              <a:rPr lang="en-US" dirty="0"/>
+              <a:t>6/16/2023</a:t>
+            </a:fld>
+            <a:endParaRPr lang="en-US" dirty="0"/>
+          </a:p>
+        </p:txBody>
+      </p:sp>
+      <p:sp>
+        <p:nvSpPr>
+          <p:cNvPr id="6" name="Footer Placeholder 5"/>
+          <p:cNvSpPr>
+            <a:spLocks noGrp="1"/>
+          </p:cNvSpPr>
+          <p:nvPr>
+            <p:ph type="ftr" sz="quarter" idx="11"/>
           </p:nvPr>
         </p:nvSpPr>
         <p:spPr/>
@@ -604,22 +1302,18 @@
           <a:bodyPr/>
           <a:lstStyle/>
           <a:p>
-            <a:fld id="{F98AA868-8872-43E4-8C98-D34DABD1FD38}" type="datetimeFigureOut">
-              <a:rPr lang="pl-PL" smtClean="0"/>
-              <a:t>16.06.2023</a:t>
-            </a:fld>
-            <a:endParaRPr lang="pl-PL"/>
-          </a:p>
-        </p:txBody>
-      </p:sp>
-      <p:sp>
-        <p:nvSpPr>
-          <p:cNvPr id="5" name="Symbol zastępczy stopki 4"/>
-          <p:cNvSpPr>
-            <a:spLocks noGrp="1"/>
-          </p:cNvSpPr>
-          <p:nvPr>
-            <p:ph type="ftr" sz="quarter" idx="11"/>
+            <a:endParaRPr lang="en-US" dirty="0"/>
+          </a:p>
+        </p:txBody>
+      </p:sp>
+      <p:sp>
+        <p:nvSpPr>
+          <p:cNvPr id="7" name="Slide Number Placeholder 6"/>
+          <p:cNvSpPr>
+            <a:spLocks noGrp="1"/>
+          </p:cNvSpPr>
+          <p:nvPr>
+            <p:ph type="sldNum" sz="quarter" idx="12"/>
           </p:nvPr>
         </p:nvSpPr>
         <p:spPr/>
@@ -627,37 +1321,18 @@
           <a:bodyPr/>
           <a:lstStyle/>
           <a:p>
-            <a:endParaRPr lang="pl-PL"/>
-          </a:p>
-        </p:txBody>
-      </p:sp>
-      <p:sp>
-        <p:nvSpPr>
-          <p:cNvPr id="6" name="Symbol zastępczy numeru slajdu 5"/>
-          <p:cNvSpPr>
-            <a:spLocks noGrp="1"/>
-          </p:cNvSpPr>
-          <p:nvPr>
-            <p:ph type="sldNum" sz="quarter" idx="12"/>
-          </p:nvPr>
-        </p:nvSpPr>
-        <p:spPr/>
-        <p:txBody>
-          <a:bodyPr/>
-          <a:lstStyle/>
-          <a:p>
-            <a:fld id="{C77C6C3F-668B-4AF5-BFA9-0F657EB068D6}" type="slidenum">
-              <a:rPr lang="pl-PL" smtClean="0"/>
+            <a:fld id="{D57F1E4F-1CFF-5643-939E-02111984F565}" type="slidenum">
+              <a:rPr lang="en-US" dirty="0"/>
               <a:t>‹#›</a:t>
             </a:fld>
-            <a:endParaRPr lang="pl-PL"/>
+            <a:endParaRPr lang="en-US" dirty="0"/>
           </a:p>
         </p:txBody>
       </p:sp>
     </p:spTree>
     <p:extLst>
       <p:ext uri="{BB962C8B-B14F-4D97-AF65-F5344CB8AC3E}">
-        <p14:creationId xmlns:p14="http://schemas.microsoft.com/office/powerpoint/2010/main" val="2454508176"/>
+        <p14:creationId xmlns:p14="http://schemas.microsoft.com/office/powerpoint/2010/main" val="1870562327"/>
       </p:ext>
     </p:extLst>
   </p:cSld>
@@ -668,8 +1343,8 @@
 </file>
 
 <file path=ppt/slideLayouts/slideLayout11.xml><?xml version="1.0" encoding="utf-8"?>
-<p:sldLayout xmlns:a="http://schemas.openxmlformats.org/drawingml/2006/main" xmlns:r="http://schemas.openxmlformats.org/officeDocument/2006/relationships" xmlns:p="http://schemas.openxmlformats.org/presentationml/2006/main" type="vertTitleAndTx" preserve="1">
-  <p:cSld name="Tytuł pionowy i tekst">
+<p:sldLayout xmlns:a="http://schemas.openxmlformats.org/drawingml/2006/main" xmlns:r="http://schemas.openxmlformats.org/officeDocument/2006/relationships" xmlns:p="http://schemas.openxmlformats.org/presentationml/2006/main" preserve="1">
+  <p:cSld name="Title and Caption">
     <p:spTree>
       <p:nvGrpSpPr>
         <p:cNvPr id="1" name=""/>
@@ -686,90 +1361,105 @@
       </p:grpSpPr>
       <p:sp>
         <p:nvSpPr>
-          <p:cNvPr id="2" name="Tytuł pionowy 1"/>
-          <p:cNvSpPr>
-            <a:spLocks noGrp="1"/>
-          </p:cNvSpPr>
-          <p:nvPr>
-            <p:ph type="title" orient="vert"/>
+          <p:cNvPr id="2" name="Title 1"/>
+          <p:cNvSpPr>
+            <a:spLocks noGrp="1"/>
+          </p:cNvSpPr>
+          <p:nvPr>
+            <p:ph type="title"/>
           </p:nvPr>
         </p:nvSpPr>
         <p:spPr>
           <a:xfrm>
-            <a:off x="8724900" y="365125"/>
-            <a:ext cx="2628900" cy="5811838"/>
+            <a:off x="1154954" y="1447800"/>
+            <a:ext cx="8825659" cy="1981200"/>
           </a:xfrm>
         </p:spPr>
         <p:txBody>
-          <a:bodyPr vert="eaVert"/>
-          <a:lstStyle/>
-          <a:p>
-            <a:r>
-              <a:rPr lang="pl-PL"/>
-              <a:t>Kliknij, aby edytować styl</a:t>
-            </a:r>
-          </a:p>
-        </p:txBody>
-      </p:sp>
-      <p:sp>
-        <p:nvSpPr>
-          <p:cNvPr id="3" name="Symbol zastępczy tytułu pionowego 2"/>
-          <p:cNvSpPr>
-            <a:spLocks noGrp="1"/>
-          </p:cNvSpPr>
-          <p:nvPr>
-            <p:ph type="body" orient="vert" idx="1"/>
+          <a:bodyPr/>
+          <a:lstStyle>
+            <a:lvl1pPr>
+              <a:defRPr sz="4800"/>
+            </a:lvl1pPr>
+          </a:lstStyle>
+          <a:p>
+            <a:r>
+              <a:rPr lang="en-US" dirty="0"/>
+              <a:t>Click to edit Master title style</a:t>
+            </a:r>
+          </a:p>
+        </p:txBody>
+      </p:sp>
+      <p:sp>
+        <p:nvSpPr>
+          <p:cNvPr id="8" name="Text Placeholder 3"/>
+          <p:cNvSpPr>
+            <a:spLocks noGrp="1"/>
+          </p:cNvSpPr>
+          <p:nvPr>
+            <p:ph type="body" sz="half" idx="2"/>
           </p:nvPr>
         </p:nvSpPr>
         <p:spPr>
           <a:xfrm>
-            <a:off x="838200" y="365125"/>
-            <a:ext cx="7734300" cy="5811838"/>
+            <a:off x="1154954" y="3657600"/>
+            <a:ext cx="8825659" cy="2362200"/>
           </a:xfrm>
         </p:spPr>
         <p:txBody>
-          <a:bodyPr vert="eaVert"/>
-          <a:lstStyle/>
+          <a:bodyPr anchor="ctr">
+            <a:normAutofit/>
+          </a:bodyPr>
+          <a:lstStyle>
+            <a:lvl1pPr marL="0" indent="0">
+              <a:buNone/>
+              <a:defRPr sz="1800"/>
+            </a:lvl1pPr>
+            <a:lvl2pPr marL="457200" indent="0">
+              <a:buNone/>
+              <a:defRPr sz="1200"/>
+            </a:lvl2pPr>
+            <a:lvl3pPr marL="914400" indent="0">
+              <a:buNone/>
+              <a:defRPr sz="1000"/>
+            </a:lvl3pPr>
+            <a:lvl4pPr marL="1371600" indent="0">
+              <a:buNone/>
+              <a:defRPr sz="900"/>
+            </a:lvl4pPr>
+            <a:lvl5pPr marL="1828800" indent="0">
+              <a:buNone/>
+              <a:defRPr sz="900"/>
+            </a:lvl5pPr>
+            <a:lvl6pPr marL="2286000" indent="0">
+              <a:buNone/>
+              <a:defRPr sz="900"/>
+            </a:lvl6pPr>
+            <a:lvl7pPr marL="2743200" indent="0">
+              <a:buNone/>
+              <a:defRPr sz="900"/>
+            </a:lvl7pPr>
+            <a:lvl8pPr marL="3200400" indent="0">
+              <a:buNone/>
+              <a:defRPr sz="900"/>
+            </a:lvl8pPr>
+            <a:lvl9pPr marL="3657600" indent="0">
+              <a:buNone/>
+              <a:defRPr sz="900"/>
+            </a:lvl9pPr>
+          </a:lstStyle>
           <a:p>
             <a:pPr lvl="0"/>
             <a:r>
-              <a:rPr lang="pl-PL"/>
-              <a:t>Kliknij, aby edytować style wzorca tekstu</a:t>
-            </a:r>
-          </a:p>
-          <a:p>
-            <a:pPr lvl="1"/>
-            <a:r>
-              <a:rPr lang="pl-PL"/>
-              <a:t>Drugi poziom</a:t>
-            </a:r>
-          </a:p>
-          <a:p>
-            <a:pPr lvl="2"/>
-            <a:r>
-              <a:rPr lang="pl-PL"/>
-              <a:t>Trzeci poziom</a:t>
-            </a:r>
-          </a:p>
-          <a:p>
-            <a:pPr lvl="3"/>
-            <a:r>
-              <a:rPr lang="pl-PL"/>
-              <a:t>Czwarty poziom</a:t>
-            </a:r>
-          </a:p>
-          <a:p>
-            <a:pPr lvl="4"/>
-            <a:r>
-              <a:rPr lang="pl-PL"/>
-              <a:t>Piąty poziom</a:t>
-            </a:r>
-          </a:p>
-        </p:txBody>
-      </p:sp>
-      <p:sp>
-        <p:nvSpPr>
-          <p:cNvPr id="4" name="Symbol zastępczy daty 3"/>
+              <a:rPr lang="en-US" dirty="0"/>
+              <a:t>Click to edit Master text styles</a:t>
+            </a:r>
+          </a:p>
+        </p:txBody>
+      </p:sp>
+      <p:sp>
+        <p:nvSpPr>
+          <p:cNvPr id="4" name="Date Placeholder 3"/>
           <p:cNvSpPr>
             <a:spLocks noGrp="1"/>
           </p:cNvSpPr>
@@ -782,17 +1472,17 @@
           <a:bodyPr/>
           <a:lstStyle/>
           <a:p>
-            <a:fld id="{F98AA868-8872-43E4-8C98-D34DABD1FD38}" type="datetimeFigureOut">
-              <a:rPr lang="pl-PL" smtClean="0"/>
-              <a:t>16.06.2023</a:t>
+            <a:fld id="{4509A250-FF31-4206-8172-F9D3106AACB1}" type="datetimeFigureOut">
+              <a:rPr lang="en-US" dirty="0"/>
+              <a:t>6/16/2023</a:t>
             </a:fld>
-            <a:endParaRPr lang="pl-PL"/>
-          </a:p>
-        </p:txBody>
-      </p:sp>
-      <p:sp>
-        <p:nvSpPr>
-          <p:cNvPr id="5" name="Symbol zastępczy stopki 4"/>
+            <a:endParaRPr lang="en-US" dirty="0"/>
+          </a:p>
+        </p:txBody>
+      </p:sp>
+      <p:sp>
+        <p:nvSpPr>
+          <p:cNvPr id="5" name="Footer Placeholder 4"/>
           <p:cNvSpPr>
             <a:spLocks noGrp="1"/>
           </p:cNvSpPr>
@@ -805,13 +1495,13 @@
           <a:bodyPr/>
           <a:lstStyle/>
           <a:p>
-            <a:endParaRPr lang="pl-PL"/>
-          </a:p>
-        </p:txBody>
-      </p:sp>
-      <p:sp>
-        <p:nvSpPr>
-          <p:cNvPr id="6" name="Symbol zastępczy numeru slajdu 5"/>
+            <a:endParaRPr lang="en-US" dirty="0"/>
+          </a:p>
+        </p:txBody>
+      </p:sp>
+      <p:sp>
+        <p:nvSpPr>
+          <p:cNvPr id="6" name="Slide Number Placeholder 5"/>
           <p:cNvSpPr>
             <a:spLocks noGrp="1"/>
           </p:cNvSpPr>
@@ -824,18 +1514,18 @@
           <a:bodyPr/>
           <a:lstStyle/>
           <a:p>
-            <a:fld id="{C77C6C3F-668B-4AF5-BFA9-0F657EB068D6}" type="slidenum">
-              <a:rPr lang="pl-PL" smtClean="0"/>
+            <a:fld id="{D57F1E4F-1CFF-5643-939E-02111984F565}" type="slidenum">
+              <a:rPr lang="en-US" dirty="0"/>
               <a:t>‹#›</a:t>
             </a:fld>
-            <a:endParaRPr lang="pl-PL"/>
+            <a:endParaRPr lang="en-US" dirty="0"/>
           </a:p>
         </p:txBody>
       </p:sp>
     </p:spTree>
     <p:extLst>
       <p:ext uri="{BB962C8B-B14F-4D97-AF65-F5344CB8AC3E}">
-        <p14:creationId xmlns:p14="http://schemas.microsoft.com/office/powerpoint/2010/main" val="1340386666"/>
+        <p14:creationId xmlns:p14="http://schemas.microsoft.com/office/powerpoint/2010/main" val="2335734695"/>
       </p:ext>
     </p:extLst>
   </p:cSld>
@@ -845,9 +1535,9 @@
 </p:sldLayout>
 </file>
 
-<file path=ppt/slideLayouts/slideLayout2.xml><?xml version="1.0" encoding="utf-8"?>
-<p:sldLayout xmlns:a="http://schemas.openxmlformats.org/drawingml/2006/main" xmlns:r="http://schemas.openxmlformats.org/officeDocument/2006/relationships" xmlns:p="http://schemas.openxmlformats.org/presentationml/2006/main" type="obj" preserve="1">
-  <p:cSld name="Tytuł i zawartość">
+<file path=ppt/slideLayouts/slideLayout12.xml><?xml version="1.0" encoding="utf-8"?>
+<p:sldLayout xmlns:a="http://schemas.openxmlformats.org/drawingml/2006/main" xmlns:r="http://schemas.openxmlformats.org/officeDocument/2006/relationships" xmlns:p="http://schemas.openxmlformats.org/presentationml/2006/main" preserve="1">
+  <p:cSld name="Quote with Caption">
     <p:spTree>
       <p:nvGrpSpPr>
         <p:cNvPr id="1" name=""/>
@@ -864,12 +1554,184 @@
       </p:grpSpPr>
       <p:sp>
         <p:nvSpPr>
-          <p:cNvPr id="2" name="Tytuł 1"/>
+          <p:cNvPr id="2" name="Title 1"/>
           <p:cNvSpPr>
             <a:spLocks noGrp="1"/>
           </p:cNvSpPr>
           <p:nvPr>
             <p:ph type="title"/>
+          </p:nvPr>
+        </p:nvSpPr>
+        <p:spPr>
+          <a:xfrm>
+            <a:off x="1574801" y="1447800"/>
+            <a:ext cx="7999315" cy="2323374"/>
+          </a:xfrm>
+        </p:spPr>
+        <p:txBody>
+          <a:bodyPr/>
+          <a:lstStyle>
+            <a:lvl1pPr>
+              <a:defRPr sz="4800"/>
+            </a:lvl1pPr>
+          </a:lstStyle>
+          <a:p>
+            <a:r>
+              <a:rPr lang="en-US" dirty="0"/>
+              <a:t>Click to edit Master title style</a:t>
+            </a:r>
+          </a:p>
+        </p:txBody>
+      </p:sp>
+      <p:sp>
+        <p:nvSpPr>
+          <p:cNvPr id="14" name="Text Placeholder 3"/>
+          <p:cNvSpPr>
+            <a:spLocks noGrp="1"/>
+          </p:cNvSpPr>
+          <p:nvPr>
+            <p:ph type="body" sz="half" idx="13"/>
+          </p:nvPr>
+        </p:nvSpPr>
+        <p:spPr>
+          <a:xfrm>
+            <a:off x="1930400" y="3771174"/>
+            <a:ext cx="7385828" cy="342174"/>
+          </a:xfrm>
+        </p:spPr>
+        <p:txBody>
+          <a:bodyPr anchor="t">
+            <a:normAutofit/>
+          </a:bodyPr>
+          <a:lstStyle>
+            <a:lvl1pPr marL="0" indent="0">
+              <a:buNone/>
+              <a:defRPr lang="en-US" sz="1400" b="0" i="0" kern="1200" cap="small" dirty="0">
+                <a:solidFill>
+                  <a:schemeClr val="accent1"/>
+                </a:solidFill>
+                <a:latin typeface="+mj-lt"/>
+                <a:ea typeface="+mj-ea"/>
+                <a:cs typeface="+mj-cs"/>
+              </a:defRPr>
+            </a:lvl1pPr>
+            <a:lvl2pPr marL="457200" indent="0">
+              <a:buNone/>
+              <a:defRPr sz="1200"/>
+            </a:lvl2pPr>
+            <a:lvl3pPr marL="914400" indent="0">
+              <a:buNone/>
+              <a:defRPr sz="1000"/>
+            </a:lvl3pPr>
+            <a:lvl4pPr marL="1371600" indent="0">
+              <a:buNone/>
+              <a:defRPr sz="900"/>
+            </a:lvl4pPr>
+            <a:lvl5pPr marL="1828800" indent="0">
+              <a:buNone/>
+              <a:defRPr sz="900"/>
+            </a:lvl5pPr>
+            <a:lvl6pPr marL="2286000" indent="0">
+              <a:buNone/>
+              <a:defRPr sz="900"/>
+            </a:lvl6pPr>
+            <a:lvl7pPr marL="2743200" indent="0">
+              <a:buNone/>
+              <a:defRPr sz="900"/>
+            </a:lvl7pPr>
+            <a:lvl8pPr marL="3200400" indent="0">
+              <a:buNone/>
+              <a:defRPr sz="900"/>
+            </a:lvl8pPr>
+            <a:lvl9pPr marL="3657600" indent="0">
+              <a:buNone/>
+              <a:defRPr sz="900"/>
+            </a:lvl9pPr>
+          </a:lstStyle>
+          <a:p>
+            <a:pPr lvl="0"/>
+            <a:r>
+              <a:rPr lang="en-US" dirty="0"/>
+              <a:t>Click to edit Master text styles</a:t>
+            </a:r>
+          </a:p>
+        </p:txBody>
+      </p:sp>
+      <p:sp>
+        <p:nvSpPr>
+          <p:cNvPr id="10" name="Text Placeholder 3"/>
+          <p:cNvSpPr>
+            <a:spLocks noGrp="1"/>
+          </p:cNvSpPr>
+          <p:nvPr>
+            <p:ph type="body" sz="half" idx="2"/>
+          </p:nvPr>
+        </p:nvSpPr>
+        <p:spPr>
+          <a:xfrm>
+            <a:off x="1154954" y="4350657"/>
+            <a:ext cx="8825659" cy="1676400"/>
+          </a:xfrm>
+        </p:spPr>
+        <p:txBody>
+          <a:bodyPr anchor="ctr">
+            <a:normAutofit/>
+          </a:bodyPr>
+          <a:lstStyle>
+            <a:lvl1pPr marL="0" indent="0">
+              <a:buNone/>
+              <a:defRPr sz="1800"/>
+            </a:lvl1pPr>
+            <a:lvl2pPr marL="457200" indent="0">
+              <a:buNone/>
+              <a:defRPr sz="1200"/>
+            </a:lvl2pPr>
+            <a:lvl3pPr marL="914400" indent="0">
+              <a:buNone/>
+              <a:defRPr sz="1000"/>
+            </a:lvl3pPr>
+            <a:lvl4pPr marL="1371600" indent="0">
+              <a:buNone/>
+              <a:defRPr sz="900"/>
+            </a:lvl4pPr>
+            <a:lvl5pPr marL="1828800" indent="0">
+              <a:buNone/>
+              <a:defRPr sz="900"/>
+            </a:lvl5pPr>
+            <a:lvl6pPr marL="2286000" indent="0">
+              <a:buNone/>
+              <a:defRPr sz="900"/>
+            </a:lvl6pPr>
+            <a:lvl7pPr marL="2743200" indent="0">
+              <a:buNone/>
+              <a:defRPr sz="900"/>
+            </a:lvl7pPr>
+            <a:lvl8pPr marL="3200400" indent="0">
+              <a:buNone/>
+              <a:defRPr sz="900"/>
+            </a:lvl8pPr>
+            <a:lvl9pPr marL="3657600" indent="0">
+              <a:buNone/>
+              <a:defRPr sz="900"/>
+            </a:lvl9pPr>
+          </a:lstStyle>
+          <a:p>
+            <a:pPr lvl="0"/>
+            <a:r>
+              <a:rPr lang="en-US" dirty="0"/>
+              <a:t>Click to edit Master text styles</a:t>
+            </a:r>
+          </a:p>
+        </p:txBody>
+      </p:sp>
+      <p:sp>
+        <p:nvSpPr>
+          <p:cNvPr id="4" name="Date Placeholder 3"/>
+          <p:cNvSpPr>
+            <a:spLocks noGrp="1"/>
+          </p:cNvSpPr>
+          <p:nvPr>
+            <p:ph type="dt" sz="half" idx="10"/>
           </p:nvPr>
         </p:nvSpPr>
         <p:spPr/>
@@ -877,21 +1739,22 @@
           <a:bodyPr/>
           <a:lstStyle/>
           <a:p>
-            <a:r>
-              <a:rPr lang="pl-PL"/>
-              <a:t>Kliknij, aby edytować styl</a:t>
-            </a:r>
-          </a:p>
-        </p:txBody>
-      </p:sp>
-      <p:sp>
-        <p:nvSpPr>
-          <p:cNvPr id="3" name="Symbol zastępczy zawartości 2"/>
-          <p:cNvSpPr>
-            <a:spLocks noGrp="1"/>
-          </p:cNvSpPr>
-          <p:nvPr>
-            <p:ph idx="1"/>
+            <a:fld id="{4509A250-FF31-4206-8172-F9D3106AACB1}" type="datetimeFigureOut">
+              <a:rPr lang="en-US" dirty="0"/>
+              <a:t>6/16/2023</a:t>
+            </a:fld>
+            <a:endParaRPr lang="en-US" dirty="0"/>
+          </a:p>
+        </p:txBody>
+      </p:sp>
+      <p:sp>
+        <p:nvSpPr>
+          <p:cNvPr id="5" name="Footer Placeholder 4"/>
+          <p:cNvSpPr>
+            <a:spLocks noGrp="1"/>
+          </p:cNvSpPr>
+          <p:nvPr>
+            <p:ph type="ftr" sz="quarter" idx="11"/>
           </p:nvPr>
         </p:nvSpPr>
         <p:spPr/>
@@ -899,50 +1762,18 @@
           <a:bodyPr/>
           <a:lstStyle/>
           <a:p>
-            <a:pPr lvl="0"/>
-            <a:r>
-              <a:rPr lang="pl-PL"/>
-              <a:t>Kliknij, aby edytować style wzorca tekstu</a:t>
-            </a:r>
-          </a:p>
-          <a:p>
-            <a:pPr lvl="1"/>
-            <a:r>
-              <a:rPr lang="pl-PL"/>
-              <a:t>Drugi poziom</a:t>
-            </a:r>
-          </a:p>
-          <a:p>
-            <a:pPr lvl="2"/>
-            <a:r>
-              <a:rPr lang="pl-PL"/>
-              <a:t>Trzeci poziom</a:t>
-            </a:r>
-          </a:p>
-          <a:p>
-            <a:pPr lvl="3"/>
-            <a:r>
-              <a:rPr lang="pl-PL"/>
-              <a:t>Czwarty poziom</a:t>
-            </a:r>
-          </a:p>
-          <a:p>
-            <a:pPr lvl="4"/>
-            <a:r>
-              <a:rPr lang="pl-PL"/>
-              <a:t>Piąty poziom</a:t>
-            </a:r>
-          </a:p>
-        </p:txBody>
-      </p:sp>
-      <p:sp>
-        <p:nvSpPr>
-          <p:cNvPr id="4" name="Symbol zastępczy daty 3"/>
-          <p:cNvSpPr>
-            <a:spLocks noGrp="1"/>
-          </p:cNvSpPr>
-          <p:nvPr>
-            <p:ph type="dt" sz="half" idx="10"/>
+            <a:endParaRPr lang="en-US" dirty="0"/>
+          </a:p>
+        </p:txBody>
+      </p:sp>
+      <p:sp>
+        <p:nvSpPr>
+          <p:cNvPr id="6" name="Slide Number Placeholder 5"/>
+          <p:cNvSpPr>
+            <a:spLocks noGrp="1"/>
+          </p:cNvSpPr>
+          <p:nvPr>
+            <p:ph type="sldNum" sz="quarter" idx="12"/>
           </p:nvPr>
         </p:nvSpPr>
         <p:spPr/>
@@ -950,60 +1781,106 @@
           <a:bodyPr/>
           <a:lstStyle/>
           <a:p>
-            <a:fld id="{F98AA868-8872-43E4-8C98-D34DABD1FD38}" type="datetimeFigureOut">
-              <a:rPr lang="pl-PL" smtClean="0"/>
-              <a:t>16.06.2023</a:t>
-            </a:fld>
-            <a:endParaRPr lang="pl-PL"/>
-          </a:p>
-        </p:txBody>
-      </p:sp>
-      <p:sp>
-        <p:nvSpPr>
-          <p:cNvPr id="5" name="Symbol zastępczy stopki 4"/>
-          <p:cNvSpPr>
-            <a:spLocks noGrp="1"/>
-          </p:cNvSpPr>
-          <p:nvPr>
-            <p:ph type="ftr" sz="quarter" idx="11"/>
-          </p:nvPr>
-        </p:nvSpPr>
-        <p:spPr/>
-        <p:txBody>
-          <a:bodyPr/>
-          <a:lstStyle/>
-          <a:p>
-            <a:endParaRPr lang="pl-PL"/>
-          </a:p>
-        </p:txBody>
-      </p:sp>
-      <p:sp>
-        <p:nvSpPr>
-          <p:cNvPr id="6" name="Symbol zastępczy numeru slajdu 5"/>
-          <p:cNvSpPr>
-            <a:spLocks noGrp="1"/>
-          </p:cNvSpPr>
-          <p:nvPr>
-            <p:ph type="sldNum" sz="quarter" idx="12"/>
-          </p:nvPr>
-        </p:nvSpPr>
-        <p:spPr/>
-        <p:txBody>
-          <a:bodyPr/>
-          <a:lstStyle/>
-          <a:p>
-            <a:fld id="{C77C6C3F-668B-4AF5-BFA9-0F657EB068D6}" type="slidenum">
-              <a:rPr lang="pl-PL" smtClean="0"/>
+            <a:fld id="{D57F1E4F-1CFF-5643-939E-02111984F565}" type="slidenum">
+              <a:rPr lang="en-US" dirty="0"/>
               <a:t>‹#›</a:t>
             </a:fld>
-            <a:endParaRPr lang="pl-PL"/>
+            <a:endParaRPr lang="en-US" dirty="0"/>
+          </a:p>
+        </p:txBody>
+      </p:sp>
+      <p:sp>
+        <p:nvSpPr>
+          <p:cNvPr id="11" name="TextBox 10"/>
+          <p:cNvSpPr txBox="1"/>
+          <p:nvPr/>
+        </p:nvSpPr>
+        <p:spPr>
+          <a:xfrm>
+            <a:off x="898295" y="971253"/>
+            <a:ext cx="801912" cy="1969770"/>
+          </a:xfrm>
+          <a:prstGeom prst="rect">
+            <a:avLst/>
+          </a:prstGeom>
+          <a:noFill/>
+        </p:spPr>
+        <p:txBody>
+          <a:bodyPr wrap="square" rtlCol="0">
+            <a:spAutoFit/>
+          </a:bodyPr>
+          <a:lstStyle>
+            <a:defPPr>
+              <a:defRPr lang="en-US"/>
+            </a:defPPr>
+            <a:lvl1pPr algn="r">
+              <a:defRPr sz="12200" b="0" i="0">
+                <a:solidFill>
+                  <a:schemeClr val="accent1"/>
+                </a:solidFill>
+                <a:latin typeface="Arial"/>
+                <a:ea typeface="+mj-ea"/>
+                <a:cs typeface="+mj-cs"/>
+              </a:defRPr>
+            </a:lvl1pPr>
+          </a:lstStyle>
+          <a:p>
+            <a:pPr lvl="0"/>
+            <a:r>
+              <a:rPr lang="en-US" dirty="0"/>
+              <a:t>“</a:t>
+            </a:r>
+          </a:p>
+        </p:txBody>
+      </p:sp>
+      <p:sp>
+        <p:nvSpPr>
+          <p:cNvPr id="13" name="TextBox 12"/>
+          <p:cNvSpPr txBox="1"/>
+          <p:nvPr/>
+        </p:nvSpPr>
+        <p:spPr>
+          <a:xfrm>
+            <a:off x="9330490" y="2613787"/>
+            <a:ext cx="801912" cy="1969770"/>
+          </a:xfrm>
+          <a:prstGeom prst="rect">
+            <a:avLst/>
+          </a:prstGeom>
+          <a:noFill/>
+        </p:spPr>
+        <p:txBody>
+          <a:bodyPr wrap="square" rtlCol="0">
+            <a:spAutoFit/>
+          </a:bodyPr>
+          <a:lstStyle>
+            <a:defPPr>
+              <a:defRPr lang="en-US"/>
+            </a:defPPr>
+            <a:lvl1pPr algn="r">
+              <a:defRPr sz="12200" b="0" i="0">
+                <a:solidFill>
+                  <a:schemeClr val="accent1"/>
+                </a:solidFill>
+                <a:latin typeface="Arial"/>
+                <a:ea typeface="+mj-ea"/>
+                <a:cs typeface="+mj-cs"/>
+              </a:defRPr>
+            </a:lvl1pPr>
+          </a:lstStyle>
+          <a:p>
+            <a:pPr lvl="0"/>
+            <a:r>
+              <a:rPr lang="en-US" dirty="0"/>
+              <a:t>”</a:t>
+            </a:r>
           </a:p>
         </p:txBody>
       </p:sp>
     </p:spTree>
     <p:extLst>
       <p:ext uri="{BB962C8B-B14F-4D97-AF65-F5344CB8AC3E}">
-        <p14:creationId xmlns:p14="http://schemas.microsoft.com/office/powerpoint/2010/main" val="967380084"/>
+        <p14:creationId xmlns:p14="http://schemas.microsoft.com/office/powerpoint/2010/main" val="1103800617"/>
       </p:ext>
     </p:extLst>
   </p:cSld>
@@ -1013,9 +1890,9 @@
 </p:sldLayout>
 </file>
 
-<file path=ppt/slideLayouts/slideLayout3.xml><?xml version="1.0" encoding="utf-8"?>
-<p:sldLayout xmlns:a="http://schemas.openxmlformats.org/drawingml/2006/main" xmlns:r="http://schemas.openxmlformats.org/officeDocument/2006/relationships" xmlns:p="http://schemas.openxmlformats.org/presentationml/2006/main" type="secHead" preserve="1">
-  <p:cSld name="Nagłówek sekcji">
+<file path=ppt/slideLayouts/slideLayout13.xml><?xml version="1.0" encoding="utf-8"?>
+<p:sldLayout xmlns:a="http://schemas.openxmlformats.org/drawingml/2006/main" xmlns:r="http://schemas.openxmlformats.org/officeDocument/2006/relationships" xmlns:p="http://schemas.openxmlformats.org/presentationml/2006/main" preserve="1">
+  <p:cSld name="Name Card">
     <p:spTree>
       <p:nvGrpSpPr>
         <p:cNvPr id="1" name=""/>
@@ -1032,7 +1909,7 @@
       </p:grpSpPr>
       <p:sp>
         <p:nvSpPr>
-          <p:cNvPr id="2" name="Tytuł 1"/>
+          <p:cNvPr id="2" name="Title 1"/>
           <p:cNvSpPr>
             <a:spLocks noGrp="1"/>
           </p:cNvSpPr>
@@ -1042,28 +1919,28 @@
         </p:nvSpPr>
         <p:spPr>
           <a:xfrm>
-            <a:off x="831850" y="1709738"/>
-            <a:ext cx="10515600" cy="2852737"/>
+            <a:off x="1154954" y="3124201"/>
+            <a:ext cx="8825659" cy="1653180"/>
           </a:xfrm>
         </p:spPr>
         <p:txBody>
           <a:bodyPr anchor="b"/>
           <a:lstStyle>
-            <a:lvl1pPr>
-              <a:defRPr sz="6000"/>
+            <a:lvl1pPr algn="l">
+              <a:defRPr sz="4000" b="0" cap="none"/>
             </a:lvl1pPr>
           </a:lstStyle>
           <a:p>
             <a:r>
-              <a:rPr lang="pl-PL"/>
-              <a:t>Kliknij, aby edytować styl</a:t>
-            </a:r>
-          </a:p>
-        </p:txBody>
-      </p:sp>
-      <p:sp>
-        <p:nvSpPr>
-          <p:cNvPr id="3" name="Symbol zastępczy tekstu 2"/>
+              <a:rPr lang="en-US" dirty="0"/>
+              <a:t>Click to edit Master title style</a:t>
+            </a:r>
+          </a:p>
+        </p:txBody>
+      </p:sp>
+      <p:sp>
+        <p:nvSpPr>
+          <p:cNvPr id="3" name="Text Placeholder 2"/>
           <p:cNvSpPr>
             <a:spLocks noGrp="1"/>
           </p:cNvSpPr>
@@ -1073,26 +1950,24 @@
         </p:nvSpPr>
         <p:spPr>
           <a:xfrm>
-            <a:off x="831850" y="4589463"/>
-            <a:ext cx="10515600" cy="1500187"/>
+            <a:off x="1154955" y="4777381"/>
+            <a:ext cx="8825658" cy="860400"/>
           </a:xfrm>
         </p:spPr>
         <p:txBody>
-          <a:bodyPr/>
+          <a:bodyPr anchor="t"/>
           <a:lstStyle>
-            <a:lvl1pPr marL="0" indent="0">
-              <a:buNone/>
-              <a:defRPr sz="2400">
+            <a:lvl1pPr marL="0" indent="0" algn="l">
+              <a:buNone/>
+              <a:defRPr sz="2000" cap="none">
                 <a:solidFill>
-                  <a:schemeClr val="tx1">
-                    <a:tint val="75000"/>
-                  </a:schemeClr>
+                  <a:schemeClr val="accent1"/>
                 </a:solidFill>
               </a:defRPr>
             </a:lvl1pPr>
             <a:lvl2pPr marL="457200" indent="0">
               <a:buNone/>
-              <a:defRPr sz="2000">
+              <a:defRPr sz="1800">
                 <a:solidFill>
                   <a:schemeClr val="tx1">
                     <a:tint val="75000"/>
@@ -1102,7 +1977,7 @@
             </a:lvl2pPr>
             <a:lvl3pPr marL="914400" indent="0">
               <a:buNone/>
-              <a:defRPr sz="1800">
+              <a:defRPr sz="1600">
                 <a:solidFill>
                   <a:schemeClr val="tx1">
                     <a:tint val="75000"/>
@@ -1112,7 +1987,7 @@
             </a:lvl3pPr>
             <a:lvl4pPr marL="1371600" indent="0">
               <a:buNone/>
-              <a:defRPr sz="1600">
+              <a:defRPr sz="1400">
                 <a:solidFill>
                   <a:schemeClr val="tx1">
                     <a:tint val="75000"/>
@@ -1122,7 +1997,7 @@
             </a:lvl4pPr>
             <a:lvl5pPr marL="1828800" indent="0">
               <a:buNone/>
-              <a:defRPr sz="1600">
+              <a:defRPr sz="1400">
                 <a:solidFill>
                   <a:schemeClr val="tx1">
                     <a:tint val="75000"/>
@@ -1132,7 +2007,7 @@
             </a:lvl5pPr>
             <a:lvl6pPr marL="2286000" indent="0">
               <a:buNone/>
-              <a:defRPr sz="1600">
+              <a:defRPr sz="1400">
                 <a:solidFill>
                   <a:schemeClr val="tx1">
                     <a:tint val="75000"/>
@@ -1142,7 +2017,7 @@
             </a:lvl6pPr>
             <a:lvl7pPr marL="2743200" indent="0">
               <a:buNone/>
-              <a:defRPr sz="1600">
+              <a:defRPr sz="1400">
                 <a:solidFill>
                   <a:schemeClr val="tx1">
                     <a:tint val="75000"/>
@@ -1152,7 +2027,7 @@
             </a:lvl7pPr>
             <a:lvl8pPr marL="3200400" indent="0">
               <a:buNone/>
-              <a:defRPr sz="1600">
+              <a:defRPr sz="1400">
                 <a:solidFill>
                   <a:schemeClr val="tx1">
                     <a:tint val="75000"/>
@@ -1162,7 +2037,7 @@
             </a:lvl8pPr>
             <a:lvl9pPr marL="3657600" indent="0">
               <a:buNone/>
-              <a:defRPr sz="1600">
+              <a:defRPr sz="1400">
                 <a:solidFill>
                   <a:schemeClr val="tx1">
                     <a:tint val="75000"/>
@@ -1174,15 +2049,15 @@
           <a:p>
             <a:pPr lvl="0"/>
             <a:r>
-              <a:rPr lang="pl-PL"/>
-              <a:t>Kliknij, aby edytować style wzorca tekstu</a:t>
-            </a:r>
-          </a:p>
-        </p:txBody>
-      </p:sp>
-      <p:sp>
-        <p:nvSpPr>
-          <p:cNvPr id="4" name="Symbol zastępczy daty 3"/>
+              <a:rPr lang="en-US" dirty="0"/>
+              <a:t>Click to edit Master text styles</a:t>
+            </a:r>
+          </a:p>
+        </p:txBody>
+      </p:sp>
+      <p:sp>
+        <p:nvSpPr>
+          <p:cNvPr id="4" name="Date Placeholder 3"/>
           <p:cNvSpPr>
             <a:spLocks noGrp="1"/>
           </p:cNvSpPr>
@@ -1195,17 +2070,17 @@
           <a:bodyPr/>
           <a:lstStyle/>
           <a:p>
-            <a:fld id="{F98AA868-8872-43E4-8C98-D34DABD1FD38}" type="datetimeFigureOut">
-              <a:rPr lang="pl-PL" smtClean="0"/>
-              <a:t>16.06.2023</a:t>
+            <a:fld id="{4509A250-FF31-4206-8172-F9D3106AACB1}" type="datetimeFigureOut">
+              <a:rPr lang="en-US" dirty="0"/>
+              <a:t>6/16/2023</a:t>
             </a:fld>
-            <a:endParaRPr lang="pl-PL"/>
-          </a:p>
-        </p:txBody>
-      </p:sp>
-      <p:sp>
-        <p:nvSpPr>
-          <p:cNvPr id="5" name="Symbol zastępczy stopki 4"/>
+            <a:endParaRPr lang="en-US" dirty="0"/>
+          </a:p>
+        </p:txBody>
+      </p:sp>
+      <p:sp>
+        <p:nvSpPr>
+          <p:cNvPr id="5" name="Footer Placeholder 4"/>
           <p:cNvSpPr>
             <a:spLocks noGrp="1"/>
           </p:cNvSpPr>
@@ -1218,13 +2093,13 @@
           <a:bodyPr/>
           <a:lstStyle/>
           <a:p>
-            <a:endParaRPr lang="pl-PL"/>
-          </a:p>
-        </p:txBody>
-      </p:sp>
-      <p:sp>
-        <p:nvSpPr>
-          <p:cNvPr id="6" name="Symbol zastępczy numeru slajdu 5"/>
+            <a:endParaRPr lang="en-US" dirty="0"/>
+          </a:p>
+        </p:txBody>
+      </p:sp>
+      <p:sp>
+        <p:nvSpPr>
+          <p:cNvPr id="6" name="Slide Number Placeholder 5"/>
           <p:cNvSpPr>
             <a:spLocks noGrp="1"/>
           </p:cNvSpPr>
@@ -1237,18 +2112,18 @@
           <a:bodyPr/>
           <a:lstStyle/>
           <a:p>
-            <a:fld id="{C77C6C3F-668B-4AF5-BFA9-0F657EB068D6}" type="slidenum">
-              <a:rPr lang="pl-PL" smtClean="0"/>
+            <a:fld id="{D57F1E4F-1CFF-5643-939E-02111984F565}" type="slidenum">
+              <a:rPr lang="en-US" dirty="0"/>
               <a:t>‹#›</a:t>
             </a:fld>
-            <a:endParaRPr lang="pl-PL"/>
+            <a:endParaRPr lang="en-US" dirty="0"/>
           </a:p>
         </p:txBody>
       </p:sp>
     </p:spTree>
     <p:extLst>
       <p:ext uri="{BB962C8B-B14F-4D97-AF65-F5344CB8AC3E}">
-        <p14:creationId xmlns:p14="http://schemas.microsoft.com/office/powerpoint/2010/main" val="13234121"/>
+        <p14:creationId xmlns:p14="http://schemas.microsoft.com/office/powerpoint/2010/main" val="387441484"/>
       </p:ext>
     </p:extLst>
   </p:cSld>
@@ -1258,9 +2133,9 @@
 </p:sldLayout>
 </file>
 
-<file path=ppt/slideLayouts/slideLayout4.xml><?xml version="1.0" encoding="utf-8"?>
-<p:sldLayout xmlns:a="http://schemas.openxmlformats.org/drawingml/2006/main" xmlns:r="http://schemas.openxmlformats.org/officeDocument/2006/relationships" xmlns:p="http://schemas.openxmlformats.org/presentationml/2006/main" type="twoObj" preserve="1">
-  <p:cSld name="Dwa elementy zawartości">
+<file path=ppt/slideLayouts/slideLayout14.xml><?xml version="1.0" encoding="utf-8"?>
+<p:sldLayout xmlns:a="http://schemas.openxmlformats.org/drawingml/2006/main" xmlns:r="http://schemas.openxmlformats.org/officeDocument/2006/relationships" xmlns:p="http://schemas.openxmlformats.org/presentationml/2006/main" preserve="1">
+  <p:cSld name="3 Column">
     <p:spTree>
       <p:nvGrpSpPr>
         <p:cNvPr id="1" name=""/>
@@ -1277,12 +2152,526 @@
       </p:grpSpPr>
       <p:sp>
         <p:nvSpPr>
-          <p:cNvPr id="2" name="Tytuł 1"/>
+          <p:cNvPr id="2" name="Title 1"/>
           <p:cNvSpPr>
             <a:spLocks noGrp="1"/>
           </p:cNvSpPr>
           <p:nvPr>
             <p:ph type="title"/>
+          </p:nvPr>
+        </p:nvSpPr>
+        <p:spPr/>
+        <p:txBody>
+          <a:bodyPr/>
+          <a:lstStyle>
+            <a:lvl1pPr>
+              <a:defRPr sz="4200"/>
+            </a:lvl1pPr>
+          </a:lstStyle>
+          <a:p>
+            <a:r>
+              <a:rPr lang="en-US" dirty="0"/>
+              <a:t>Click to edit Master title style</a:t>
+            </a:r>
+          </a:p>
+        </p:txBody>
+      </p:sp>
+      <p:sp>
+        <p:nvSpPr>
+          <p:cNvPr id="3" name="Text Placeholder 2"/>
+          <p:cNvSpPr>
+            <a:spLocks noGrp="1"/>
+          </p:cNvSpPr>
+          <p:nvPr>
+            <p:ph type="body" idx="1"/>
+          </p:nvPr>
+        </p:nvSpPr>
+        <p:spPr>
+          <a:xfrm>
+            <a:off x="632947" y="1981200"/>
+            <a:ext cx="2946866" cy="576262"/>
+          </a:xfrm>
+        </p:spPr>
+        <p:txBody>
+          <a:bodyPr anchor="b">
+            <a:noAutofit/>
+          </a:bodyPr>
+          <a:lstStyle>
+            <a:lvl1pPr marL="0" indent="0">
+              <a:buNone/>
+              <a:defRPr sz="2400" b="0">
+                <a:solidFill>
+                  <a:schemeClr val="accent1"/>
+                </a:solidFill>
+              </a:defRPr>
+            </a:lvl1pPr>
+            <a:lvl2pPr marL="457200" indent="0">
+              <a:buNone/>
+              <a:defRPr sz="2000" b="1"/>
+            </a:lvl2pPr>
+            <a:lvl3pPr marL="914400" indent="0">
+              <a:buNone/>
+              <a:defRPr sz="1800" b="1"/>
+            </a:lvl3pPr>
+            <a:lvl4pPr marL="1371600" indent="0">
+              <a:buNone/>
+              <a:defRPr sz="1600" b="1"/>
+            </a:lvl4pPr>
+            <a:lvl5pPr marL="1828800" indent="0">
+              <a:buNone/>
+              <a:defRPr sz="1600" b="1"/>
+            </a:lvl5pPr>
+            <a:lvl6pPr marL="2286000" indent="0">
+              <a:buNone/>
+              <a:defRPr sz="1600" b="1"/>
+            </a:lvl6pPr>
+            <a:lvl7pPr marL="2743200" indent="0">
+              <a:buNone/>
+              <a:defRPr sz="1600" b="1"/>
+            </a:lvl7pPr>
+            <a:lvl8pPr marL="3200400" indent="0">
+              <a:buNone/>
+              <a:defRPr sz="1600" b="1"/>
+            </a:lvl8pPr>
+            <a:lvl9pPr marL="3657600" indent="0">
+              <a:buNone/>
+              <a:defRPr sz="1600" b="1"/>
+            </a:lvl9pPr>
+          </a:lstStyle>
+          <a:p>
+            <a:pPr lvl="0"/>
+            <a:r>
+              <a:rPr lang="en-US" dirty="0"/>
+              <a:t>Click to edit Master text styles</a:t>
+            </a:r>
+          </a:p>
+        </p:txBody>
+      </p:sp>
+      <p:sp>
+        <p:nvSpPr>
+          <p:cNvPr id="16" name="Text Placeholder 3"/>
+          <p:cNvSpPr>
+            <a:spLocks noGrp="1"/>
+          </p:cNvSpPr>
+          <p:nvPr>
+            <p:ph type="body" sz="half" idx="15"/>
+          </p:nvPr>
+        </p:nvSpPr>
+        <p:spPr>
+          <a:xfrm>
+            <a:off x="652463" y="2667000"/>
+            <a:ext cx="2927350" cy="3589338"/>
+          </a:xfrm>
+        </p:spPr>
+        <p:txBody>
+          <a:bodyPr anchor="t">
+            <a:normAutofit/>
+          </a:bodyPr>
+          <a:lstStyle>
+            <a:lvl1pPr marL="0" indent="0">
+              <a:buNone/>
+              <a:defRPr sz="1400"/>
+            </a:lvl1pPr>
+            <a:lvl2pPr marL="457200" indent="0">
+              <a:buNone/>
+              <a:defRPr sz="1200"/>
+            </a:lvl2pPr>
+            <a:lvl3pPr marL="914400" indent="0">
+              <a:buNone/>
+              <a:defRPr sz="1000"/>
+            </a:lvl3pPr>
+            <a:lvl4pPr marL="1371600" indent="0">
+              <a:buNone/>
+              <a:defRPr sz="900"/>
+            </a:lvl4pPr>
+            <a:lvl5pPr marL="1828800" indent="0">
+              <a:buNone/>
+              <a:defRPr sz="900"/>
+            </a:lvl5pPr>
+            <a:lvl6pPr marL="2286000" indent="0">
+              <a:buNone/>
+              <a:defRPr sz="900"/>
+            </a:lvl6pPr>
+            <a:lvl7pPr marL="2743200" indent="0">
+              <a:buNone/>
+              <a:defRPr sz="900"/>
+            </a:lvl7pPr>
+            <a:lvl8pPr marL="3200400" indent="0">
+              <a:buNone/>
+              <a:defRPr sz="900"/>
+            </a:lvl8pPr>
+            <a:lvl9pPr marL="3657600" indent="0">
+              <a:buNone/>
+              <a:defRPr sz="900"/>
+            </a:lvl9pPr>
+          </a:lstStyle>
+          <a:p>
+            <a:pPr lvl="0"/>
+            <a:r>
+              <a:rPr lang="en-US" dirty="0"/>
+              <a:t>Click to edit Master text styles</a:t>
+            </a:r>
+          </a:p>
+        </p:txBody>
+      </p:sp>
+      <p:sp>
+        <p:nvSpPr>
+          <p:cNvPr id="5" name="Text Placeholder 4"/>
+          <p:cNvSpPr>
+            <a:spLocks noGrp="1"/>
+          </p:cNvSpPr>
+          <p:nvPr>
+            <p:ph type="body" sz="quarter" idx="3"/>
+          </p:nvPr>
+        </p:nvSpPr>
+        <p:spPr>
+          <a:xfrm>
+            <a:off x="3883659" y="1981200"/>
+            <a:ext cx="2936241" cy="576262"/>
+          </a:xfrm>
+        </p:spPr>
+        <p:txBody>
+          <a:bodyPr anchor="b">
+            <a:noAutofit/>
+          </a:bodyPr>
+          <a:lstStyle>
+            <a:lvl1pPr marL="0" indent="0">
+              <a:buNone/>
+              <a:defRPr sz="2400" b="0">
+                <a:solidFill>
+                  <a:schemeClr val="accent1"/>
+                </a:solidFill>
+              </a:defRPr>
+            </a:lvl1pPr>
+            <a:lvl2pPr marL="457200" indent="0">
+              <a:buNone/>
+              <a:defRPr sz="2000" b="1"/>
+            </a:lvl2pPr>
+            <a:lvl3pPr marL="914400" indent="0">
+              <a:buNone/>
+              <a:defRPr sz="1800" b="1"/>
+            </a:lvl3pPr>
+            <a:lvl4pPr marL="1371600" indent="0">
+              <a:buNone/>
+              <a:defRPr sz="1600" b="1"/>
+            </a:lvl4pPr>
+            <a:lvl5pPr marL="1828800" indent="0">
+              <a:buNone/>
+              <a:defRPr sz="1600" b="1"/>
+            </a:lvl5pPr>
+            <a:lvl6pPr marL="2286000" indent="0">
+              <a:buNone/>
+              <a:defRPr sz="1600" b="1"/>
+            </a:lvl6pPr>
+            <a:lvl7pPr marL="2743200" indent="0">
+              <a:buNone/>
+              <a:defRPr sz="1600" b="1"/>
+            </a:lvl7pPr>
+            <a:lvl8pPr marL="3200400" indent="0">
+              <a:buNone/>
+              <a:defRPr sz="1600" b="1"/>
+            </a:lvl8pPr>
+            <a:lvl9pPr marL="3657600" indent="0">
+              <a:buNone/>
+              <a:defRPr sz="1600" b="1"/>
+            </a:lvl9pPr>
+          </a:lstStyle>
+          <a:p>
+            <a:pPr lvl="0"/>
+            <a:r>
+              <a:rPr lang="en-US" dirty="0"/>
+              <a:t>Click to edit Master text styles</a:t>
+            </a:r>
+          </a:p>
+        </p:txBody>
+      </p:sp>
+      <p:sp>
+        <p:nvSpPr>
+          <p:cNvPr id="19" name="Text Placeholder 3"/>
+          <p:cNvSpPr>
+            <a:spLocks noGrp="1"/>
+          </p:cNvSpPr>
+          <p:nvPr>
+            <p:ph type="body" sz="half" idx="16"/>
+          </p:nvPr>
+        </p:nvSpPr>
+        <p:spPr>
+          <a:xfrm>
+            <a:off x="3873106" y="2667000"/>
+            <a:ext cx="2946794" cy="3589338"/>
+          </a:xfrm>
+        </p:spPr>
+        <p:txBody>
+          <a:bodyPr anchor="t">
+            <a:normAutofit/>
+          </a:bodyPr>
+          <a:lstStyle>
+            <a:lvl1pPr marL="0" indent="0">
+              <a:buNone/>
+              <a:defRPr sz="1400"/>
+            </a:lvl1pPr>
+            <a:lvl2pPr marL="457200" indent="0">
+              <a:buNone/>
+              <a:defRPr sz="1200"/>
+            </a:lvl2pPr>
+            <a:lvl3pPr marL="914400" indent="0">
+              <a:buNone/>
+              <a:defRPr sz="1000"/>
+            </a:lvl3pPr>
+            <a:lvl4pPr marL="1371600" indent="0">
+              <a:buNone/>
+              <a:defRPr sz="900"/>
+            </a:lvl4pPr>
+            <a:lvl5pPr marL="1828800" indent="0">
+              <a:buNone/>
+              <a:defRPr sz="900"/>
+            </a:lvl5pPr>
+            <a:lvl6pPr marL="2286000" indent="0">
+              <a:buNone/>
+              <a:defRPr sz="900"/>
+            </a:lvl6pPr>
+            <a:lvl7pPr marL="2743200" indent="0">
+              <a:buNone/>
+              <a:defRPr sz="900"/>
+            </a:lvl7pPr>
+            <a:lvl8pPr marL="3200400" indent="0">
+              <a:buNone/>
+              <a:defRPr sz="900"/>
+            </a:lvl8pPr>
+            <a:lvl9pPr marL="3657600" indent="0">
+              <a:buNone/>
+              <a:defRPr sz="900"/>
+            </a:lvl9pPr>
+          </a:lstStyle>
+          <a:p>
+            <a:pPr lvl="0"/>
+            <a:r>
+              <a:rPr lang="en-US" dirty="0"/>
+              <a:t>Click to edit Master text styles</a:t>
+            </a:r>
+          </a:p>
+        </p:txBody>
+      </p:sp>
+      <p:sp>
+        <p:nvSpPr>
+          <p:cNvPr id="14" name="Text Placeholder 4"/>
+          <p:cNvSpPr>
+            <a:spLocks noGrp="1"/>
+          </p:cNvSpPr>
+          <p:nvPr>
+            <p:ph type="body" sz="quarter" idx="13"/>
+          </p:nvPr>
+        </p:nvSpPr>
+        <p:spPr>
+          <a:xfrm>
+            <a:off x="7124700" y="1981200"/>
+            <a:ext cx="2932113" cy="576262"/>
+          </a:xfrm>
+        </p:spPr>
+        <p:txBody>
+          <a:bodyPr anchor="b">
+            <a:noAutofit/>
+          </a:bodyPr>
+          <a:lstStyle>
+            <a:lvl1pPr marL="0" indent="0">
+              <a:buNone/>
+              <a:defRPr sz="2400" b="0">
+                <a:solidFill>
+                  <a:schemeClr val="accent1"/>
+                </a:solidFill>
+              </a:defRPr>
+            </a:lvl1pPr>
+            <a:lvl2pPr marL="457200" indent="0">
+              <a:buNone/>
+              <a:defRPr sz="2000" b="1"/>
+            </a:lvl2pPr>
+            <a:lvl3pPr marL="914400" indent="0">
+              <a:buNone/>
+              <a:defRPr sz="1800" b="1"/>
+            </a:lvl3pPr>
+            <a:lvl4pPr marL="1371600" indent="0">
+              <a:buNone/>
+              <a:defRPr sz="1600" b="1"/>
+            </a:lvl4pPr>
+            <a:lvl5pPr marL="1828800" indent="0">
+              <a:buNone/>
+              <a:defRPr sz="1600" b="1"/>
+            </a:lvl5pPr>
+            <a:lvl6pPr marL="2286000" indent="0">
+              <a:buNone/>
+              <a:defRPr sz="1600" b="1"/>
+            </a:lvl6pPr>
+            <a:lvl7pPr marL="2743200" indent="0">
+              <a:buNone/>
+              <a:defRPr sz="1600" b="1"/>
+            </a:lvl7pPr>
+            <a:lvl8pPr marL="3200400" indent="0">
+              <a:buNone/>
+              <a:defRPr sz="1600" b="1"/>
+            </a:lvl8pPr>
+            <a:lvl9pPr marL="3657600" indent="0">
+              <a:buNone/>
+              <a:defRPr sz="1600" b="1"/>
+            </a:lvl9pPr>
+          </a:lstStyle>
+          <a:p>
+            <a:pPr lvl="0"/>
+            <a:r>
+              <a:rPr lang="en-US" dirty="0"/>
+              <a:t>Click to edit Master text styles</a:t>
+            </a:r>
+          </a:p>
+        </p:txBody>
+      </p:sp>
+      <p:sp>
+        <p:nvSpPr>
+          <p:cNvPr id="20" name="Text Placeholder 3"/>
+          <p:cNvSpPr>
+            <a:spLocks noGrp="1"/>
+          </p:cNvSpPr>
+          <p:nvPr>
+            <p:ph type="body" sz="half" idx="17"/>
+          </p:nvPr>
+        </p:nvSpPr>
+        <p:spPr>
+          <a:xfrm>
+            <a:off x="7124700" y="2667000"/>
+            <a:ext cx="2932113" cy="3589338"/>
+          </a:xfrm>
+        </p:spPr>
+        <p:txBody>
+          <a:bodyPr anchor="t">
+            <a:normAutofit/>
+          </a:bodyPr>
+          <a:lstStyle>
+            <a:lvl1pPr marL="0" indent="0">
+              <a:buNone/>
+              <a:defRPr sz="1400"/>
+            </a:lvl1pPr>
+            <a:lvl2pPr marL="457200" indent="0">
+              <a:buNone/>
+              <a:defRPr sz="1200"/>
+            </a:lvl2pPr>
+            <a:lvl3pPr marL="914400" indent="0">
+              <a:buNone/>
+              <a:defRPr sz="1000"/>
+            </a:lvl3pPr>
+            <a:lvl4pPr marL="1371600" indent="0">
+              <a:buNone/>
+              <a:defRPr sz="900"/>
+            </a:lvl4pPr>
+            <a:lvl5pPr marL="1828800" indent="0">
+              <a:buNone/>
+              <a:defRPr sz="900"/>
+            </a:lvl5pPr>
+            <a:lvl6pPr marL="2286000" indent="0">
+              <a:buNone/>
+              <a:defRPr sz="900"/>
+            </a:lvl6pPr>
+            <a:lvl7pPr marL="2743200" indent="0">
+              <a:buNone/>
+              <a:defRPr sz="900"/>
+            </a:lvl7pPr>
+            <a:lvl8pPr marL="3200400" indent="0">
+              <a:buNone/>
+              <a:defRPr sz="900"/>
+            </a:lvl8pPr>
+            <a:lvl9pPr marL="3657600" indent="0">
+              <a:buNone/>
+              <a:defRPr sz="900"/>
+            </a:lvl9pPr>
+          </a:lstStyle>
+          <a:p>
+            <a:pPr lvl="0"/>
+            <a:r>
+              <a:rPr lang="en-US" dirty="0"/>
+              <a:t>Click to edit Master text styles</a:t>
+            </a:r>
+          </a:p>
+        </p:txBody>
+      </p:sp>
+      <p:cxnSp>
+        <p:nvCxnSpPr>
+          <p:cNvPr id="17" name="Straight Connector 16"/>
+          <p:cNvCxnSpPr/>
+          <p:nvPr/>
+        </p:nvCxnSpPr>
+        <p:spPr>
+          <a:xfrm>
+            <a:off x="3726142" y="2133600"/>
+            <a:ext cx="0" cy="3962400"/>
+          </a:xfrm>
+          <a:prstGeom prst="line">
+            <a:avLst/>
+          </a:prstGeom>
+          <a:ln w="12700" cmpd="sng">
+            <a:solidFill>
+              <a:schemeClr val="accent1">
+                <a:alpha val="40000"/>
+              </a:schemeClr>
+            </a:solidFill>
+          </a:ln>
+        </p:spPr>
+        <p:style>
+          <a:lnRef idx="2">
+            <a:schemeClr val="accent1"/>
+          </a:lnRef>
+          <a:fillRef idx="0">
+            <a:schemeClr val="accent1"/>
+          </a:fillRef>
+          <a:effectRef idx="1">
+            <a:schemeClr val="accent1"/>
+          </a:effectRef>
+          <a:fontRef idx="minor">
+            <a:schemeClr val="tx1"/>
+          </a:fontRef>
+        </p:style>
+      </p:cxnSp>
+      <p:cxnSp>
+        <p:nvCxnSpPr>
+          <p:cNvPr id="18" name="Straight Connector 17"/>
+          <p:cNvCxnSpPr/>
+          <p:nvPr/>
+        </p:nvCxnSpPr>
+        <p:spPr>
+          <a:xfrm>
+            <a:off x="6962227" y="2133600"/>
+            <a:ext cx="0" cy="3966882"/>
+          </a:xfrm>
+          <a:prstGeom prst="line">
+            <a:avLst/>
+          </a:prstGeom>
+          <a:ln w="12700" cmpd="sng">
+            <a:solidFill>
+              <a:schemeClr val="accent1">
+                <a:alpha val="40000"/>
+              </a:schemeClr>
+            </a:solidFill>
+          </a:ln>
+        </p:spPr>
+        <p:style>
+          <a:lnRef idx="2">
+            <a:schemeClr val="accent1"/>
+          </a:lnRef>
+          <a:fillRef idx="0">
+            <a:schemeClr val="accent1"/>
+          </a:fillRef>
+          <a:effectRef idx="1">
+            <a:schemeClr val="accent1"/>
+          </a:effectRef>
+          <a:fontRef idx="minor">
+            <a:schemeClr val="tx1"/>
+          </a:fontRef>
+        </p:style>
+      </p:cxnSp>
+      <p:sp>
+        <p:nvSpPr>
+          <p:cNvPr id="7" name="Date Placeholder 3"/>
+          <p:cNvSpPr>
+            <a:spLocks noGrp="1"/>
+          </p:cNvSpPr>
+          <p:nvPr>
+            <p:ph type="dt" sz="half" idx="10"/>
           </p:nvPr>
         </p:nvSpPr>
         <p:spPr/>
@@ -1290,194 +2679,60 @@
           <a:bodyPr/>
           <a:lstStyle/>
           <a:p>
-            <a:r>
-              <a:rPr lang="pl-PL"/>
-              <a:t>Kliknij, aby edytować styl</a:t>
-            </a:r>
-          </a:p>
-        </p:txBody>
-      </p:sp>
-      <p:sp>
-        <p:nvSpPr>
-          <p:cNvPr id="3" name="Symbol zastępczy zawartości 2"/>
-          <p:cNvSpPr>
-            <a:spLocks noGrp="1"/>
-          </p:cNvSpPr>
-          <p:nvPr>
-            <p:ph sz="half" idx="1"/>
-          </p:nvPr>
-        </p:nvSpPr>
-        <p:spPr>
-          <a:xfrm>
-            <a:off x="838200" y="1825625"/>
-            <a:ext cx="5181600" cy="4351338"/>
-          </a:xfrm>
-        </p:spPr>
+            <a:fld id="{4509A250-FF31-4206-8172-F9D3106AACB1}" type="datetimeFigureOut">
+              <a:rPr lang="en-US" dirty="0"/>
+              <a:t>6/16/2023</a:t>
+            </a:fld>
+            <a:endParaRPr lang="en-US" dirty="0"/>
+          </a:p>
+        </p:txBody>
+      </p:sp>
+      <p:sp>
+        <p:nvSpPr>
+          <p:cNvPr id="4" name="Footer Placeholder 4"/>
+          <p:cNvSpPr>
+            <a:spLocks noGrp="1"/>
+          </p:cNvSpPr>
+          <p:nvPr>
+            <p:ph type="ftr" sz="quarter" idx="11"/>
+          </p:nvPr>
+        </p:nvSpPr>
+        <p:spPr/>
         <p:txBody>
           <a:bodyPr/>
           <a:lstStyle/>
           <a:p>
-            <a:pPr lvl="0"/>
-            <a:r>
-              <a:rPr lang="pl-PL"/>
-              <a:t>Kliknij, aby edytować style wzorca tekstu</a:t>
-            </a:r>
-          </a:p>
-          <a:p>
-            <a:pPr lvl="1"/>
-            <a:r>
-              <a:rPr lang="pl-PL"/>
-              <a:t>Drugi poziom</a:t>
-            </a:r>
-          </a:p>
-          <a:p>
-            <a:pPr lvl="2"/>
-            <a:r>
-              <a:rPr lang="pl-PL"/>
-              <a:t>Trzeci poziom</a:t>
-            </a:r>
-          </a:p>
-          <a:p>
-            <a:pPr lvl="3"/>
-            <a:r>
-              <a:rPr lang="pl-PL"/>
-              <a:t>Czwarty poziom</a:t>
-            </a:r>
-          </a:p>
-          <a:p>
-            <a:pPr lvl="4"/>
-            <a:r>
-              <a:rPr lang="pl-PL"/>
-              <a:t>Piąty poziom</a:t>
-            </a:r>
-          </a:p>
-        </p:txBody>
-      </p:sp>
-      <p:sp>
-        <p:nvSpPr>
-          <p:cNvPr id="4" name="Symbol zastępczy zawartości 3"/>
-          <p:cNvSpPr>
-            <a:spLocks noGrp="1"/>
-          </p:cNvSpPr>
-          <p:nvPr>
-            <p:ph sz="half" idx="2"/>
-          </p:nvPr>
-        </p:nvSpPr>
-        <p:spPr>
-          <a:xfrm>
-            <a:off x="6172200" y="1825625"/>
-            <a:ext cx="5181600" cy="4351338"/>
-          </a:xfrm>
-        </p:spPr>
+            <a:endParaRPr lang="en-US" dirty="0"/>
+          </a:p>
+        </p:txBody>
+      </p:sp>
+      <p:sp>
+        <p:nvSpPr>
+          <p:cNvPr id="6" name="Slide Number Placeholder 5"/>
+          <p:cNvSpPr>
+            <a:spLocks noGrp="1"/>
+          </p:cNvSpPr>
+          <p:nvPr>
+            <p:ph type="sldNum" sz="quarter" idx="12"/>
+          </p:nvPr>
+        </p:nvSpPr>
+        <p:spPr/>
         <p:txBody>
           <a:bodyPr/>
           <a:lstStyle/>
           <a:p>
-            <a:pPr lvl="0"/>
-            <a:r>
-              <a:rPr lang="pl-PL"/>
-              <a:t>Kliknij, aby edytować style wzorca tekstu</a:t>
-            </a:r>
-          </a:p>
-          <a:p>
-            <a:pPr lvl="1"/>
-            <a:r>
-              <a:rPr lang="pl-PL"/>
-              <a:t>Drugi poziom</a:t>
-            </a:r>
-          </a:p>
-          <a:p>
-            <a:pPr lvl="2"/>
-            <a:r>
-              <a:rPr lang="pl-PL"/>
-              <a:t>Trzeci poziom</a:t>
-            </a:r>
-          </a:p>
-          <a:p>
-            <a:pPr lvl="3"/>
-            <a:r>
-              <a:rPr lang="pl-PL"/>
-              <a:t>Czwarty poziom</a:t>
-            </a:r>
-          </a:p>
-          <a:p>
-            <a:pPr lvl="4"/>
-            <a:r>
-              <a:rPr lang="pl-PL"/>
-              <a:t>Piąty poziom</a:t>
-            </a:r>
-          </a:p>
-        </p:txBody>
-      </p:sp>
-      <p:sp>
-        <p:nvSpPr>
-          <p:cNvPr id="5" name="Symbol zastępczy daty 4"/>
-          <p:cNvSpPr>
-            <a:spLocks noGrp="1"/>
-          </p:cNvSpPr>
-          <p:nvPr>
-            <p:ph type="dt" sz="half" idx="10"/>
-          </p:nvPr>
-        </p:nvSpPr>
-        <p:spPr/>
-        <p:txBody>
-          <a:bodyPr/>
-          <a:lstStyle/>
-          <a:p>
-            <a:fld id="{F98AA868-8872-43E4-8C98-D34DABD1FD38}" type="datetimeFigureOut">
-              <a:rPr lang="pl-PL" smtClean="0"/>
-              <a:t>16.06.2023</a:t>
-            </a:fld>
-            <a:endParaRPr lang="pl-PL"/>
-          </a:p>
-        </p:txBody>
-      </p:sp>
-      <p:sp>
-        <p:nvSpPr>
-          <p:cNvPr id="6" name="Symbol zastępczy stopki 5"/>
-          <p:cNvSpPr>
-            <a:spLocks noGrp="1"/>
-          </p:cNvSpPr>
-          <p:nvPr>
-            <p:ph type="ftr" sz="quarter" idx="11"/>
-          </p:nvPr>
-        </p:nvSpPr>
-        <p:spPr/>
-        <p:txBody>
-          <a:bodyPr/>
-          <a:lstStyle/>
-          <a:p>
-            <a:endParaRPr lang="pl-PL"/>
-          </a:p>
-        </p:txBody>
-      </p:sp>
-      <p:sp>
-        <p:nvSpPr>
-          <p:cNvPr id="7" name="Symbol zastępczy numeru slajdu 6"/>
-          <p:cNvSpPr>
-            <a:spLocks noGrp="1"/>
-          </p:cNvSpPr>
-          <p:nvPr>
-            <p:ph type="sldNum" sz="quarter" idx="12"/>
-          </p:nvPr>
-        </p:nvSpPr>
-        <p:spPr/>
-        <p:txBody>
-          <a:bodyPr/>
-          <a:lstStyle/>
-          <a:p>
-            <a:fld id="{C77C6C3F-668B-4AF5-BFA9-0F657EB068D6}" type="slidenum">
-              <a:rPr lang="pl-PL" smtClean="0"/>
+            <a:fld id="{D57F1E4F-1CFF-5643-939E-02111984F565}" type="slidenum">
+              <a:rPr lang="en-US" dirty="0"/>
               <a:t>‹#›</a:t>
             </a:fld>
-            <a:endParaRPr lang="pl-PL"/>
+            <a:endParaRPr lang="en-US" dirty="0"/>
           </a:p>
         </p:txBody>
       </p:sp>
     </p:spTree>
     <p:extLst>
       <p:ext uri="{BB962C8B-B14F-4D97-AF65-F5344CB8AC3E}">
-        <p14:creationId xmlns:p14="http://schemas.microsoft.com/office/powerpoint/2010/main" val="3883036252"/>
+        <p14:creationId xmlns:p14="http://schemas.microsoft.com/office/powerpoint/2010/main" val="1676336149"/>
       </p:ext>
     </p:extLst>
   </p:cSld>
@@ -1487,9 +2742,9 @@
 </p:sldLayout>
 </file>
 
-<file path=ppt/slideLayouts/slideLayout5.xml><?xml version="1.0" encoding="utf-8"?>
-<p:sldLayout xmlns:a="http://schemas.openxmlformats.org/drawingml/2006/main" xmlns:r="http://schemas.openxmlformats.org/officeDocument/2006/relationships" xmlns:p="http://schemas.openxmlformats.org/presentationml/2006/main" type="twoTxTwoObj" preserve="1">
-  <p:cSld name="Porównanie">
+<file path=ppt/slideLayouts/slideLayout15.xml><?xml version="1.0" encoding="utf-8"?>
+<p:sldLayout xmlns:a="http://schemas.openxmlformats.org/drawingml/2006/main" xmlns:r="http://schemas.openxmlformats.org/officeDocument/2006/relationships" xmlns:p="http://schemas.openxmlformats.org/presentationml/2006/main" preserve="1">
+  <p:cSld name="3 Picture Column">
     <p:spTree>
       <p:nvGrpSpPr>
         <p:cNvPr id="1" name=""/>
@@ -1506,53 +2761,58 @@
       </p:grpSpPr>
       <p:sp>
         <p:nvSpPr>
-          <p:cNvPr id="2" name="Tytuł 1"/>
+          <p:cNvPr id="2" name="Title 1"/>
           <p:cNvSpPr>
             <a:spLocks noGrp="1"/>
           </p:cNvSpPr>
           <p:nvPr>
             <p:ph type="title"/>
+          </p:nvPr>
+        </p:nvSpPr>
+        <p:spPr/>
+        <p:txBody>
+          <a:bodyPr/>
+          <a:lstStyle>
+            <a:lvl1pPr>
+              <a:defRPr sz="4200"/>
+            </a:lvl1pPr>
+          </a:lstStyle>
+          <a:p>
+            <a:r>
+              <a:rPr lang="en-US" dirty="0"/>
+              <a:t>Click to edit Master title style</a:t>
+            </a:r>
+          </a:p>
+        </p:txBody>
+      </p:sp>
+      <p:sp>
+        <p:nvSpPr>
+          <p:cNvPr id="3" name="Text Placeholder 2"/>
+          <p:cNvSpPr>
+            <a:spLocks noGrp="1"/>
+          </p:cNvSpPr>
+          <p:nvPr>
+            <p:ph type="body" idx="1"/>
           </p:nvPr>
         </p:nvSpPr>
         <p:spPr>
           <a:xfrm>
-            <a:off x="839788" y="365125"/>
-            <a:ext cx="10515600" cy="1325563"/>
+            <a:off x="652463" y="4250949"/>
+            <a:ext cx="2940050" cy="576262"/>
           </a:xfrm>
         </p:spPr>
         <p:txBody>
-          <a:bodyPr/>
-          <a:lstStyle/>
-          <a:p>
-            <a:r>
-              <a:rPr lang="pl-PL"/>
-              <a:t>Kliknij, aby edytować styl</a:t>
-            </a:r>
-          </a:p>
-        </p:txBody>
-      </p:sp>
-      <p:sp>
-        <p:nvSpPr>
-          <p:cNvPr id="3" name="Symbol zastępczy tekstu 2"/>
-          <p:cNvSpPr>
-            <a:spLocks noGrp="1"/>
-          </p:cNvSpPr>
-          <p:nvPr>
-            <p:ph type="body" idx="1"/>
-          </p:nvPr>
-        </p:nvSpPr>
-        <p:spPr>
-          <a:xfrm>
-            <a:off x="839788" y="1681163"/>
-            <a:ext cx="5157787" cy="823912"/>
-          </a:xfrm>
-        </p:spPr>
-        <p:txBody>
-          <a:bodyPr anchor="b"/>
+          <a:bodyPr anchor="b">
+            <a:noAutofit/>
+          </a:bodyPr>
           <a:lstStyle>
             <a:lvl1pPr marL="0" indent="0">
               <a:buNone/>
-              <a:defRPr sz="2400" b="1"/>
+              <a:defRPr sz="2400" b="0">
+                <a:solidFill>
+                  <a:schemeClr val="accent1"/>
+                </a:solidFill>
+              </a:defRPr>
             </a:lvl1pPr>
             <a:lvl2pPr marL="457200" indent="0">
               <a:buNone/>
@@ -1590,71 +2850,157 @@
           <a:p>
             <a:pPr lvl="0"/>
             <a:r>
-              <a:rPr lang="pl-PL"/>
-              <a:t>Kliknij, aby edytować style wzorca tekstu</a:t>
-            </a:r>
-          </a:p>
-        </p:txBody>
-      </p:sp>
-      <p:sp>
-        <p:nvSpPr>
-          <p:cNvPr id="4" name="Symbol zastępczy zawartości 3"/>
-          <p:cNvSpPr>
-            <a:spLocks noGrp="1"/>
-          </p:cNvSpPr>
-          <p:nvPr>
-            <p:ph sz="half" idx="2"/>
+              <a:rPr lang="en-US" dirty="0"/>
+              <a:t>Click to edit Master text styles</a:t>
+            </a:r>
+          </a:p>
+        </p:txBody>
+      </p:sp>
+      <p:sp>
+        <p:nvSpPr>
+          <p:cNvPr id="29" name="Picture Placeholder 2"/>
+          <p:cNvSpPr>
+            <a:spLocks noGrp="1" noChangeAspect="1"/>
+          </p:cNvSpPr>
+          <p:nvPr>
+            <p:ph type="pic" idx="15"/>
           </p:nvPr>
         </p:nvSpPr>
         <p:spPr>
           <a:xfrm>
-            <a:off x="839788" y="2505075"/>
-            <a:ext cx="5157787" cy="3684588"/>
+            <a:off x="652463" y="2209800"/>
+            <a:ext cx="2940050" cy="1524000"/>
+          </a:xfrm>
+          <a:prstGeom prst="roundRect">
+            <a:avLst>
+              <a:gd name="adj" fmla="val 1858"/>
+            </a:avLst>
+          </a:prstGeom>
+          <a:effectLst>
+            <a:outerShdw blurRad="50800" dist="50800" dir="5400000" algn="tl" rotWithShape="0">
+              <a:srgbClr val="000000">
+                <a:alpha val="43000"/>
+              </a:srgbClr>
+            </a:outerShdw>
+          </a:effectLst>
+        </p:spPr>
+        <p:txBody>
+          <a:bodyPr anchor="t">
+            <a:normAutofit/>
+          </a:bodyPr>
+          <a:lstStyle>
+            <a:lvl1pPr marL="0" indent="0" algn="ctr">
+              <a:buNone/>
+              <a:defRPr sz="1600"/>
+            </a:lvl1pPr>
+            <a:lvl2pPr marL="457200" indent="0">
+              <a:buNone/>
+              <a:defRPr sz="1600"/>
+            </a:lvl2pPr>
+            <a:lvl3pPr marL="914400" indent="0">
+              <a:buNone/>
+              <a:defRPr sz="1600"/>
+            </a:lvl3pPr>
+            <a:lvl4pPr marL="1371600" indent="0">
+              <a:buNone/>
+              <a:defRPr sz="1600"/>
+            </a:lvl4pPr>
+            <a:lvl5pPr marL="1828800" indent="0">
+              <a:buNone/>
+              <a:defRPr sz="1600"/>
+            </a:lvl5pPr>
+            <a:lvl6pPr marL="2286000" indent="0">
+              <a:buNone/>
+              <a:defRPr sz="1600"/>
+            </a:lvl6pPr>
+            <a:lvl7pPr marL="2743200" indent="0">
+              <a:buNone/>
+              <a:defRPr sz="1600"/>
+            </a:lvl7pPr>
+            <a:lvl8pPr marL="3200400" indent="0">
+              <a:buNone/>
+              <a:defRPr sz="1600"/>
+            </a:lvl8pPr>
+            <a:lvl9pPr marL="3657600" indent="0">
+              <a:buNone/>
+              <a:defRPr sz="1600"/>
+            </a:lvl9pPr>
+          </a:lstStyle>
+          <a:p>
+            <a:endParaRPr lang="en-US" dirty="0"/>
+          </a:p>
+        </p:txBody>
+      </p:sp>
+      <p:sp>
+        <p:nvSpPr>
+          <p:cNvPr id="22" name="Text Placeholder 3"/>
+          <p:cNvSpPr>
+            <a:spLocks noGrp="1"/>
+          </p:cNvSpPr>
+          <p:nvPr>
+            <p:ph type="body" sz="half" idx="18"/>
+          </p:nvPr>
+        </p:nvSpPr>
+        <p:spPr>
+          <a:xfrm>
+            <a:off x="652463" y="4827211"/>
+            <a:ext cx="2940050" cy="659189"/>
           </a:xfrm>
         </p:spPr>
         <p:txBody>
-          <a:bodyPr/>
-          <a:lstStyle/>
+          <a:bodyPr anchor="t">
+            <a:normAutofit/>
+          </a:bodyPr>
+          <a:lstStyle>
+            <a:lvl1pPr marL="0" indent="0">
+              <a:buNone/>
+              <a:defRPr sz="1400"/>
+            </a:lvl1pPr>
+            <a:lvl2pPr marL="457200" indent="0">
+              <a:buNone/>
+              <a:defRPr sz="1200"/>
+            </a:lvl2pPr>
+            <a:lvl3pPr marL="914400" indent="0">
+              <a:buNone/>
+              <a:defRPr sz="1000"/>
+            </a:lvl3pPr>
+            <a:lvl4pPr marL="1371600" indent="0">
+              <a:buNone/>
+              <a:defRPr sz="900"/>
+            </a:lvl4pPr>
+            <a:lvl5pPr marL="1828800" indent="0">
+              <a:buNone/>
+              <a:defRPr sz="900"/>
+            </a:lvl5pPr>
+            <a:lvl6pPr marL="2286000" indent="0">
+              <a:buNone/>
+              <a:defRPr sz="900"/>
+            </a:lvl6pPr>
+            <a:lvl7pPr marL="2743200" indent="0">
+              <a:buNone/>
+              <a:defRPr sz="900"/>
+            </a:lvl7pPr>
+            <a:lvl8pPr marL="3200400" indent="0">
+              <a:buNone/>
+              <a:defRPr sz="900"/>
+            </a:lvl8pPr>
+            <a:lvl9pPr marL="3657600" indent="0">
+              <a:buNone/>
+              <a:defRPr sz="900"/>
+            </a:lvl9pPr>
+          </a:lstStyle>
           <a:p>
             <a:pPr lvl="0"/>
             <a:r>
-              <a:rPr lang="pl-PL"/>
-              <a:t>Kliknij, aby edytować style wzorca tekstu</a:t>
-            </a:r>
-          </a:p>
-          <a:p>
-            <a:pPr lvl="1"/>
-            <a:r>
-              <a:rPr lang="pl-PL"/>
-              <a:t>Drugi poziom</a:t>
-            </a:r>
-          </a:p>
-          <a:p>
-            <a:pPr lvl="2"/>
-            <a:r>
-              <a:rPr lang="pl-PL"/>
-              <a:t>Trzeci poziom</a:t>
-            </a:r>
-          </a:p>
-          <a:p>
-            <a:pPr lvl="3"/>
-            <a:r>
-              <a:rPr lang="pl-PL"/>
-              <a:t>Czwarty poziom</a:t>
-            </a:r>
-          </a:p>
-          <a:p>
-            <a:pPr lvl="4"/>
-            <a:r>
-              <a:rPr lang="pl-PL"/>
-              <a:t>Piąty poziom</a:t>
-            </a:r>
-          </a:p>
-        </p:txBody>
-      </p:sp>
-      <p:sp>
-        <p:nvSpPr>
-          <p:cNvPr id="5" name="Symbol zastępczy tekstu 4"/>
+              <a:rPr lang="en-US" dirty="0"/>
+              <a:t>Click to edit Master text styles</a:t>
+            </a:r>
+          </a:p>
+        </p:txBody>
+      </p:sp>
+      <p:sp>
+        <p:nvSpPr>
+          <p:cNvPr id="5" name="Text Placeholder 4"/>
           <p:cNvSpPr>
             <a:spLocks noGrp="1"/>
           </p:cNvSpPr>
@@ -1664,16 +3010,22 @@
         </p:nvSpPr>
         <p:spPr>
           <a:xfrm>
-            <a:off x="6172200" y="1681163"/>
-            <a:ext cx="5183188" cy="823912"/>
+            <a:off x="3889375" y="4250949"/>
+            <a:ext cx="2930525" cy="576262"/>
           </a:xfrm>
         </p:spPr>
         <p:txBody>
-          <a:bodyPr anchor="b"/>
+          <a:bodyPr anchor="b">
+            <a:noAutofit/>
+          </a:bodyPr>
           <a:lstStyle>
             <a:lvl1pPr marL="0" indent="0">
               <a:buNone/>
-              <a:defRPr sz="2400" b="1"/>
+              <a:defRPr sz="2400" b="0">
+                <a:solidFill>
+                  <a:schemeClr val="accent1"/>
+                </a:solidFill>
+              </a:defRPr>
             </a:lvl1pPr>
             <a:lvl2pPr marL="457200" indent="0">
               <a:buNone/>
@@ -1711,76 +3063,472 @@
           <a:p>
             <a:pPr lvl="0"/>
             <a:r>
-              <a:rPr lang="pl-PL"/>
-              <a:t>Kliknij, aby edytować style wzorca tekstu</a:t>
-            </a:r>
-          </a:p>
-        </p:txBody>
-      </p:sp>
-      <p:sp>
-        <p:nvSpPr>
-          <p:cNvPr id="6" name="Symbol zastępczy zawartości 5"/>
-          <p:cNvSpPr>
-            <a:spLocks noGrp="1"/>
-          </p:cNvSpPr>
-          <p:nvPr>
-            <p:ph sz="quarter" idx="4"/>
+              <a:rPr lang="en-US" dirty="0"/>
+              <a:t>Click to edit Master text styles</a:t>
+            </a:r>
+          </a:p>
+        </p:txBody>
+      </p:sp>
+      <p:sp>
+        <p:nvSpPr>
+          <p:cNvPr id="30" name="Picture Placeholder 2"/>
+          <p:cNvSpPr>
+            <a:spLocks noGrp="1" noChangeAspect="1"/>
+          </p:cNvSpPr>
+          <p:nvPr>
+            <p:ph type="pic" idx="21"/>
           </p:nvPr>
         </p:nvSpPr>
         <p:spPr>
           <a:xfrm>
-            <a:off x="6172200" y="2505075"/>
-            <a:ext cx="5183188" cy="3684588"/>
+            <a:off x="3889374" y="2209800"/>
+            <a:ext cx="2930525" cy="1524000"/>
+          </a:xfrm>
+          <a:prstGeom prst="roundRect">
+            <a:avLst>
+              <a:gd name="adj" fmla="val 1858"/>
+            </a:avLst>
+          </a:prstGeom>
+          <a:effectLst>
+            <a:outerShdw blurRad="50800" dist="50800" dir="5400000" algn="tl" rotWithShape="0">
+              <a:srgbClr val="000000">
+                <a:alpha val="43000"/>
+              </a:srgbClr>
+            </a:outerShdw>
+          </a:effectLst>
+        </p:spPr>
+        <p:txBody>
+          <a:bodyPr anchor="t">
+            <a:normAutofit/>
+          </a:bodyPr>
+          <a:lstStyle>
+            <a:lvl1pPr marL="0" indent="0" algn="ctr">
+              <a:buNone/>
+              <a:defRPr sz="1600"/>
+            </a:lvl1pPr>
+            <a:lvl2pPr marL="457200" indent="0">
+              <a:buNone/>
+              <a:defRPr sz="1600"/>
+            </a:lvl2pPr>
+            <a:lvl3pPr marL="914400" indent="0">
+              <a:buNone/>
+              <a:defRPr sz="1600"/>
+            </a:lvl3pPr>
+            <a:lvl4pPr marL="1371600" indent="0">
+              <a:buNone/>
+              <a:defRPr sz="1600"/>
+            </a:lvl4pPr>
+            <a:lvl5pPr marL="1828800" indent="0">
+              <a:buNone/>
+              <a:defRPr sz="1600"/>
+            </a:lvl5pPr>
+            <a:lvl6pPr marL="2286000" indent="0">
+              <a:buNone/>
+              <a:defRPr sz="1600"/>
+            </a:lvl6pPr>
+            <a:lvl7pPr marL="2743200" indent="0">
+              <a:buNone/>
+              <a:defRPr sz="1600"/>
+            </a:lvl7pPr>
+            <a:lvl8pPr marL="3200400" indent="0">
+              <a:buNone/>
+              <a:defRPr sz="1600"/>
+            </a:lvl8pPr>
+            <a:lvl9pPr marL="3657600" indent="0">
+              <a:buNone/>
+              <a:defRPr sz="1600"/>
+            </a:lvl9pPr>
+          </a:lstStyle>
+          <a:p>
+            <a:endParaRPr lang="en-US" dirty="0"/>
+          </a:p>
+        </p:txBody>
+      </p:sp>
+      <p:sp>
+        <p:nvSpPr>
+          <p:cNvPr id="23" name="Text Placeholder 3"/>
+          <p:cNvSpPr>
+            <a:spLocks noGrp="1"/>
+          </p:cNvSpPr>
+          <p:nvPr>
+            <p:ph type="body" sz="half" idx="19"/>
+          </p:nvPr>
+        </p:nvSpPr>
+        <p:spPr>
+          <a:xfrm>
+            <a:off x="3888022" y="4827210"/>
+            <a:ext cx="2934406" cy="659189"/>
           </a:xfrm>
         </p:spPr>
         <p:txBody>
+          <a:bodyPr anchor="t">
+            <a:normAutofit/>
+          </a:bodyPr>
+          <a:lstStyle>
+            <a:lvl1pPr marL="0" indent="0">
+              <a:buNone/>
+              <a:defRPr sz="1400"/>
+            </a:lvl1pPr>
+            <a:lvl2pPr marL="457200" indent="0">
+              <a:buNone/>
+              <a:defRPr sz="1200"/>
+            </a:lvl2pPr>
+            <a:lvl3pPr marL="914400" indent="0">
+              <a:buNone/>
+              <a:defRPr sz="1000"/>
+            </a:lvl3pPr>
+            <a:lvl4pPr marL="1371600" indent="0">
+              <a:buNone/>
+              <a:defRPr sz="900"/>
+            </a:lvl4pPr>
+            <a:lvl5pPr marL="1828800" indent="0">
+              <a:buNone/>
+              <a:defRPr sz="900"/>
+            </a:lvl5pPr>
+            <a:lvl6pPr marL="2286000" indent="0">
+              <a:buNone/>
+              <a:defRPr sz="900"/>
+            </a:lvl6pPr>
+            <a:lvl7pPr marL="2743200" indent="0">
+              <a:buNone/>
+              <a:defRPr sz="900"/>
+            </a:lvl7pPr>
+            <a:lvl8pPr marL="3200400" indent="0">
+              <a:buNone/>
+              <a:defRPr sz="900"/>
+            </a:lvl8pPr>
+            <a:lvl9pPr marL="3657600" indent="0">
+              <a:buNone/>
+              <a:defRPr sz="900"/>
+            </a:lvl9pPr>
+          </a:lstStyle>
+          <a:p>
+            <a:pPr lvl="0"/>
+            <a:r>
+              <a:rPr lang="en-US" dirty="0"/>
+              <a:t>Click to edit Master text styles</a:t>
+            </a:r>
+          </a:p>
+        </p:txBody>
+      </p:sp>
+      <p:sp>
+        <p:nvSpPr>
+          <p:cNvPr id="14" name="Text Placeholder 4"/>
+          <p:cNvSpPr>
+            <a:spLocks noGrp="1"/>
+          </p:cNvSpPr>
+          <p:nvPr>
+            <p:ph type="body" sz="quarter" idx="13"/>
+          </p:nvPr>
+        </p:nvSpPr>
+        <p:spPr>
+          <a:xfrm>
+            <a:off x="7124700" y="4250949"/>
+            <a:ext cx="2932113" cy="576262"/>
+          </a:xfrm>
+        </p:spPr>
+        <p:txBody>
+          <a:bodyPr anchor="b">
+            <a:noAutofit/>
+          </a:bodyPr>
+          <a:lstStyle>
+            <a:lvl1pPr marL="0" indent="0">
+              <a:buNone/>
+              <a:defRPr sz="2400" b="0">
+                <a:solidFill>
+                  <a:schemeClr val="accent1"/>
+                </a:solidFill>
+              </a:defRPr>
+            </a:lvl1pPr>
+            <a:lvl2pPr marL="457200" indent="0">
+              <a:buNone/>
+              <a:defRPr sz="2000" b="1"/>
+            </a:lvl2pPr>
+            <a:lvl3pPr marL="914400" indent="0">
+              <a:buNone/>
+              <a:defRPr sz="1800" b="1"/>
+            </a:lvl3pPr>
+            <a:lvl4pPr marL="1371600" indent="0">
+              <a:buNone/>
+              <a:defRPr sz="1600" b="1"/>
+            </a:lvl4pPr>
+            <a:lvl5pPr marL="1828800" indent="0">
+              <a:buNone/>
+              <a:defRPr sz="1600" b="1"/>
+            </a:lvl5pPr>
+            <a:lvl6pPr marL="2286000" indent="0">
+              <a:buNone/>
+              <a:defRPr sz="1600" b="1"/>
+            </a:lvl6pPr>
+            <a:lvl7pPr marL="2743200" indent="0">
+              <a:buNone/>
+              <a:defRPr sz="1600" b="1"/>
+            </a:lvl7pPr>
+            <a:lvl8pPr marL="3200400" indent="0">
+              <a:buNone/>
+              <a:defRPr sz="1600" b="1"/>
+            </a:lvl8pPr>
+            <a:lvl9pPr marL="3657600" indent="0">
+              <a:buNone/>
+              <a:defRPr sz="1600" b="1"/>
+            </a:lvl9pPr>
+          </a:lstStyle>
+          <a:p>
+            <a:pPr lvl="0"/>
+            <a:r>
+              <a:rPr lang="en-US" dirty="0"/>
+              <a:t>Click to edit Master text styles</a:t>
+            </a:r>
+          </a:p>
+        </p:txBody>
+      </p:sp>
+      <p:sp>
+        <p:nvSpPr>
+          <p:cNvPr id="31" name="Picture Placeholder 2"/>
+          <p:cNvSpPr>
+            <a:spLocks noGrp="1" noChangeAspect="1"/>
+          </p:cNvSpPr>
+          <p:nvPr>
+            <p:ph type="pic" idx="22"/>
+          </p:nvPr>
+        </p:nvSpPr>
+        <p:spPr>
+          <a:xfrm>
+            <a:off x="7124699" y="2209800"/>
+            <a:ext cx="2932113" cy="1524000"/>
+          </a:xfrm>
+          <a:prstGeom prst="roundRect">
+            <a:avLst>
+              <a:gd name="adj" fmla="val 1858"/>
+            </a:avLst>
+          </a:prstGeom>
+          <a:effectLst>
+            <a:outerShdw blurRad="50800" dist="50800" dir="5400000" algn="tl" rotWithShape="0">
+              <a:srgbClr val="000000">
+                <a:alpha val="43000"/>
+              </a:srgbClr>
+            </a:outerShdw>
+          </a:effectLst>
+        </p:spPr>
+        <p:txBody>
+          <a:bodyPr anchor="t">
+            <a:normAutofit/>
+          </a:bodyPr>
+          <a:lstStyle>
+            <a:lvl1pPr marL="0" indent="0" algn="ctr">
+              <a:buNone/>
+              <a:defRPr sz="1600"/>
+            </a:lvl1pPr>
+            <a:lvl2pPr marL="457200" indent="0">
+              <a:buNone/>
+              <a:defRPr sz="1600"/>
+            </a:lvl2pPr>
+            <a:lvl3pPr marL="914400" indent="0">
+              <a:buNone/>
+              <a:defRPr sz="1600"/>
+            </a:lvl3pPr>
+            <a:lvl4pPr marL="1371600" indent="0">
+              <a:buNone/>
+              <a:defRPr sz="1600"/>
+            </a:lvl4pPr>
+            <a:lvl5pPr marL="1828800" indent="0">
+              <a:buNone/>
+              <a:defRPr sz="1600"/>
+            </a:lvl5pPr>
+            <a:lvl6pPr marL="2286000" indent="0">
+              <a:buNone/>
+              <a:defRPr sz="1600"/>
+            </a:lvl6pPr>
+            <a:lvl7pPr marL="2743200" indent="0">
+              <a:buNone/>
+              <a:defRPr sz="1600"/>
+            </a:lvl7pPr>
+            <a:lvl8pPr marL="3200400" indent="0">
+              <a:buNone/>
+              <a:defRPr sz="1600"/>
+            </a:lvl8pPr>
+            <a:lvl9pPr marL="3657600" indent="0">
+              <a:buNone/>
+              <a:defRPr sz="1600"/>
+            </a:lvl9pPr>
+          </a:lstStyle>
+          <a:p>
+            <a:endParaRPr lang="en-US" dirty="0"/>
+          </a:p>
+        </p:txBody>
+      </p:sp>
+      <p:sp>
+        <p:nvSpPr>
+          <p:cNvPr id="24" name="Text Placeholder 3"/>
+          <p:cNvSpPr>
+            <a:spLocks noGrp="1"/>
+          </p:cNvSpPr>
+          <p:nvPr>
+            <p:ph type="body" sz="half" idx="20"/>
+          </p:nvPr>
+        </p:nvSpPr>
+        <p:spPr>
+          <a:xfrm>
+            <a:off x="7124575" y="4827208"/>
+            <a:ext cx="2935997" cy="659189"/>
+          </a:xfrm>
+        </p:spPr>
+        <p:txBody>
+          <a:bodyPr anchor="t">
+            <a:normAutofit/>
+          </a:bodyPr>
+          <a:lstStyle>
+            <a:lvl1pPr marL="0" indent="0">
+              <a:buNone/>
+              <a:defRPr sz="1400"/>
+            </a:lvl1pPr>
+            <a:lvl2pPr marL="457200" indent="0">
+              <a:buNone/>
+              <a:defRPr sz="1200"/>
+            </a:lvl2pPr>
+            <a:lvl3pPr marL="914400" indent="0">
+              <a:buNone/>
+              <a:defRPr sz="1000"/>
+            </a:lvl3pPr>
+            <a:lvl4pPr marL="1371600" indent="0">
+              <a:buNone/>
+              <a:defRPr sz="900"/>
+            </a:lvl4pPr>
+            <a:lvl5pPr marL="1828800" indent="0">
+              <a:buNone/>
+              <a:defRPr sz="900"/>
+            </a:lvl5pPr>
+            <a:lvl6pPr marL="2286000" indent="0">
+              <a:buNone/>
+              <a:defRPr sz="900"/>
+            </a:lvl6pPr>
+            <a:lvl7pPr marL="2743200" indent="0">
+              <a:buNone/>
+              <a:defRPr sz="900"/>
+            </a:lvl7pPr>
+            <a:lvl8pPr marL="3200400" indent="0">
+              <a:buNone/>
+              <a:defRPr sz="900"/>
+            </a:lvl8pPr>
+            <a:lvl9pPr marL="3657600" indent="0">
+              <a:buNone/>
+              <a:defRPr sz="900"/>
+            </a:lvl9pPr>
+          </a:lstStyle>
+          <a:p>
+            <a:pPr lvl="0"/>
+            <a:r>
+              <a:rPr lang="en-US" dirty="0"/>
+              <a:t>Click to edit Master text styles</a:t>
+            </a:r>
+          </a:p>
+        </p:txBody>
+      </p:sp>
+      <p:cxnSp>
+        <p:nvCxnSpPr>
+          <p:cNvPr id="17" name="Straight Connector 16"/>
+          <p:cNvCxnSpPr/>
+          <p:nvPr/>
+        </p:nvCxnSpPr>
+        <p:spPr>
+          <a:xfrm>
+            <a:off x="3726142" y="2133600"/>
+            <a:ext cx="0" cy="3962400"/>
+          </a:xfrm>
+          <a:prstGeom prst="line">
+            <a:avLst/>
+          </a:prstGeom>
+          <a:ln w="12700" cmpd="sng">
+            <a:solidFill>
+              <a:schemeClr val="accent1">
+                <a:alpha val="40000"/>
+              </a:schemeClr>
+            </a:solidFill>
+          </a:ln>
+        </p:spPr>
+        <p:style>
+          <a:lnRef idx="2">
+            <a:schemeClr val="accent1"/>
+          </a:lnRef>
+          <a:fillRef idx="0">
+            <a:schemeClr val="accent1"/>
+          </a:fillRef>
+          <a:effectRef idx="1">
+            <a:schemeClr val="accent1"/>
+          </a:effectRef>
+          <a:fontRef idx="minor">
+            <a:schemeClr val="tx1"/>
+          </a:fontRef>
+        </p:style>
+      </p:cxnSp>
+      <p:cxnSp>
+        <p:nvCxnSpPr>
+          <p:cNvPr id="18" name="Straight Connector 17"/>
+          <p:cNvCxnSpPr/>
+          <p:nvPr/>
+        </p:nvCxnSpPr>
+        <p:spPr>
+          <a:xfrm>
+            <a:off x="6962227" y="2133600"/>
+            <a:ext cx="0" cy="3966882"/>
+          </a:xfrm>
+          <a:prstGeom prst="line">
+            <a:avLst/>
+          </a:prstGeom>
+          <a:ln w="12700" cmpd="sng">
+            <a:solidFill>
+              <a:schemeClr val="accent1">
+                <a:alpha val="40000"/>
+              </a:schemeClr>
+            </a:solidFill>
+          </a:ln>
+        </p:spPr>
+        <p:style>
+          <a:lnRef idx="2">
+            <a:schemeClr val="accent1"/>
+          </a:lnRef>
+          <a:fillRef idx="0">
+            <a:schemeClr val="accent1"/>
+          </a:fillRef>
+          <a:effectRef idx="1">
+            <a:schemeClr val="accent1"/>
+          </a:effectRef>
+          <a:fontRef idx="minor">
+            <a:schemeClr val="tx1"/>
+          </a:fontRef>
+        </p:style>
+      </p:cxnSp>
+      <p:sp>
+        <p:nvSpPr>
+          <p:cNvPr id="7" name="Date Placeholder 3"/>
+          <p:cNvSpPr>
+            <a:spLocks noGrp="1"/>
+          </p:cNvSpPr>
+          <p:nvPr>
+            <p:ph type="dt" sz="half" idx="10"/>
+          </p:nvPr>
+        </p:nvSpPr>
+        <p:spPr/>
+        <p:txBody>
           <a:bodyPr/>
           <a:lstStyle/>
           <a:p>
-            <a:pPr lvl="0"/>
-            <a:r>
-              <a:rPr lang="pl-PL"/>
-              <a:t>Kliknij, aby edytować style wzorca tekstu</a:t>
-            </a:r>
-          </a:p>
-          <a:p>
-            <a:pPr lvl="1"/>
-            <a:r>
-              <a:rPr lang="pl-PL"/>
-              <a:t>Drugi poziom</a:t>
-            </a:r>
-          </a:p>
-          <a:p>
-            <a:pPr lvl="2"/>
-            <a:r>
-              <a:rPr lang="pl-PL"/>
-              <a:t>Trzeci poziom</a:t>
-            </a:r>
-          </a:p>
-          <a:p>
-            <a:pPr lvl="3"/>
-            <a:r>
-              <a:rPr lang="pl-PL"/>
-              <a:t>Czwarty poziom</a:t>
-            </a:r>
-          </a:p>
-          <a:p>
-            <a:pPr lvl="4"/>
-            <a:r>
-              <a:rPr lang="pl-PL"/>
-              <a:t>Piąty poziom</a:t>
-            </a:r>
-          </a:p>
-        </p:txBody>
-      </p:sp>
-      <p:sp>
-        <p:nvSpPr>
-          <p:cNvPr id="7" name="Symbol zastępczy daty 6"/>
-          <p:cNvSpPr>
-            <a:spLocks noGrp="1"/>
-          </p:cNvSpPr>
-          <p:nvPr>
-            <p:ph type="dt" sz="half" idx="10"/>
+            <a:fld id="{4509A250-FF31-4206-8172-F9D3106AACB1}" type="datetimeFigureOut">
+              <a:rPr lang="en-US" dirty="0"/>
+              <a:t>6/16/2023</a:t>
+            </a:fld>
+            <a:endParaRPr lang="en-US" dirty="0"/>
+          </a:p>
+        </p:txBody>
+      </p:sp>
+      <p:sp>
+        <p:nvSpPr>
+          <p:cNvPr id="4" name="Footer Placeholder 4"/>
+          <p:cNvSpPr>
+            <a:spLocks noGrp="1"/>
+          </p:cNvSpPr>
+          <p:nvPr>
+            <p:ph type="ftr" sz="quarter" idx="11"/>
           </p:nvPr>
         </p:nvSpPr>
         <p:spPr/>
@@ -1788,22 +3536,18 @@
           <a:bodyPr/>
           <a:lstStyle/>
           <a:p>
-            <a:fld id="{F98AA868-8872-43E4-8C98-D34DABD1FD38}" type="datetimeFigureOut">
-              <a:rPr lang="pl-PL" smtClean="0"/>
-              <a:t>16.06.2023</a:t>
-            </a:fld>
-            <a:endParaRPr lang="pl-PL"/>
-          </a:p>
-        </p:txBody>
-      </p:sp>
-      <p:sp>
-        <p:nvSpPr>
-          <p:cNvPr id="8" name="Symbol zastępczy stopki 7"/>
-          <p:cNvSpPr>
-            <a:spLocks noGrp="1"/>
-          </p:cNvSpPr>
-          <p:nvPr>
-            <p:ph type="ftr" sz="quarter" idx="11"/>
+            <a:endParaRPr lang="en-US" dirty="0"/>
+          </a:p>
+        </p:txBody>
+      </p:sp>
+      <p:sp>
+        <p:nvSpPr>
+          <p:cNvPr id="6" name="Slide Number Placeholder 5"/>
+          <p:cNvSpPr>
+            <a:spLocks noGrp="1"/>
+          </p:cNvSpPr>
+          <p:nvPr>
+            <p:ph type="sldNum" sz="quarter" idx="12"/>
           </p:nvPr>
         </p:nvSpPr>
         <p:spPr/>
@@ -1811,37 +3555,18 @@
           <a:bodyPr/>
           <a:lstStyle/>
           <a:p>
-            <a:endParaRPr lang="pl-PL"/>
-          </a:p>
-        </p:txBody>
-      </p:sp>
-      <p:sp>
-        <p:nvSpPr>
-          <p:cNvPr id="9" name="Symbol zastępczy numeru slajdu 8"/>
-          <p:cNvSpPr>
-            <a:spLocks noGrp="1"/>
-          </p:cNvSpPr>
-          <p:nvPr>
-            <p:ph type="sldNum" sz="quarter" idx="12"/>
-          </p:nvPr>
-        </p:nvSpPr>
-        <p:spPr/>
-        <p:txBody>
-          <a:bodyPr/>
-          <a:lstStyle/>
-          <a:p>
-            <a:fld id="{C77C6C3F-668B-4AF5-BFA9-0F657EB068D6}" type="slidenum">
-              <a:rPr lang="pl-PL" smtClean="0"/>
+            <a:fld id="{D57F1E4F-1CFF-5643-939E-02111984F565}" type="slidenum">
+              <a:rPr lang="en-US" dirty="0"/>
               <a:t>‹#›</a:t>
             </a:fld>
-            <a:endParaRPr lang="pl-PL"/>
+            <a:endParaRPr lang="en-US" dirty="0"/>
           </a:p>
         </p:txBody>
       </p:sp>
     </p:spTree>
     <p:extLst>
       <p:ext uri="{BB962C8B-B14F-4D97-AF65-F5344CB8AC3E}">
-        <p14:creationId xmlns:p14="http://schemas.microsoft.com/office/powerpoint/2010/main" val="961808292"/>
+        <p14:creationId xmlns:p14="http://schemas.microsoft.com/office/powerpoint/2010/main" val="1731721048"/>
       </p:ext>
     </p:extLst>
   </p:cSld>
@@ -1851,9 +3576,9 @@
 </p:sldLayout>
 </file>
 
-<file path=ppt/slideLayouts/slideLayout6.xml><?xml version="1.0" encoding="utf-8"?>
-<p:sldLayout xmlns:a="http://schemas.openxmlformats.org/drawingml/2006/main" xmlns:r="http://schemas.openxmlformats.org/officeDocument/2006/relationships" xmlns:p="http://schemas.openxmlformats.org/presentationml/2006/main" type="titleOnly" preserve="1">
-  <p:cSld name="Tylko tytuł">
+<file path=ppt/slideLayouts/slideLayout16.xml><?xml version="1.0" encoding="utf-8"?>
+<p:sldLayout xmlns:a="http://schemas.openxmlformats.org/drawingml/2006/main" xmlns:r="http://schemas.openxmlformats.org/officeDocument/2006/relationships" xmlns:p="http://schemas.openxmlformats.org/presentationml/2006/main" type="vertTx" preserve="1">
+  <p:cSld name="Title and Vertical Text">
     <p:spTree>
       <p:nvGrpSpPr>
         <p:cNvPr id="1" name=""/>
@@ -1870,7 +3595,7 @@
       </p:grpSpPr>
       <p:sp>
         <p:nvSpPr>
-          <p:cNvPr id="2" name="Tytuł 1"/>
+          <p:cNvPr id="2" name="Title 1"/>
           <p:cNvSpPr>
             <a:spLocks noGrp="1"/>
           </p:cNvSpPr>
@@ -1884,15 +3609,66 @@
           <a:lstStyle/>
           <a:p>
             <a:r>
-              <a:rPr lang="pl-PL"/>
-              <a:t>Kliknij, aby edytować styl</a:t>
-            </a:r>
-          </a:p>
-        </p:txBody>
-      </p:sp>
-      <p:sp>
-        <p:nvSpPr>
-          <p:cNvPr id="3" name="Symbol zastępczy daty 2"/>
+              <a:rPr lang="en-US" dirty="0"/>
+              <a:t>Click to edit Master title style</a:t>
+            </a:r>
+          </a:p>
+        </p:txBody>
+      </p:sp>
+      <p:sp>
+        <p:nvSpPr>
+          <p:cNvPr id="3" name="Vertical Text Placeholder 2"/>
+          <p:cNvSpPr>
+            <a:spLocks noGrp="1"/>
+          </p:cNvSpPr>
+          <p:nvPr>
+            <p:ph type="body" orient="vert" idx="1"/>
+          </p:nvPr>
+        </p:nvSpPr>
+        <p:spPr/>
+        <p:txBody>
+          <a:bodyPr vert="eaVert" anchor="t" anchorCtr="0"/>
+          <a:lstStyle/>
+          <a:p>
+            <a:pPr lvl="0"/>
+            <a:r>
+              <a:rPr lang="en-US" dirty="0"/>
+              <a:t>Click to edit Master text styles</a:t>
+            </a:r>
+          </a:p>
+          <a:p>
+            <a:pPr lvl="1"/>
+            <a:r>
+              <a:rPr lang="en-US" dirty="0"/>
+              <a:t>Second level</a:t>
+            </a:r>
+          </a:p>
+          <a:p>
+            <a:pPr lvl="2"/>
+            <a:r>
+              <a:rPr lang="en-US" dirty="0"/>
+              <a:t>Third level</a:t>
+            </a:r>
+          </a:p>
+          <a:p>
+            <a:pPr lvl="3"/>
+            <a:r>
+              <a:rPr lang="en-US" dirty="0"/>
+              <a:t>Fourth level</a:t>
+            </a:r>
+          </a:p>
+          <a:p>
+            <a:pPr lvl="4"/>
+            <a:r>
+              <a:rPr lang="en-US" dirty="0"/>
+              <a:t>Fifth level</a:t>
+            </a:r>
+          </a:p>
+        </p:txBody>
+      </p:sp>
+      <p:sp>
+        <p:nvSpPr>
+          <p:cNvPr id="4" name="Date Placeholder 3"/>
           <p:cNvSpPr>
             <a:spLocks noGrp="1"/>
           </p:cNvSpPr>
@@ -1905,17 +3681,17 @@
           <a:bodyPr/>
           <a:lstStyle/>
           <a:p>
-            <a:fld id="{F98AA868-8872-43E4-8C98-D34DABD1FD38}" type="datetimeFigureOut">
-              <a:rPr lang="pl-PL" smtClean="0"/>
-              <a:t>16.06.2023</a:t>
+            <a:fld id="{4509A250-FF31-4206-8172-F9D3106AACB1}" type="datetimeFigureOut">
+              <a:rPr lang="en-US" dirty="0"/>
+              <a:t>6/16/2023</a:t>
             </a:fld>
-            <a:endParaRPr lang="pl-PL"/>
-          </a:p>
-        </p:txBody>
-      </p:sp>
-      <p:sp>
-        <p:nvSpPr>
-          <p:cNvPr id="4" name="Symbol zastępczy stopki 3"/>
+            <a:endParaRPr lang="en-US" dirty="0"/>
+          </a:p>
+        </p:txBody>
+      </p:sp>
+      <p:sp>
+        <p:nvSpPr>
+          <p:cNvPr id="5" name="Footer Placeholder 4"/>
           <p:cNvSpPr>
             <a:spLocks noGrp="1"/>
           </p:cNvSpPr>
@@ -1928,13 +3704,13 @@
           <a:bodyPr/>
           <a:lstStyle/>
           <a:p>
-            <a:endParaRPr lang="pl-PL"/>
-          </a:p>
-        </p:txBody>
-      </p:sp>
-      <p:sp>
-        <p:nvSpPr>
-          <p:cNvPr id="5" name="Symbol zastępczy numeru slajdu 4"/>
+            <a:endParaRPr lang="en-US" dirty="0"/>
+          </a:p>
+        </p:txBody>
+      </p:sp>
+      <p:sp>
+        <p:nvSpPr>
+          <p:cNvPr id="6" name="Slide Number Placeholder 5"/>
           <p:cNvSpPr>
             <a:spLocks noGrp="1"/>
           </p:cNvSpPr>
@@ -1947,18 +3723,18 @@
           <a:bodyPr/>
           <a:lstStyle/>
           <a:p>
-            <a:fld id="{C77C6C3F-668B-4AF5-BFA9-0F657EB068D6}" type="slidenum">
-              <a:rPr lang="pl-PL" smtClean="0"/>
+            <a:fld id="{D57F1E4F-1CFF-5643-939E-02111984F565}" type="slidenum">
+              <a:rPr lang="en-US" dirty="0"/>
               <a:t>‹#›</a:t>
             </a:fld>
-            <a:endParaRPr lang="pl-PL"/>
+            <a:endParaRPr lang="en-US" dirty="0"/>
           </a:p>
         </p:txBody>
       </p:sp>
     </p:spTree>
     <p:extLst>
       <p:ext uri="{BB962C8B-B14F-4D97-AF65-F5344CB8AC3E}">
-        <p14:creationId xmlns:p14="http://schemas.microsoft.com/office/powerpoint/2010/main" val="1544797292"/>
+        <p14:creationId xmlns:p14="http://schemas.microsoft.com/office/powerpoint/2010/main" val="3304701262"/>
       </p:ext>
     </p:extLst>
   </p:cSld>
@@ -1968,9 +3744,9 @@
 </p:sldLayout>
 </file>
 
-<file path=ppt/slideLayouts/slideLayout7.xml><?xml version="1.0" encoding="utf-8"?>
-<p:sldLayout xmlns:a="http://schemas.openxmlformats.org/drawingml/2006/main" xmlns:r="http://schemas.openxmlformats.org/officeDocument/2006/relationships" xmlns:p="http://schemas.openxmlformats.org/presentationml/2006/main" type="blank" preserve="1">
-  <p:cSld name="Pusty">
+<file path=ppt/slideLayouts/slideLayout17.xml><?xml version="1.0" encoding="utf-8"?>
+<p:sldLayout xmlns:a="http://schemas.openxmlformats.org/drawingml/2006/main" xmlns:r="http://schemas.openxmlformats.org/officeDocument/2006/relationships" xmlns:p="http://schemas.openxmlformats.org/presentationml/2006/main" type="vertTitleAndTx" preserve="1">
+  <p:cSld name="Vertical Title and Text">
     <p:spTree>
       <p:nvGrpSpPr>
         <p:cNvPr id="1" name=""/>
@@ -1987,7 +3763,90 @@
       </p:grpSpPr>
       <p:sp>
         <p:nvSpPr>
-          <p:cNvPr id="2" name="Symbol zastępczy daty 1"/>
+          <p:cNvPr id="2" name="Vertical Title 1"/>
+          <p:cNvSpPr>
+            <a:spLocks noGrp="1"/>
+          </p:cNvSpPr>
+          <p:nvPr>
+            <p:ph type="title" orient="vert"/>
+          </p:nvPr>
+        </p:nvSpPr>
+        <p:spPr>
+          <a:xfrm>
+            <a:off x="8304212" y="430213"/>
+            <a:ext cx="1752601" cy="5826125"/>
+          </a:xfrm>
+        </p:spPr>
+        <p:txBody>
+          <a:bodyPr vert="eaVert" anchor="b" anchorCtr="0"/>
+          <a:lstStyle/>
+          <a:p>
+            <a:r>
+              <a:rPr lang="en-US" dirty="0"/>
+              <a:t>Click to edit Master title style</a:t>
+            </a:r>
+          </a:p>
+        </p:txBody>
+      </p:sp>
+      <p:sp>
+        <p:nvSpPr>
+          <p:cNvPr id="3" name="Vertical Text Placeholder 2"/>
+          <p:cNvSpPr>
+            <a:spLocks noGrp="1"/>
+          </p:cNvSpPr>
+          <p:nvPr>
+            <p:ph type="body" orient="vert" idx="1"/>
+          </p:nvPr>
+        </p:nvSpPr>
+        <p:spPr>
+          <a:xfrm>
+            <a:off x="652463" y="887414"/>
+            <a:ext cx="7423149" cy="5368924"/>
+          </a:xfrm>
+        </p:spPr>
+        <p:txBody>
+          <a:bodyPr vert="eaVert"/>
+          <a:lstStyle/>
+          <a:p>
+            <a:pPr lvl="0"/>
+            <a:r>
+              <a:rPr lang="en-US" dirty="0"/>
+              <a:t>Click to edit Master text styles</a:t>
+            </a:r>
+          </a:p>
+          <a:p>
+            <a:pPr lvl="1"/>
+            <a:r>
+              <a:rPr lang="en-US" dirty="0"/>
+              <a:t>Second level</a:t>
+            </a:r>
+          </a:p>
+          <a:p>
+            <a:pPr lvl="2"/>
+            <a:r>
+              <a:rPr lang="en-US" dirty="0"/>
+              <a:t>Third level</a:t>
+            </a:r>
+          </a:p>
+          <a:p>
+            <a:pPr lvl="3"/>
+            <a:r>
+              <a:rPr lang="en-US" dirty="0"/>
+              <a:t>Fourth level</a:t>
+            </a:r>
+          </a:p>
+          <a:p>
+            <a:pPr lvl="4"/>
+            <a:r>
+              <a:rPr lang="en-US" dirty="0"/>
+              <a:t>Fifth level</a:t>
+            </a:r>
+          </a:p>
+        </p:txBody>
+      </p:sp>
+      <p:sp>
+        <p:nvSpPr>
+          <p:cNvPr id="4" name="Date Placeholder 3"/>
           <p:cNvSpPr>
             <a:spLocks noGrp="1"/>
           </p:cNvSpPr>
@@ -2000,17 +3859,17 @@
           <a:bodyPr/>
           <a:lstStyle/>
           <a:p>
-            <a:fld id="{F98AA868-8872-43E4-8C98-D34DABD1FD38}" type="datetimeFigureOut">
-              <a:rPr lang="pl-PL" smtClean="0"/>
-              <a:t>16.06.2023</a:t>
+            <a:fld id="{4509A250-FF31-4206-8172-F9D3106AACB1}" type="datetimeFigureOut">
+              <a:rPr lang="en-US" dirty="0"/>
+              <a:t>6/16/2023</a:t>
             </a:fld>
-            <a:endParaRPr lang="pl-PL"/>
-          </a:p>
-        </p:txBody>
-      </p:sp>
-      <p:sp>
-        <p:nvSpPr>
-          <p:cNvPr id="3" name="Symbol zastępczy stopki 2"/>
+            <a:endParaRPr lang="en-US" dirty="0"/>
+          </a:p>
+        </p:txBody>
+      </p:sp>
+      <p:sp>
+        <p:nvSpPr>
+          <p:cNvPr id="5" name="Footer Placeholder 4"/>
           <p:cNvSpPr>
             <a:spLocks noGrp="1"/>
           </p:cNvSpPr>
@@ -2023,13 +3882,13 @@
           <a:bodyPr/>
           <a:lstStyle/>
           <a:p>
-            <a:endParaRPr lang="pl-PL"/>
-          </a:p>
-        </p:txBody>
-      </p:sp>
-      <p:sp>
-        <p:nvSpPr>
-          <p:cNvPr id="4" name="Symbol zastępczy numeru slajdu 3"/>
+            <a:endParaRPr lang="en-US" dirty="0"/>
+          </a:p>
+        </p:txBody>
+      </p:sp>
+      <p:sp>
+        <p:nvSpPr>
+          <p:cNvPr id="6" name="Slide Number Placeholder 5"/>
           <p:cNvSpPr>
             <a:spLocks noGrp="1"/>
           </p:cNvSpPr>
@@ -2042,18 +3901,18 @@
           <a:bodyPr/>
           <a:lstStyle/>
           <a:p>
-            <a:fld id="{C77C6C3F-668B-4AF5-BFA9-0F657EB068D6}" type="slidenum">
-              <a:rPr lang="pl-PL" smtClean="0"/>
+            <a:fld id="{D57F1E4F-1CFF-5643-939E-02111984F565}" type="slidenum">
+              <a:rPr lang="en-US" dirty="0"/>
               <a:t>‹#›</a:t>
             </a:fld>
-            <a:endParaRPr lang="pl-PL"/>
+            <a:endParaRPr lang="en-US" dirty="0"/>
           </a:p>
         </p:txBody>
       </p:sp>
     </p:spTree>
     <p:extLst>
       <p:ext uri="{BB962C8B-B14F-4D97-AF65-F5344CB8AC3E}">
-        <p14:creationId xmlns:p14="http://schemas.microsoft.com/office/powerpoint/2010/main" val="1850839136"/>
+        <p14:creationId xmlns:p14="http://schemas.microsoft.com/office/powerpoint/2010/main" val="1433585680"/>
       </p:ext>
     </p:extLst>
   </p:cSld>
@@ -2063,9 +3922,9 @@
 </p:sldLayout>
 </file>
 
-<file path=ppt/slideLayouts/slideLayout8.xml><?xml version="1.0" encoding="utf-8"?>
-<p:sldLayout xmlns:a="http://schemas.openxmlformats.org/drawingml/2006/main" xmlns:r="http://schemas.openxmlformats.org/officeDocument/2006/relationships" xmlns:p="http://schemas.openxmlformats.org/presentationml/2006/main" type="objTx" preserve="1">
-  <p:cSld name="Zawartość z podpisem">
+<file path=ppt/slideLayouts/slideLayout2.xml><?xml version="1.0" encoding="utf-8"?>
+<p:sldLayout xmlns:a="http://schemas.openxmlformats.org/drawingml/2006/main" xmlns:r="http://schemas.openxmlformats.org/officeDocument/2006/relationships" xmlns:p="http://schemas.openxmlformats.org/presentationml/2006/main" type="obj" preserve="1">
+  <p:cSld name="Title and Content">
     <p:spTree>
       <p:nvGrpSpPr>
         <p:cNvPr id="1" name=""/>
@@ -2082,192 +3941,12 @@
       </p:grpSpPr>
       <p:sp>
         <p:nvSpPr>
-          <p:cNvPr id="2" name="Tytuł 1"/>
+          <p:cNvPr id="2" name="Title 1"/>
           <p:cNvSpPr>
             <a:spLocks noGrp="1"/>
           </p:cNvSpPr>
           <p:nvPr>
             <p:ph type="title"/>
-          </p:nvPr>
-        </p:nvSpPr>
-        <p:spPr>
-          <a:xfrm>
-            <a:off x="839788" y="457200"/>
-            <a:ext cx="3932237" cy="1600200"/>
-          </a:xfrm>
-        </p:spPr>
-        <p:txBody>
-          <a:bodyPr anchor="b"/>
-          <a:lstStyle>
-            <a:lvl1pPr>
-              <a:defRPr sz="3200"/>
-            </a:lvl1pPr>
-          </a:lstStyle>
-          <a:p>
-            <a:r>
-              <a:rPr lang="pl-PL"/>
-              <a:t>Kliknij, aby edytować styl</a:t>
-            </a:r>
-          </a:p>
-        </p:txBody>
-      </p:sp>
-      <p:sp>
-        <p:nvSpPr>
-          <p:cNvPr id="3" name="Symbol zastępczy zawartości 2"/>
-          <p:cNvSpPr>
-            <a:spLocks noGrp="1"/>
-          </p:cNvSpPr>
-          <p:nvPr>
-            <p:ph idx="1"/>
-          </p:nvPr>
-        </p:nvSpPr>
-        <p:spPr>
-          <a:xfrm>
-            <a:off x="5183188" y="987425"/>
-            <a:ext cx="6172200" cy="4873625"/>
-          </a:xfrm>
-        </p:spPr>
-        <p:txBody>
-          <a:bodyPr/>
-          <a:lstStyle>
-            <a:lvl1pPr>
-              <a:defRPr sz="3200"/>
-            </a:lvl1pPr>
-            <a:lvl2pPr>
-              <a:defRPr sz="2800"/>
-            </a:lvl2pPr>
-            <a:lvl3pPr>
-              <a:defRPr sz="2400"/>
-            </a:lvl3pPr>
-            <a:lvl4pPr>
-              <a:defRPr sz="2000"/>
-            </a:lvl4pPr>
-            <a:lvl5pPr>
-              <a:defRPr sz="2000"/>
-            </a:lvl5pPr>
-            <a:lvl6pPr>
-              <a:defRPr sz="2000"/>
-            </a:lvl6pPr>
-            <a:lvl7pPr>
-              <a:defRPr sz="2000"/>
-            </a:lvl7pPr>
-            <a:lvl8pPr>
-              <a:defRPr sz="2000"/>
-            </a:lvl8pPr>
-            <a:lvl9pPr>
-              <a:defRPr sz="2000"/>
-            </a:lvl9pPr>
-          </a:lstStyle>
-          <a:p>
-            <a:pPr lvl="0"/>
-            <a:r>
-              <a:rPr lang="pl-PL"/>
-              <a:t>Kliknij, aby edytować style wzorca tekstu</a:t>
-            </a:r>
-          </a:p>
-          <a:p>
-            <a:pPr lvl="1"/>
-            <a:r>
-              <a:rPr lang="pl-PL"/>
-              <a:t>Drugi poziom</a:t>
-            </a:r>
-          </a:p>
-          <a:p>
-            <a:pPr lvl="2"/>
-            <a:r>
-              <a:rPr lang="pl-PL"/>
-              <a:t>Trzeci poziom</a:t>
-            </a:r>
-          </a:p>
-          <a:p>
-            <a:pPr lvl="3"/>
-            <a:r>
-              <a:rPr lang="pl-PL"/>
-              <a:t>Czwarty poziom</a:t>
-            </a:r>
-          </a:p>
-          <a:p>
-            <a:pPr lvl="4"/>
-            <a:r>
-              <a:rPr lang="pl-PL"/>
-              <a:t>Piąty poziom</a:t>
-            </a:r>
-          </a:p>
-        </p:txBody>
-      </p:sp>
-      <p:sp>
-        <p:nvSpPr>
-          <p:cNvPr id="4" name="Symbol zastępczy tekstu 3"/>
-          <p:cNvSpPr>
-            <a:spLocks noGrp="1"/>
-          </p:cNvSpPr>
-          <p:nvPr>
-            <p:ph type="body" sz="half" idx="2"/>
-          </p:nvPr>
-        </p:nvSpPr>
-        <p:spPr>
-          <a:xfrm>
-            <a:off x="839788" y="2057400"/>
-            <a:ext cx="3932237" cy="3811588"/>
-          </a:xfrm>
-        </p:spPr>
-        <p:txBody>
-          <a:bodyPr/>
-          <a:lstStyle>
-            <a:lvl1pPr marL="0" indent="0">
-              <a:buNone/>
-              <a:defRPr sz="1600"/>
-            </a:lvl1pPr>
-            <a:lvl2pPr marL="457200" indent="0">
-              <a:buNone/>
-              <a:defRPr sz="1400"/>
-            </a:lvl2pPr>
-            <a:lvl3pPr marL="914400" indent="0">
-              <a:buNone/>
-              <a:defRPr sz="1200"/>
-            </a:lvl3pPr>
-            <a:lvl4pPr marL="1371600" indent="0">
-              <a:buNone/>
-              <a:defRPr sz="1000"/>
-            </a:lvl4pPr>
-            <a:lvl5pPr marL="1828800" indent="0">
-              <a:buNone/>
-              <a:defRPr sz="1000"/>
-            </a:lvl5pPr>
-            <a:lvl6pPr marL="2286000" indent="0">
-              <a:buNone/>
-              <a:defRPr sz="1000"/>
-            </a:lvl6pPr>
-            <a:lvl7pPr marL="2743200" indent="0">
-              <a:buNone/>
-              <a:defRPr sz="1000"/>
-            </a:lvl7pPr>
-            <a:lvl8pPr marL="3200400" indent="0">
-              <a:buNone/>
-              <a:defRPr sz="1000"/>
-            </a:lvl8pPr>
-            <a:lvl9pPr marL="3657600" indent="0">
-              <a:buNone/>
-              <a:defRPr sz="1000"/>
-            </a:lvl9pPr>
-          </a:lstStyle>
-          <a:p>
-            <a:pPr lvl="0"/>
-            <a:r>
-              <a:rPr lang="pl-PL"/>
-              <a:t>Kliknij, aby edytować style wzorca tekstu</a:t>
-            </a:r>
-          </a:p>
-        </p:txBody>
-      </p:sp>
-      <p:sp>
-        <p:nvSpPr>
-          <p:cNvPr id="5" name="Symbol zastępczy daty 4"/>
-          <p:cNvSpPr>
-            <a:spLocks noGrp="1"/>
-          </p:cNvSpPr>
-          <p:nvPr>
-            <p:ph type="dt" sz="half" idx="10"/>
           </p:nvPr>
         </p:nvSpPr>
         <p:spPr/>
@@ -2275,22 +3954,21 @@
           <a:bodyPr/>
           <a:lstStyle/>
           <a:p>
-            <a:fld id="{F98AA868-8872-43E4-8C98-D34DABD1FD38}" type="datetimeFigureOut">
-              <a:rPr lang="pl-PL" smtClean="0"/>
-              <a:t>16.06.2023</a:t>
-            </a:fld>
-            <a:endParaRPr lang="pl-PL"/>
-          </a:p>
-        </p:txBody>
-      </p:sp>
-      <p:sp>
-        <p:nvSpPr>
-          <p:cNvPr id="6" name="Symbol zastępczy stopki 5"/>
-          <p:cNvSpPr>
-            <a:spLocks noGrp="1"/>
-          </p:cNvSpPr>
-          <p:nvPr>
-            <p:ph type="ftr" sz="quarter" idx="11"/>
+            <a:r>
+              <a:rPr lang="en-US" dirty="0"/>
+              <a:t>Click to edit Master title style</a:t>
+            </a:r>
+          </a:p>
+        </p:txBody>
+      </p:sp>
+      <p:sp>
+        <p:nvSpPr>
+          <p:cNvPr id="3" name="Content Placeholder 2"/>
+          <p:cNvSpPr>
+            <a:spLocks noGrp="1"/>
+          </p:cNvSpPr>
+          <p:nvPr>
+            <p:ph idx="1"/>
           </p:nvPr>
         </p:nvSpPr>
         <p:spPr/>
@@ -2298,18 +3976,50 @@
           <a:bodyPr/>
           <a:lstStyle/>
           <a:p>
-            <a:endParaRPr lang="pl-PL"/>
-          </a:p>
-        </p:txBody>
-      </p:sp>
-      <p:sp>
-        <p:nvSpPr>
-          <p:cNvPr id="7" name="Symbol zastępczy numeru slajdu 6"/>
-          <p:cNvSpPr>
-            <a:spLocks noGrp="1"/>
-          </p:cNvSpPr>
-          <p:nvPr>
-            <p:ph type="sldNum" sz="quarter" idx="12"/>
+            <a:pPr lvl="0"/>
+            <a:r>
+              <a:rPr lang="en-US" dirty="0"/>
+              <a:t>Click to edit Master text styles</a:t>
+            </a:r>
+          </a:p>
+          <a:p>
+            <a:pPr lvl="1"/>
+            <a:r>
+              <a:rPr lang="en-US" dirty="0"/>
+              <a:t>Second level</a:t>
+            </a:r>
+          </a:p>
+          <a:p>
+            <a:pPr lvl="2"/>
+            <a:r>
+              <a:rPr lang="en-US" dirty="0"/>
+              <a:t>Third level</a:t>
+            </a:r>
+          </a:p>
+          <a:p>
+            <a:pPr lvl="3"/>
+            <a:r>
+              <a:rPr lang="en-US" dirty="0"/>
+              <a:t>Fourth level</a:t>
+            </a:r>
+          </a:p>
+          <a:p>
+            <a:pPr lvl="4"/>
+            <a:r>
+              <a:rPr lang="en-US" dirty="0"/>
+              <a:t>Fifth level</a:t>
+            </a:r>
+          </a:p>
+        </p:txBody>
+      </p:sp>
+      <p:sp>
+        <p:nvSpPr>
+          <p:cNvPr id="7" name="Date Placeholder 6"/>
+          <p:cNvSpPr>
+            <a:spLocks noGrp="1"/>
+          </p:cNvSpPr>
+          <p:nvPr>
+            <p:ph type="dt" sz="half" idx="10"/>
           </p:nvPr>
         </p:nvSpPr>
         <p:spPr/>
@@ -2317,18 +4027,60 @@
           <a:bodyPr/>
           <a:lstStyle/>
           <a:p>
-            <a:fld id="{C77C6C3F-668B-4AF5-BFA9-0F657EB068D6}" type="slidenum">
-              <a:rPr lang="pl-PL" smtClean="0"/>
+            <a:fld id="{4509A250-FF31-4206-8172-F9D3106AACB1}" type="datetimeFigureOut">
+              <a:rPr lang="en-US" dirty="0"/>
+              <a:t>6/16/2023</a:t>
+            </a:fld>
+            <a:endParaRPr lang="en-US" dirty="0"/>
+          </a:p>
+        </p:txBody>
+      </p:sp>
+      <p:sp>
+        <p:nvSpPr>
+          <p:cNvPr id="5" name="Footer Placeholder 4"/>
+          <p:cNvSpPr>
+            <a:spLocks noGrp="1"/>
+          </p:cNvSpPr>
+          <p:nvPr>
+            <p:ph type="ftr" sz="quarter" idx="11"/>
+          </p:nvPr>
+        </p:nvSpPr>
+        <p:spPr/>
+        <p:txBody>
+          <a:bodyPr/>
+          <a:lstStyle/>
+          <a:p>
+            <a:endParaRPr lang="en-US" dirty="0"/>
+          </a:p>
+        </p:txBody>
+      </p:sp>
+      <p:sp>
+        <p:nvSpPr>
+          <p:cNvPr id="6" name="Slide Number Placeholder 5"/>
+          <p:cNvSpPr>
+            <a:spLocks noGrp="1"/>
+          </p:cNvSpPr>
+          <p:nvPr>
+            <p:ph type="sldNum" sz="quarter" idx="12"/>
+          </p:nvPr>
+        </p:nvSpPr>
+        <p:spPr/>
+        <p:txBody>
+          <a:bodyPr/>
+          <a:lstStyle/>
+          <a:p>
+            <a:fld id="{D57F1E4F-1CFF-5643-939E-02111984F565}" type="slidenum">
+              <a:rPr lang="en-US" dirty="0"/>
               <a:t>‹#›</a:t>
             </a:fld>
-            <a:endParaRPr lang="pl-PL"/>
+            <a:endParaRPr lang="en-US" dirty="0"/>
           </a:p>
         </p:txBody>
       </p:sp>
     </p:spTree>
     <p:extLst>
       <p:ext uri="{BB962C8B-B14F-4D97-AF65-F5344CB8AC3E}">
-        <p14:creationId xmlns:p14="http://schemas.microsoft.com/office/powerpoint/2010/main" val="2715530444"/>
+        <p14:creationId xmlns:p14="http://schemas.microsoft.com/office/powerpoint/2010/main" val="3356248988"/>
       </p:ext>
     </p:extLst>
   </p:cSld>
@@ -2338,9 +4090,9 @@
 </p:sldLayout>
 </file>
 
-<file path=ppt/slideLayouts/slideLayout9.xml><?xml version="1.0" encoding="utf-8"?>
-<p:sldLayout xmlns:a="http://schemas.openxmlformats.org/drawingml/2006/main" xmlns:r="http://schemas.openxmlformats.org/officeDocument/2006/relationships" xmlns:p="http://schemas.openxmlformats.org/presentationml/2006/main" type="picTx" preserve="1">
-  <p:cSld name="Obraz z podpisem">
+<file path=ppt/slideLayouts/slideLayout3.xml><?xml version="1.0" encoding="utf-8"?>
+<p:sldLayout xmlns:a="http://schemas.openxmlformats.org/drawingml/2006/main" xmlns:r="http://schemas.openxmlformats.org/officeDocument/2006/relationships" xmlns:p="http://schemas.openxmlformats.org/presentationml/2006/main" type="secHead" preserve="1">
+  <p:cSld name="Section Header">
     <p:spTree>
       <p:nvGrpSpPr>
         <p:cNvPr id="1" name=""/>
@@ -2357,7 +4109,7 @@
       </p:grpSpPr>
       <p:sp>
         <p:nvSpPr>
-          <p:cNvPr id="2" name="Tytuł 1"/>
+          <p:cNvPr id="2" name="Title 1"/>
           <p:cNvSpPr>
             <a:spLocks noGrp="1"/>
           </p:cNvSpPr>
@@ -2367,39 +4119,1304 @@
         </p:nvSpPr>
         <p:spPr>
           <a:xfrm>
-            <a:off x="839788" y="457200"/>
-            <a:ext cx="3932237" cy="1600200"/>
+            <a:off x="1154956" y="2861733"/>
+            <a:ext cx="8825657" cy="1915647"/>
           </a:xfrm>
         </p:spPr>
         <p:txBody>
           <a:bodyPr anchor="b"/>
           <a:lstStyle>
-            <a:lvl1pPr>
-              <a:defRPr sz="3200"/>
+            <a:lvl1pPr algn="l">
+              <a:defRPr sz="4000" b="0" cap="none"/>
             </a:lvl1pPr>
           </a:lstStyle>
           <a:p>
             <a:r>
-              <a:rPr lang="pl-PL"/>
-              <a:t>Kliknij, aby edytować styl</a:t>
-            </a:r>
-          </a:p>
-        </p:txBody>
-      </p:sp>
-      <p:sp>
-        <p:nvSpPr>
-          <p:cNvPr id="3" name="Symbol zastępczy obrazu 2"/>
-          <p:cNvSpPr>
-            <a:spLocks noGrp="1"/>
-          </p:cNvSpPr>
-          <p:nvPr>
-            <p:ph type="pic" idx="1"/>
+              <a:rPr lang="en-US" dirty="0"/>
+              <a:t>Click to edit Master title style</a:t>
+            </a:r>
+          </a:p>
+        </p:txBody>
+      </p:sp>
+      <p:sp>
+        <p:nvSpPr>
+          <p:cNvPr id="3" name="Text Placeholder 2"/>
+          <p:cNvSpPr>
+            <a:spLocks noGrp="1"/>
+          </p:cNvSpPr>
+          <p:nvPr>
+            <p:ph type="body" idx="1"/>
           </p:nvPr>
         </p:nvSpPr>
         <p:spPr>
           <a:xfrm>
-            <a:off x="5183188" y="987425"/>
-            <a:ext cx="6172200" cy="4873625"/>
+            <a:off x="1154955" y="4777381"/>
+            <a:ext cx="8825658" cy="860400"/>
+          </a:xfrm>
+        </p:spPr>
+        <p:txBody>
+          <a:bodyPr anchor="t"/>
+          <a:lstStyle>
+            <a:lvl1pPr marL="0" indent="0" algn="l">
+              <a:buNone/>
+              <a:defRPr sz="2000" cap="all">
+                <a:solidFill>
+                  <a:schemeClr val="accent1"/>
+                </a:solidFill>
+              </a:defRPr>
+            </a:lvl1pPr>
+            <a:lvl2pPr marL="457200" indent="0">
+              <a:buNone/>
+              <a:defRPr sz="1800">
+                <a:solidFill>
+                  <a:schemeClr val="tx1">
+                    <a:tint val="75000"/>
+                  </a:schemeClr>
+                </a:solidFill>
+              </a:defRPr>
+            </a:lvl2pPr>
+            <a:lvl3pPr marL="914400" indent="0">
+              <a:buNone/>
+              <a:defRPr sz="1600">
+                <a:solidFill>
+                  <a:schemeClr val="tx1">
+                    <a:tint val="75000"/>
+                  </a:schemeClr>
+                </a:solidFill>
+              </a:defRPr>
+            </a:lvl3pPr>
+            <a:lvl4pPr marL="1371600" indent="0">
+              <a:buNone/>
+              <a:defRPr sz="1400">
+                <a:solidFill>
+                  <a:schemeClr val="tx1">
+                    <a:tint val="75000"/>
+                  </a:schemeClr>
+                </a:solidFill>
+              </a:defRPr>
+            </a:lvl4pPr>
+            <a:lvl5pPr marL="1828800" indent="0">
+              <a:buNone/>
+              <a:defRPr sz="1400">
+                <a:solidFill>
+                  <a:schemeClr val="tx1">
+                    <a:tint val="75000"/>
+                  </a:schemeClr>
+                </a:solidFill>
+              </a:defRPr>
+            </a:lvl5pPr>
+            <a:lvl6pPr marL="2286000" indent="0">
+              <a:buNone/>
+              <a:defRPr sz="1400">
+                <a:solidFill>
+                  <a:schemeClr val="tx1">
+                    <a:tint val="75000"/>
+                  </a:schemeClr>
+                </a:solidFill>
+              </a:defRPr>
+            </a:lvl6pPr>
+            <a:lvl7pPr marL="2743200" indent="0">
+              <a:buNone/>
+              <a:defRPr sz="1400">
+                <a:solidFill>
+                  <a:schemeClr val="tx1">
+                    <a:tint val="75000"/>
+                  </a:schemeClr>
+                </a:solidFill>
+              </a:defRPr>
+            </a:lvl7pPr>
+            <a:lvl8pPr marL="3200400" indent="0">
+              <a:buNone/>
+              <a:defRPr sz="1400">
+                <a:solidFill>
+                  <a:schemeClr val="tx1">
+                    <a:tint val="75000"/>
+                  </a:schemeClr>
+                </a:solidFill>
+              </a:defRPr>
+            </a:lvl8pPr>
+            <a:lvl9pPr marL="3657600" indent="0">
+              <a:buNone/>
+              <a:defRPr sz="1400">
+                <a:solidFill>
+                  <a:schemeClr val="tx1">
+                    <a:tint val="75000"/>
+                  </a:schemeClr>
+                </a:solidFill>
+              </a:defRPr>
+            </a:lvl9pPr>
+          </a:lstStyle>
+          <a:p>
+            <a:pPr lvl="0"/>
+            <a:r>
+              <a:rPr lang="en-US" dirty="0"/>
+              <a:t>Click to edit Master text styles</a:t>
+            </a:r>
+          </a:p>
+        </p:txBody>
+      </p:sp>
+      <p:sp>
+        <p:nvSpPr>
+          <p:cNvPr id="4" name="Date Placeholder 3"/>
+          <p:cNvSpPr>
+            <a:spLocks noGrp="1"/>
+          </p:cNvSpPr>
+          <p:nvPr>
+            <p:ph type="dt" sz="half" idx="10"/>
+          </p:nvPr>
+        </p:nvSpPr>
+        <p:spPr/>
+        <p:txBody>
+          <a:bodyPr/>
+          <a:lstStyle/>
+          <a:p>
+            <a:fld id="{9796027F-7875-4030-9381-8BD8C4F21935}" type="datetimeFigureOut">
+              <a:rPr lang="en-US" dirty="0"/>
+              <a:t>6/16/2023</a:t>
+            </a:fld>
+            <a:endParaRPr lang="en-US" dirty="0"/>
+          </a:p>
+        </p:txBody>
+      </p:sp>
+      <p:sp>
+        <p:nvSpPr>
+          <p:cNvPr id="5" name="Footer Placeholder 4"/>
+          <p:cNvSpPr>
+            <a:spLocks noGrp="1"/>
+          </p:cNvSpPr>
+          <p:nvPr>
+            <p:ph type="ftr" sz="quarter" idx="11"/>
+          </p:nvPr>
+        </p:nvSpPr>
+        <p:spPr/>
+        <p:txBody>
+          <a:bodyPr/>
+          <a:lstStyle/>
+          <a:p>
+            <a:endParaRPr lang="en-US" dirty="0"/>
+          </a:p>
+        </p:txBody>
+      </p:sp>
+      <p:sp>
+        <p:nvSpPr>
+          <p:cNvPr id="6" name="Slide Number Placeholder 5"/>
+          <p:cNvSpPr>
+            <a:spLocks noGrp="1"/>
+          </p:cNvSpPr>
+          <p:nvPr>
+            <p:ph type="sldNum" sz="quarter" idx="12"/>
+          </p:nvPr>
+        </p:nvSpPr>
+        <p:spPr/>
+        <p:txBody>
+          <a:bodyPr/>
+          <a:lstStyle/>
+          <a:p>
+            <a:fld id="{D57F1E4F-1CFF-5643-939E-02111984F565}" type="slidenum">
+              <a:rPr lang="en-US" dirty="0"/>
+              <a:t>‹#›</a:t>
+            </a:fld>
+            <a:endParaRPr lang="en-US" dirty="0"/>
+          </a:p>
+        </p:txBody>
+      </p:sp>
+    </p:spTree>
+    <p:extLst>
+      <p:ext uri="{BB962C8B-B14F-4D97-AF65-F5344CB8AC3E}">
+        <p14:creationId xmlns:p14="http://schemas.microsoft.com/office/powerpoint/2010/main" val="1108174670"/>
+      </p:ext>
+    </p:extLst>
+  </p:cSld>
+  <p:clrMapOvr>
+    <a:masterClrMapping/>
+  </p:clrMapOvr>
+</p:sldLayout>
+</file>
+
+<file path=ppt/slideLayouts/slideLayout4.xml><?xml version="1.0" encoding="utf-8"?>
+<p:sldLayout xmlns:a="http://schemas.openxmlformats.org/drawingml/2006/main" xmlns:r="http://schemas.openxmlformats.org/officeDocument/2006/relationships" xmlns:p="http://schemas.openxmlformats.org/presentationml/2006/main" type="twoObj" preserve="1">
+  <p:cSld name="Two Content">
+    <p:spTree>
+      <p:nvGrpSpPr>
+        <p:cNvPr id="1" name=""/>
+        <p:cNvGrpSpPr/>
+        <p:nvPr/>
+      </p:nvGrpSpPr>
+      <p:grpSpPr>
+        <a:xfrm>
+          <a:off x="0" y="0"/>
+          <a:ext cx="0" cy="0"/>
+          <a:chOff x="0" y="0"/>
+          <a:chExt cx="0" cy="0"/>
+        </a:xfrm>
+      </p:grpSpPr>
+      <p:sp>
+        <p:nvSpPr>
+          <p:cNvPr id="2" name="Title 1"/>
+          <p:cNvSpPr>
+            <a:spLocks noGrp="1"/>
+          </p:cNvSpPr>
+          <p:nvPr>
+            <p:ph type="title"/>
+          </p:nvPr>
+        </p:nvSpPr>
+        <p:spPr/>
+        <p:txBody>
+          <a:bodyPr/>
+          <a:lstStyle/>
+          <a:p>
+            <a:r>
+              <a:rPr lang="en-US" dirty="0"/>
+              <a:t>Click to edit Master title style</a:t>
+            </a:r>
+          </a:p>
+        </p:txBody>
+      </p:sp>
+      <p:sp>
+        <p:nvSpPr>
+          <p:cNvPr id="3" name="Content Placeholder 2"/>
+          <p:cNvSpPr>
+            <a:spLocks noGrp="1"/>
+          </p:cNvSpPr>
+          <p:nvPr>
+            <p:ph sz="half" idx="1"/>
+          </p:nvPr>
+        </p:nvSpPr>
+        <p:spPr>
+          <a:xfrm>
+            <a:off x="1103312" y="2060575"/>
+            <a:ext cx="4396339" cy="4195763"/>
+          </a:xfrm>
+        </p:spPr>
+        <p:txBody>
+          <a:bodyPr>
+            <a:normAutofit/>
+          </a:bodyPr>
+          <a:lstStyle>
+            <a:lvl1pPr>
+              <a:defRPr sz="1800"/>
+            </a:lvl1pPr>
+            <a:lvl2pPr>
+              <a:defRPr sz="1600"/>
+            </a:lvl2pPr>
+            <a:lvl3pPr>
+              <a:defRPr sz="1400"/>
+            </a:lvl3pPr>
+            <a:lvl4pPr>
+              <a:defRPr sz="1200"/>
+            </a:lvl4pPr>
+            <a:lvl5pPr>
+              <a:defRPr sz="1200"/>
+            </a:lvl5pPr>
+            <a:lvl6pPr>
+              <a:defRPr sz="1200"/>
+            </a:lvl6pPr>
+            <a:lvl7pPr>
+              <a:defRPr sz="1200"/>
+            </a:lvl7pPr>
+            <a:lvl8pPr>
+              <a:defRPr sz="1200"/>
+            </a:lvl8pPr>
+            <a:lvl9pPr>
+              <a:defRPr sz="1200"/>
+            </a:lvl9pPr>
+          </a:lstStyle>
+          <a:p>
+            <a:pPr lvl="0"/>
+            <a:r>
+              <a:rPr lang="en-US" dirty="0"/>
+              <a:t>Click to edit Master text styles</a:t>
+            </a:r>
+          </a:p>
+          <a:p>
+            <a:pPr lvl="1"/>
+            <a:r>
+              <a:rPr lang="en-US" dirty="0"/>
+              <a:t>Second level</a:t>
+            </a:r>
+          </a:p>
+          <a:p>
+            <a:pPr lvl="2"/>
+            <a:r>
+              <a:rPr lang="en-US" dirty="0"/>
+              <a:t>Third level</a:t>
+            </a:r>
+          </a:p>
+          <a:p>
+            <a:pPr lvl="3"/>
+            <a:r>
+              <a:rPr lang="en-US" dirty="0"/>
+              <a:t>Fourth level</a:t>
+            </a:r>
+          </a:p>
+          <a:p>
+            <a:pPr lvl="4"/>
+            <a:r>
+              <a:rPr lang="en-US" dirty="0"/>
+              <a:t>Fifth level</a:t>
+            </a:r>
+          </a:p>
+        </p:txBody>
+      </p:sp>
+      <p:sp>
+        <p:nvSpPr>
+          <p:cNvPr id="4" name="Content Placeholder 3"/>
+          <p:cNvSpPr>
+            <a:spLocks noGrp="1"/>
+          </p:cNvSpPr>
+          <p:nvPr>
+            <p:ph sz="half" idx="2"/>
+          </p:nvPr>
+        </p:nvSpPr>
+        <p:spPr>
+          <a:xfrm>
+            <a:off x="5654493" y="2056092"/>
+            <a:ext cx="4396341" cy="4200245"/>
+          </a:xfrm>
+        </p:spPr>
+        <p:txBody>
+          <a:bodyPr>
+            <a:normAutofit/>
+          </a:bodyPr>
+          <a:lstStyle>
+            <a:lvl1pPr>
+              <a:defRPr sz="1800"/>
+            </a:lvl1pPr>
+            <a:lvl2pPr>
+              <a:defRPr sz="1600"/>
+            </a:lvl2pPr>
+            <a:lvl3pPr>
+              <a:defRPr sz="1400"/>
+            </a:lvl3pPr>
+            <a:lvl4pPr>
+              <a:defRPr sz="1200"/>
+            </a:lvl4pPr>
+            <a:lvl5pPr>
+              <a:defRPr sz="1200"/>
+            </a:lvl5pPr>
+            <a:lvl6pPr>
+              <a:defRPr sz="1200"/>
+            </a:lvl6pPr>
+            <a:lvl7pPr>
+              <a:defRPr sz="1200"/>
+            </a:lvl7pPr>
+            <a:lvl8pPr>
+              <a:defRPr sz="1200"/>
+            </a:lvl8pPr>
+            <a:lvl9pPr>
+              <a:defRPr sz="1200"/>
+            </a:lvl9pPr>
+          </a:lstStyle>
+          <a:p>
+            <a:pPr lvl="0"/>
+            <a:r>
+              <a:rPr lang="en-US" dirty="0"/>
+              <a:t>Click to edit Master text styles</a:t>
+            </a:r>
+          </a:p>
+          <a:p>
+            <a:pPr lvl="1"/>
+            <a:r>
+              <a:rPr lang="en-US" dirty="0"/>
+              <a:t>Second level</a:t>
+            </a:r>
+          </a:p>
+          <a:p>
+            <a:pPr lvl="2"/>
+            <a:r>
+              <a:rPr lang="en-US" dirty="0"/>
+              <a:t>Third level</a:t>
+            </a:r>
+          </a:p>
+          <a:p>
+            <a:pPr lvl="3"/>
+            <a:r>
+              <a:rPr lang="en-US" dirty="0"/>
+              <a:t>Fourth level</a:t>
+            </a:r>
+          </a:p>
+          <a:p>
+            <a:pPr lvl="4"/>
+            <a:r>
+              <a:rPr lang="en-US" dirty="0"/>
+              <a:t>Fifth level</a:t>
+            </a:r>
+          </a:p>
+        </p:txBody>
+      </p:sp>
+      <p:sp>
+        <p:nvSpPr>
+          <p:cNvPr id="5" name="Date Placeholder 4"/>
+          <p:cNvSpPr>
+            <a:spLocks noGrp="1"/>
+          </p:cNvSpPr>
+          <p:nvPr>
+            <p:ph type="dt" sz="half" idx="10"/>
+          </p:nvPr>
+        </p:nvSpPr>
+        <p:spPr/>
+        <p:txBody>
+          <a:bodyPr/>
+          <a:lstStyle/>
+          <a:p>
+            <a:fld id="{9796027F-7875-4030-9381-8BD8C4F21935}" type="datetimeFigureOut">
+              <a:rPr lang="en-US" dirty="0"/>
+              <a:t>6/16/2023</a:t>
+            </a:fld>
+            <a:endParaRPr lang="en-US" dirty="0"/>
+          </a:p>
+        </p:txBody>
+      </p:sp>
+      <p:sp>
+        <p:nvSpPr>
+          <p:cNvPr id="6" name="Footer Placeholder 5"/>
+          <p:cNvSpPr>
+            <a:spLocks noGrp="1"/>
+          </p:cNvSpPr>
+          <p:nvPr>
+            <p:ph type="ftr" sz="quarter" idx="11"/>
+          </p:nvPr>
+        </p:nvSpPr>
+        <p:spPr/>
+        <p:txBody>
+          <a:bodyPr/>
+          <a:lstStyle/>
+          <a:p>
+            <a:endParaRPr lang="en-US" dirty="0"/>
+          </a:p>
+        </p:txBody>
+      </p:sp>
+      <p:sp>
+        <p:nvSpPr>
+          <p:cNvPr id="7" name="Slide Number Placeholder 6"/>
+          <p:cNvSpPr>
+            <a:spLocks noGrp="1"/>
+          </p:cNvSpPr>
+          <p:nvPr>
+            <p:ph type="sldNum" sz="quarter" idx="12"/>
+          </p:nvPr>
+        </p:nvSpPr>
+        <p:spPr/>
+        <p:txBody>
+          <a:bodyPr/>
+          <a:lstStyle/>
+          <a:p>
+            <a:fld id="{D57F1E4F-1CFF-5643-939E-02111984F565}" type="slidenum">
+              <a:rPr lang="en-US" dirty="0"/>
+              <a:t>‹#›</a:t>
+            </a:fld>
+            <a:endParaRPr lang="en-US" dirty="0"/>
+          </a:p>
+        </p:txBody>
+      </p:sp>
+    </p:spTree>
+    <p:extLst>
+      <p:ext uri="{BB962C8B-B14F-4D97-AF65-F5344CB8AC3E}">
+        <p14:creationId xmlns:p14="http://schemas.microsoft.com/office/powerpoint/2010/main" val="1352931187"/>
+      </p:ext>
+    </p:extLst>
+  </p:cSld>
+  <p:clrMapOvr>
+    <a:masterClrMapping/>
+  </p:clrMapOvr>
+</p:sldLayout>
+</file>
+
+<file path=ppt/slideLayouts/slideLayout5.xml><?xml version="1.0" encoding="utf-8"?>
+<p:sldLayout xmlns:a="http://schemas.openxmlformats.org/drawingml/2006/main" xmlns:r="http://schemas.openxmlformats.org/officeDocument/2006/relationships" xmlns:p="http://schemas.openxmlformats.org/presentationml/2006/main" type="twoTxTwoObj" preserve="1">
+  <p:cSld name="Comparison">
+    <p:spTree>
+      <p:nvGrpSpPr>
+        <p:cNvPr id="1" name=""/>
+        <p:cNvGrpSpPr/>
+        <p:nvPr/>
+      </p:nvGrpSpPr>
+      <p:grpSpPr>
+        <a:xfrm>
+          <a:off x="0" y="0"/>
+          <a:ext cx="0" cy="0"/>
+          <a:chOff x="0" y="0"/>
+          <a:chExt cx="0" cy="0"/>
+        </a:xfrm>
+      </p:grpSpPr>
+      <p:sp>
+        <p:nvSpPr>
+          <p:cNvPr id="2" name="Title 1"/>
+          <p:cNvSpPr>
+            <a:spLocks noGrp="1"/>
+          </p:cNvSpPr>
+          <p:nvPr>
+            <p:ph type="title"/>
+          </p:nvPr>
+        </p:nvSpPr>
+        <p:spPr/>
+        <p:txBody>
+          <a:bodyPr/>
+          <a:lstStyle>
+            <a:lvl1pPr>
+              <a:defRPr/>
+            </a:lvl1pPr>
+          </a:lstStyle>
+          <a:p>
+            <a:r>
+              <a:rPr lang="en-US" dirty="0"/>
+              <a:t>Click to edit Master title style</a:t>
+            </a:r>
+          </a:p>
+        </p:txBody>
+      </p:sp>
+      <p:sp>
+        <p:nvSpPr>
+          <p:cNvPr id="3" name="Text Placeholder 2"/>
+          <p:cNvSpPr>
+            <a:spLocks noGrp="1"/>
+          </p:cNvSpPr>
+          <p:nvPr>
+            <p:ph type="body" idx="1"/>
+          </p:nvPr>
+        </p:nvSpPr>
+        <p:spPr>
+          <a:xfrm>
+            <a:off x="1103313" y="1905000"/>
+            <a:ext cx="4396338" cy="576262"/>
+          </a:xfrm>
+        </p:spPr>
+        <p:txBody>
+          <a:bodyPr anchor="b">
+            <a:noAutofit/>
+          </a:bodyPr>
+          <a:lstStyle>
+            <a:lvl1pPr marL="0" indent="0">
+              <a:buNone/>
+              <a:defRPr sz="2400" b="0">
+                <a:solidFill>
+                  <a:schemeClr val="accent1"/>
+                </a:solidFill>
+              </a:defRPr>
+            </a:lvl1pPr>
+            <a:lvl2pPr marL="457200" indent="0">
+              <a:buNone/>
+              <a:defRPr sz="2000" b="1"/>
+            </a:lvl2pPr>
+            <a:lvl3pPr marL="914400" indent="0">
+              <a:buNone/>
+              <a:defRPr sz="1800" b="1"/>
+            </a:lvl3pPr>
+            <a:lvl4pPr marL="1371600" indent="0">
+              <a:buNone/>
+              <a:defRPr sz="1600" b="1"/>
+            </a:lvl4pPr>
+            <a:lvl5pPr marL="1828800" indent="0">
+              <a:buNone/>
+              <a:defRPr sz="1600" b="1"/>
+            </a:lvl5pPr>
+            <a:lvl6pPr marL="2286000" indent="0">
+              <a:buNone/>
+              <a:defRPr sz="1600" b="1"/>
+            </a:lvl6pPr>
+            <a:lvl7pPr marL="2743200" indent="0">
+              <a:buNone/>
+              <a:defRPr sz="1600" b="1"/>
+            </a:lvl7pPr>
+            <a:lvl8pPr marL="3200400" indent="0">
+              <a:buNone/>
+              <a:defRPr sz="1600" b="1"/>
+            </a:lvl8pPr>
+            <a:lvl9pPr marL="3657600" indent="0">
+              <a:buNone/>
+              <a:defRPr sz="1600" b="1"/>
+            </a:lvl9pPr>
+          </a:lstStyle>
+          <a:p>
+            <a:pPr lvl="0"/>
+            <a:r>
+              <a:rPr lang="en-US" dirty="0"/>
+              <a:t>Click to edit Master text styles</a:t>
+            </a:r>
+          </a:p>
+        </p:txBody>
+      </p:sp>
+      <p:sp>
+        <p:nvSpPr>
+          <p:cNvPr id="4" name="Content Placeholder 3"/>
+          <p:cNvSpPr>
+            <a:spLocks noGrp="1"/>
+          </p:cNvSpPr>
+          <p:nvPr>
+            <p:ph sz="half" idx="2"/>
+          </p:nvPr>
+        </p:nvSpPr>
+        <p:spPr>
+          <a:xfrm>
+            <a:off x="1103312" y="2514600"/>
+            <a:ext cx="4396339" cy="3741738"/>
+          </a:xfrm>
+        </p:spPr>
+        <p:txBody>
+          <a:bodyPr>
+            <a:normAutofit/>
+          </a:bodyPr>
+          <a:lstStyle>
+            <a:lvl1pPr>
+              <a:defRPr sz="1800"/>
+            </a:lvl1pPr>
+            <a:lvl2pPr>
+              <a:defRPr sz="1600"/>
+            </a:lvl2pPr>
+            <a:lvl3pPr>
+              <a:defRPr sz="1400"/>
+            </a:lvl3pPr>
+            <a:lvl4pPr>
+              <a:defRPr sz="1200"/>
+            </a:lvl4pPr>
+            <a:lvl5pPr>
+              <a:defRPr sz="1200"/>
+            </a:lvl5pPr>
+            <a:lvl6pPr>
+              <a:defRPr sz="1200"/>
+            </a:lvl6pPr>
+            <a:lvl7pPr>
+              <a:defRPr sz="1200"/>
+            </a:lvl7pPr>
+            <a:lvl8pPr>
+              <a:defRPr sz="1200"/>
+            </a:lvl8pPr>
+            <a:lvl9pPr>
+              <a:defRPr sz="1200"/>
+            </a:lvl9pPr>
+          </a:lstStyle>
+          <a:p>
+            <a:pPr lvl="0"/>
+            <a:r>
+              <a:rPr lang="en-US" dirty="0"/>
+              <a:t>Click to edit Master text styles</a:t>
+            </a:r>
+          </a:p>
+          <a:p>
+            <a:pPr lvl="1"/>
+            <a:r>
+              <a:rPr lang="en-US" dirty="0"/>
+              <a:t>Second level</a:t>
+            </a:r>
+          </a:p>
+          <a:p>
+            <a:pPr lvl="2"/>
+            <a:r>
+              <a:rPr lang="en-US" dirty="0"/>
+              <a:t>Third level</a:t>
+            </a:r>
+          </a:p>
+          <a:p>
+            <a:pPr lvl="3"/>
+            <a:r>
+              <a:rPr lang="en-US" dirty="0"/>
+              <a:t>Fourth level</a:t>
+            </a:r>
+          </a:p>
+          <a:p>
+            <a:pPr lvl="4"/>
+            <a:r>
+              <a:rPr lang="en-US" dirty="0"/>
+              <a:t>Fifth level</a:t>
+            </a:r>
+          </a:p>
+        </p:txBody>
+      </p:sp>
+      <p:sp>
+        <p:nvSpPr>
+          <p:cNvPr id="5" name="Text Placeholder 4"/>
+          <p:cNvSpPr>
+            <a:spLocks noGrp="1"/>
+          </p:cNvSpPr>
+          <p:nvPr>
+            <p:ph type="body" sz="quarter" idx="3"/>
+          </p:nvPr>
+        </p:nvSpPr>
+        <p:spPr>
+          <a:xfrm>
+            <a:off x="5654495" y="1905000"/>
+            <a:ext cx="4396339" cy="576262"/>
+          </a:xfrm>
+        </p:spPr>
+        <p:txBody>
+          <a:bodyPr anchor="b">
+            <a:noAutofit/>
+          </a:bodyPr>
+          <a:lstStyle>
+            <a:lvl1pPr marL="0" indent="0">
+              <a:buNone/>
+              <a:defRPr sz="2400" b="0">
+                <a:solidFill>
+                  <a:schemeClr val="accent1"/>
+                </a:solidFill>
+              </a:defRPr>
+            </a:lvl1pPr>
+            <a:lvl2pPr marL="457200" indent="0">
+              <a:buNone/>
+              <a:defRPr sz="2000" b="1"/>
+            </a:lvl2pPr>
+            <a:lvl3pPr marL="914400" indent="0">
+              <a:buNone/>
+              <a:defRPr sz="1800" b="1"/>
+            </a:lvl3pPr>
+            <a:lvl4pPr marL="1371600" indent="0">
+              <a:buNone/>
+              <a:defRPr sz="1600" b="1"/>
+            </a:lvl4pPr>
+            <a:lvl5pPr marL="1828800" indent="0">
+              <a:buNone/>
+              <a:defRPr sz="1600" b="1"/>
+            </a:lvl5pPr>
+            <a:lvl6pPr marL="2286000" indent="0">
+              <a:buNone/>
+              <a:defRPr sz="1600" b="1"/>
+            </a:lvl6pPr>
+            <a:lvl7pPr marL="2743200" indent="0">
+              <a:buNone/>
+              <a:defRPr sz="1600" b="1"/>
+            </a:lvl7pPr>
+            <a:lvl8pPr marL="3200400" indent="0">
+              <a:buNone/>
+              <a:defRPr sz="1600" b="1"/>
+            </a:lvl8pPr>
+            <a:lvl9pPr marL="3657600" indent="0">
+              <a:buNone/>
+              <a:defRPr sz="1600" b="1"/>
+            </a:lvl9pPr>
+          </a:lstStyle>
+          <a:p>
+            <a:pPr lvl="0"/>
+            <a:r>
+              <a:rPr lang="en-US" dirty="0"/>
+              <a:t>Click to edit Master text styles</a:t>
+            </a:r>
+          </a:p>
+        </p:txBody>
+      </p:sp>
+      <p:sp>
+        <p:nvSpPr>
+          <p:cNvPr id="6" name="Content Placeholder 5"/>
+          <p:cNvSpPr>
+            <a:spLocks noGrp="1"/>
+          </p:cNvSpPr>
+          <p:nvPr>
+            <p:ph sz="quarter" idx="4"/>
+          </p:nvPr>
+        </p:nvSpPr>
+        <p:spPr>
+          <a:xfrm>
+            <a:off x="5654495" y="2514600"/>
+            <a:ext cx="4396339" cy="3741738"/>
+          </a:xfrm>
+        </p:spPr>
+        <p:txBody>
+          <a:bodyPr>
+            <a:normAutofit/>
+          </a:bodyPr>
+          <a:lstStyle>
+            <a:lvl1pPr>
+              <a:defRPr sz="1800"/>
+            </a:lvl1pPr>
+            <a:lvl2pPr>
+              <a:defRPr sz="1600"/>
+            </a:lvl2pPr>
+            <a:lvl3pPr>
+              <a:defRPr sz="1400"/>
+            </a:lvl3pPr>
+            <a:lvl4pPr>
+              <a:defRPr sz="1200"/>
+            </a:lvl4pPr>
+            <a:lvl5pPr>
+              <a:defRPr sz="1200"/>
+            </a:lvl5pPr>
+            <a:lvl6pPr>
+              <a:defRPr sz="1200"/>
+            </a:lvl6pPr>
+            <a:lvl7pPr>
+              <a:defRPr sz="1200"/>
+            </a:lvl7pPr>
+            <a:lvl8pPr>
+              <a:defRPr sz="1200"/>
+            </a:lvl8pPr>
+            <a:lvl9pPr>
+              <a:defRPr sz="1200"/>
+            </a:lvl9pPr>
+          </a:lstStyle>
+          <a:p>
+            <a:pPr lvl="0"/>
+            <a:r>
+              <a:rPr lang="en-US" dirty="0"/>
+              <a:t>Click to edit Master text styles</a:t>
+            </a:r>
+          </a:p>
+          <a:p>
+            <a:pPr lvl="1"/>
+            <a:r>
+              <a:rPr lang="en-US" dirty="0"/>
+              <a:t>Second level</a:t>
+            </a:r>
+          </a:p>
+          <a:p>
+            <a:pPr lvl="2"/>
+            <a:r>
+              <a:rPr lang="en-US" dirty="0"/>
+              <a:t>Third level</a:t>
+            </a:r>
+          </a:p>
+          <a:p>
+            <a:pPr lvl="3"/>
+            <a:r>
+              <a:rPr lang="en-US" dirty="0"/>
+              <a:t>Fourth level</a:t>
+            </a:r>
+          </a:p>
+          <a:p>
+            <a:pPr lvl="4"/>
+            <a:r>
+              <a:rPr lang="en-US" dirty="0"/>
+              <a:t>Fifth level</a:t>
+            </a:r>
+          </a:p>
+        </p:txBody>
+      </p:sp>
+      <p:sp>
+        <p:nvSpPr>
+          <p:cNvPr id="7" name="Date Placeholder 6"/>
+          <p:cNvSpPr>
+            <a:spLocks noGrp="1"/>
+          </p:cNvSpPr>
+          <p:nvPr>
+            <p:ph type="dt" sz="half" idx="10"/>
+          </p:nvPr>
+        </p:nvSpPr>
+        <p:spPr/>
+        <p:txBody>
+          <a:bodyPr/>
+          <a:lstStyle/>
+          <a:p>
+            <a:fld id="{9796027F-7875-4030-9381-8BD8C4F21935}" type="datetimeFigureOut">
+              <a:rPr lang="en-US" dirty="0"/>
+              <a:t>6/16/2023</a:t>
+            </a:fld>
+            <a:endParaRPr lang="en-US" dirty="0"/>
+          </a:p>
+        </p:txBody>
+      </p:sp>
+      <p:sp>
+        <p:nvSpPr>
+          <p:cNvPr id="8" name="Footer Placeholder 7"/>
+          <p:cNvSpPr>
+            <a:spLocks noGrp="1"/>
+          </p:cNvSpPr>
+          <p:nvPr>
+            <p:ph type="ftr" sz="quarter" idx="11"/>
+          </p:nvPr>
+        </p:nvSpPr>
+        <p:spPr/>
+        <p:txBody>
+          <a:bodyPr/>
+          <a:lstStyle/>
+          <a:p>
+            <a:endParaRPr lang="en-US" dirty="0"/>
+          </a:p>
+        </p:txBody>
+      </p:sp>
+      <p:sp>
+        <p:nvSpPr>
+          <p:cNvPr id="9" name="Slide Number Placeholder 8"/>
+          <p:cNvSpPr>
+            <a:spLocks noGrp="1"/>
+          </p:cNvSpPr>
+          <p:nvPr>
+            <p:ph type="sldNum" sz="quarter" idx="12"/>
+          </p:nvPr>
+        </p:nvSpPr>
+        <p:spPr/>
+        <p:txBody>
+          <a:bodyPr/>
+          <a:lstStyle/>
+          <a:p>
+            <a:fld id="{D57F1E4F-1CFF-5643-939E-02111984F565}" type="slidenum">
+              <a:rPr lang="en-US" dirty="0"/>
+              <a:t>‹#›</a:t>
+            </a:fld>
+            <a:endParaRPr lang="en-US" dirty="0"/>
+          </a:p>
+        </p:txBody>
+      </p:sp>
+    </p:spTree>
+    <p:extLst>
+      <p:ext uri="{BB962C8B-B14F-4D97-AF65-F5344CB8AC3E}">
+        <p14:creationId xmlns:p14="http://schemas.microsoft.com/office/powerpoint/2010/main" val="3344688143"/>
+      </p:ext>
+    </p:extLst>
+  </p:cSld>
+  <p:clrMapOvr>
+    <a:masterClrMapping/>
+  </p:clrMapOvr>
+</p:sldLayout>
+</file>
+
+<file path=ppt/slideLayouts/slideLayout6.xml><?xml version="1.0" encoding="utf-8"?>
+<p:sldLayout xmlns:a="http://schemas.openxmlformats.org/drawingml/2006/main" xmlns:r="http://schemas.openxmlformats.org/officeDocument/2006/relationships" xmlns:p="http://schemas.openxmlformats.org/presentationml/2006/main" type="titleOnly" preserve="1">
+  <p:cSld name="Title Only">
+    <p:spTree>
+      <p:nvGrpSpPr>
+        <p:cNvPr id="1" name=""/>
+        <p:cNvGrpSpPr/>
+        <p:nvPr/>
+      </p:nvGrpSpPr>
+      <p:grpSpPr>
+        <a:xfrm>
+          <a:off x="0" y="0"/>
+          <a:ext cx="0" cy="0"/>
+          <a:chOff x="0" y="0"/>
+          <a:chExt cx="0" cy="0"/>
+        </a:xfrm>
+      </p:grpSpPr>
+      <p:sp>
+        <p:nvSpPr>
+          <p:cNvPr id="2" name="Title 1"/>
+          <p:cNvSpPr>
+            <a:spLocks noGrp="1"/>
+          </p:cNvSpPr>
+          <p:nvPr>
+            <p:ph type="title"/>
+          </p:nvPr>
+        </p:nvSpPr>
+        <p:spPr/>
+        <p:txBody>
+          <a:bodyPr/>
+          <a:lstStyle/>
+          <a:p>
+            <a:r>
+              <a:rPr lang="en-US" dirty="0"/>
+              <a:t>Click to edit Master title style</a:t>
+            </a:r>
+          </a:p>
+        </p:txBody>
+      </p:sp>
+      <p:sp>
+        <p:nvSpPr>
+          <p:cNvPr id="7" name="Date Placeholder 2"/>
+          <p:cNvSpPr>
+            <a:spLocks noGrp="1"/>
+          </p:cNvSpPr>
+          <p:nvPr>
+            <p:ph type="dt" sz="half" idx="10"/>
+          </p:nvPr>
+        </p:nvSpPr>
+        <p:spPr/>
+        <p:txBody>
+          <a:bodyPr/>
+          <a:lstStyle/>
+          <a:p>
+            <a:fld id="{4509A250-FF31-4206-8172-F9D3106AACB1}" type="datetimeFigureOut">
+              <a:rPr lang="en-US" dirty="0"/>
+              <a:t>6/16/2023</a:t>
+            </a:fld>
+            <a:endParaRPr lang="en-US" dirty="0"/>
+          </a:p>
+        </p:txBody>
+      </p:sp>
+      <p:sp>
+        <p:nvSpPr>
+          <p:cNvPr id="5" name="Footer Placeholder 3"/>
+          <p:cNvSpPr>
+            <a:spLocks noGrp="1"/>
+          </p:cNvSpPr>
+          <p:nvPr>
+            <p:ph type="ftr" sz="quarter" idx="11"/>
+          </p:nvPr>
+        </p:nvSpPr>
+        <p:spPr/>
+        <p:txBody>
+          <a:bodyPr/>
+          <a:lstStyle/>
+          <a:p>
+            <a:endParaRPr lang="en-US" dirty="0"/>
+          </a:p>
+        </p:txBody>
+      </p:sp>
+      <p:sp>
+        <p:nvSpPr>
+          <p:cNvPr id="6" name="Slide Number Placeholder 4"/>
+          <p:cNvSpPr>
+            <a:spLocks noGrp="1"/>
+          </p:cNvSpPr>
+          <p:nvPr>
+            <p:ph type="sldNum" sz="quarter" idx="12"/>
+          </p:nvPr>
+        </p:nvSpPr>
+        <p:spPr/>
+        <p:txBody>
+          <a:bodyPr/>
+          <a:lstStyle/>
+          <a:p>
+            <a:fld id="{D57F1E4F-1CFF-5643-939E-02111984F565}" type="slidenum">
+              <a:rPr lang="en-US" dirty="0"/>
+              <a:t>‹#›</a:t>
+            </a:fld>
+            <a:endParaRPr lang="en-US" dirty="0"/>
+          </a:p>
+        </p:txBody>
+      </p:sp>
+    </p:spTree>
+    <p:extLst>
+      <p:ext uri="{BB962C8B-B14F-4D97-AF65-F5344CB8AC3E}">
+        <p14:creationId xmlns:p14="http://schemas.microsoft.com/office/powerpoint/2010/main" val="1182578256"/>
+      </p:ext>
+    </p:extLst>
+  </p:cSld>
+  <p:clrMapOvr>
+    <a:masterClrMapping/>
+  </p:clrMapOvr>
+</p:sldLayout>
+</file>
+
+<file path=ppt/slideLayouts/slideLayout7.xml><?xml version="1.0" encoding="utf-8"?>
+<p:sldLayout xmlns:a="http://schemas.openxmlformats.org/drawingml/2006/main" xmlns:r="http://schemas.openxmlformats.org/officeDocument/2006/relationships" xmlns:p="http://schemas.openxmlformats.org/presentationml/2006/main" type="blank" preserve="1">
+  <p:cSld name="Blank">
+    <p:spTree>
+      <p:nvGrpSpPr>
+        <p:cNvPr id="1" name=""/>
+        <p:cNvGrpSpPr/>
+        <p:nvPr/>
+      </p:nvGrpSpPr>
+      <p:grpSpPr>
+        <a:xfrm>
+          <a:off x="0" y="0"/>
+          <a:ext cx="0" cy="0"/>
+          <a:chOff x="0" y="0"/>
+          <a:chExt cx="0" cy="0"/>
+        </a:xfrm>
+      </p:grpSpPr>
+      <p:sp>
+        <p:nvSpPr>
+          <p:cNvPr id="7" name="Date Placeholder 1"/>
+          <p:cNvSpPr>
+            <a:spLocks noGrp="1"/>
+          </p:cNvSpPr>
+          <p:nvPr>
+            <p:ph type="dt" sz="half" idx="10"/>
+          </p:nvPr>
+        </p:nvSpPr>
+        <p:spPr/>
+        <p:txBody>
+          <a:bodyPr/>
+          <a:lstStyle/>
+          <a:p>
+            <a:fld id="{4509A250-FF31-4206-8172-F9D3106AACB1}" type="datetimeFigureOut">
+              <a:rPr lang="en-US" dirty="0"/>
+              <a:t>6/16/2023</a:t>
+            </a:fld>
+            <a:endParaRPr lang="en-US" dirty="0"/>
+          </a:p>
+        </p:txBody>
+      </p:sp>
+      <p:sp>
+        <p:nvSpPr>
+          <p:cNvPr id="5" name="Footer Placeholder 2"/>
+          <p:cNvSpPr>
+            <a:spLocks noGrp="1"/>
+          </p:cNvSpPr>
+          <p:nvPr>
+            <p:ph type="ftr" sz="quarter" idx="11"/>
+          </p:nvPr>
+        </p:nvSpPr>
+        <p:spPr/>
+        <p:txBody>
+          <a:bodyPr/>
+          <a:lstStyle/>
+          <a:p>
+            <a:endParaRPr lang="en-US" dirty="0"/>
+          </a:p>
+        </p:txBody>
+      </p:sp>
+      <p:sp>
+        <p:nvSpPr>
+          <p:cNvPr id="6" name="Slide Number Placeholder 3"/>
+          <p:cNvSpPr>
+            <a:spLocks noGrp="1"/>
+          </p:cNvSpPr>
+          <p:nvPr>
+            <p:ph type="sldNum" sz="quarter" idx="12"/>
+          </p:nvPr>
+        </p:nvSpPr>
+        <p:spPr/>
+        <p:txBody>
+          <a:bodyPr/>
+          <a:lstStyle/>
+          <a:p>
+            <a:fld id="{D57F1E4F-1CFF-5643-939E-02111984F565}" type="slidenum">
+              <a:rPr lang="en-US" dirty="0"/>
+              <a:t>‹#›</a:t>
+            </a:fld>
+            <a:endParaRPr lang="en-US" dirty="0"/>
+          </a:p>
+        </p:txBody>
+      </p:sp>
+    </p:spTree>
+    <p:extLst>
+      <p:ext uri="{BB962C8B-B14F-4D97-AF65-F5344CB8AC3E}">
+        <p14:creationId xmlns:p14="http://schemas.microsoft.com/office/powerpoint/2010/main" val="3785203111"/>
+      </p:ext>
+    </p:extLst>
+  </p:cSld>
+  <p:clrMapOvr>
+    <a:masterClrMapping/>
+  </p:clrMapOvr>
+</p:sldLayout>
+</file>
+
+<file path=ppt/slideLayouts/slideLayout8.xml><?xml version="1.0" encoding="utf-8"?>
+<p:sldLayout xmlns:a="http://schemas.openxmlformats.org/drawingml/2006/main" xmlns:r="http://schemas.openxmlformats.org/officeDocument/2006/relationships" xmlns:p="http://schemas.openxmlformats.org/presentationml/2006/main" type="objTx" preserve="1">
+  <p:cSld name="Content with Caption">
+    <p:spTree>
+      <p:nvGrpSpPr>
+        <p:cNvPr id="1" name=""/>
+        <p:cNvGrpSpPr/>
+        <p:nvPr/>
+      </p:nvGrpSpPr>
+      <p:grpSpPr>
+        <a:xfrm>
+          <a:off x="0" y="0"/>
+          <a:ext cx="0" cy="0"/>
+          <a:chOff x="0" y="0"/>
+          <a:chExt cx="0" cy="0"/>
+        </a:xfrm>
+      </p:grpSpPr>
+      <p:sp>
+        <p:nvSpPr>
+          <p:cNvPr id="2" name="Title 1"/>
+          <p:cNvSpPr>
+            <a:spLocks noGrp="1"/>
+          </p:cNvSpPr>
+          <p:nvPr>
+            <p:ph type="title"/>
+          </p:nvPr>
+        </p:nvSpPr>
+        <p:spPr>
+          <a:xfrm>
+            <a:off x="1154954" y="1447800"/>
+            <a:ext cx="3401064" cy="1447800"/>
+          </a:xfrm>
+        </p:spPr>
+        <p:txBody>
+          <a:bodyPr anchor="b"/>
+          <a:lstStyle>
+            <a:lvl1pPr algn="l">
+              <a:defRPr sz="2400" b="0"/>
+            </a:lvl1pPr>
+          </a:lstStyle>
+          <a:p>
+            <a:r>
+              <a:rPr lang="en-US" dirty="0"/>
+              <a:t>Click to edit Master title style</a:t>
+            </a:r>
+          </a:p>
+        </p:txBody>
+      </p:sp>
+      <p:sp>
+        <p:nvSpPr>
+          <p:cNvPr id="3" name="Content Placeholder 2"/>
+          <p:cNvSpPr>
+            <a:spLocks noGrp="1"/>
+          </p:cNvSpPr>
+          <p:nvPr>
+            <p:ph idx="1"/>
+          </p:nvPr>
+        </p:nvSpPr>
+        <p:spPr>
+          <a:xfrm>
+            <a:off x="4784616" y="1447800"/>
+            <a:ext cx="5195997" cy="4572000"/>
+          </a:xfrm>
+        </p:spPr>
+        <p:txBody>
+          <a:bodyPr anchor="ctr">
+            <a:normAutofit/>
+          </a:bodyPr>
+          <a:lstStyle>
+            <a:lvl1pPr>
+              <a:defRPr sz="2000"/>
+            </a:lvl1pPr>
+            <a:lvl2pPr>
+              <a:defRPr sz="1800"/>
+            </a:lvl2pPr>
+            <a:lvl3pPr>
+              <a:defRPr sz="1600"/>
+            </a:lvl3pPr>
+            <a:lvl4pPr>
+              <a:defRPr sz="1400"/>
+            </a:lvl4pPr>
+            <a:lvl5pPr>
+              <a:defRPr sz="1400"/>
+            </a:lvl5pPr>
+            <a:lvl6pPr>
+              <a:defRPr sz="1400"/>
+            </a:lvl6pPr>
+            <a:lvl7pPr>
+              <a:defRPr sz="1400"/>
+            </a:lvl7pPr>
+            <a:lvl8pPr>
+              <a:defRPr sz="1400"/>
+            </a:lvl8pPr>
+            <a:lvl9pPr>
+              <a:defRPr sz="1400"/>
+            </a:lvl9pPr>
+          </a:lstStyle>
+          <a:p>
+            <a:pPr lvl="0"/>
+            <a:r>
+              <a:rPr lang="en-US" dirty="0"/>
+              <a:t>Click to edit Master text styles</a:t>
+            </a:r>
+          </a:p>
+          <a:p>
+            <a:pPr lvl="1"/>
+            <a:r>
+              <a:rPr lang="en-US" dirty="0"/>
+              <a:t>Second level</a:t>
+            </a:r>
+          </a:p>
+          <a:p>
+            <a:pPr lvl="2"/>
+            <a:r>
+              <a:rPr lang="en-US" dirty="0"/>
+              <a:t>Third level</a:t>
+            </a:r>
+          </a:p>
+          <a:p>
+            <a:pPr lvl="3"/>
+            <a:r>
+              <a:rPr lang="en-US" dirty="0"/>
+              <a:t>Fourth level</a:t>
+            </a:r>
+          </a:p>
+          <a:p>
+            <a:pPr lvl="4"/>
+            <a:r>
+              <a:rPr lang="en-US" dirty="0"/>
+              <a:t>Fifth level</a:t>
+            </a:r>
+          </a:p>
+        </p:txBody>
+      </p:sp>
+      <p:sp>
+        <p:nvSpPr>
+          <p:cNvPr id="4" name="Text Placeholder 3"/>
+          <p:cNvSpPr>
+            <a:spLocks noGrp="1"/>
+          </p:cNvSpPr>
+          <p:nvPr>
+            <p:ph type="body" sz="half" idx="2"/>
+          </p:nvPr>
+        </p:nvSpPr>
+        <p:spPr>
+          <a:xfrm>
+            <a:off x="1154954" y="3129280"/>
+            <a:ext cx="3401063" cy="2895599"/>
           </a:xfrm>
         </p:spPr>
         <p:txBody>
@@ -2407,114 +5424,323 @@
           <a:lstStyle>
             <a:lvl1pPr marL="0" indent="0">
               <a:buNone/>
-              <a:defRPr sz="3200"/>
+              <a:defRPr sz="1400"/>
             </a:lvl1pPr>
             <a:lvl2pPr marL="457200" indent="0">
               <a:buNone/>
-              <a:defRPr sz="2800"/>
+              <a:defRPr sz="1200"/>
             </a:lvl2pPr>
             <a:lvl3pPr marL="914400" indent="0">
               <a:buNone/>
-              <a:defRPr sz="2400"/>
+              <a:defRPr sz="1000"/>
             </a:lvl3pPr>
             <a:lvl4pPr marL="1371600" indent="0">
               <a:buNone/>
-              <a:defRPr sz="2000"/>
+              <a:defRPr sz="900"/>
             </a:lvl4pPr>
             <a:lvl5pPr marL="1828800" indent="0">
               <a:buNone/>
-              <a:defRPr sz="2000"/>
+              <a:defRPr sz="900"/>
             </a:lvl5pPr>
             <a:lvl6pPr marL="2286000" indent="0">
               <a:buNone/>
-              <a:defRPr sz="2000"/>
+              <a:defRPr sz="900"/>
             </a:lvl6pPr>
             <a:lvl7pPr marL="2743200" indent="0">
               <a:buNone/>
-              <a:defRPr sz="2000"/>
+              <a:defRPr sz="900"/>
             </a:lvl7pPr>
             <a:lvl8pPr marL="3200400" indent="0">
               <a:buNone/>
-              <a:defRPr sz="2000"/>
+              <a:defRPr sz="900"/>
             </a:lvl8pPr>
             <a:lvl9pPr marL="3657600" indent="0">
               <a:buNone/>
-              <a:defRPr sz="2000"/>
+              <a:defRPr sz="900"/>
             </a:lvl9pPr>
           </a:lstStyle>
           <a:p>
-            <a:endParaRPr lang="pl-PL"/>
-          </a:p>
-        </p:txBody>
-      </p:sp>
-      <p:sp>
-        <p:nvSpPr>
-          <p:cNvPr id="4" name="Symbol zastępczy tekstu 3"/>
-          <p:cNvSpPr>
-            <a:spLocks noGrp="1"/>
-          </p:cNvSpPr>
-          <p:nvPr>
-            <p:ph type="body" sz="half" idx="2"/>
+            <a:pPr lvl="0"/>
+            <a:r>
+              <a:rPr lang="en-US" dirty="0"/>
+              <a:t>Click to edit Master text styles</a:t>
+            </a:r>
+          </a:p>
+        </p:txBody>
+      </p:sp>
+      <p:sp>
+        <p:nvSpPr>
+          <p:cNvPr id="7" name="Date Placeholder 4"/>
+          <p:cNvSpPr>
+            <a:spLocks noGrp="1"/>
+          </p:cNvSpPr>
+          <p:nvPr>
+            <p:ph type="dt" sz="half" idx="10"/>
+          </p:nvPr>
+        </p:nvSpPr>
+        <p:spPr/>
+        <p:txBody>
+          <a:bodyPr/>
+          <a:lstStyle/>
+          <a:p>
+            <a:fld id="{4509A250-FF31-4206-8172-F9D3106AACB1}" type="datetimeFigureOut">
+              <a:rPr lang="en-US" dirty="0"/>
+              <a:t>6/16/2023</a:t>
+            </a:fld>
+            <a:endParaRPr lang="en-US" dirty="0"/>
+          </a:p>
+        </p:txBody>
+      </p:sp>
+      <p:sp>
+        <p:nvSpPr>
+          <p:cNvPr id="5" name="Footer Placeholder 5"/>
+          <p:cNvSpPr>
+            <a:spLocks noGrp="1"/>
+          </p:cNvSpPr>
+          <p:nvPr>
+            <p:ph type="ftr" sz="quarter" idx="11"/>
+          </p:nvPr>
+        </p:nvSpPr>
+        <p:spPr/>
+        <p:txBody>
+          <a:bodyPr/>
+          <a:lstStyle/>
+          <a:p>
+            <a:endParaRPr lang="en-US" dirty="0"/>
+          </a:p>
+        </p:txBody>
+      </p:sp>
+      <p:sp>
+        <p:nvSpPr>
+          <p:cNvPr id="6" name="Slide Number Placeholder 6"/>
+          <p:cNvSpPr>
+            <a:spLocks noGrp="1"/>
+          </p:cNvSpPr>
+          <p:nvPr>
+            <p:ph type="sldNum" sz="quarter" idx="12"/>
+          </p:nvPr>
+        </p:nvSpPr>
+        <p:spPr/>
+        <p:txBody>
+          <a:bodyPr/>
+          <a:lstStyle/>
+          <a:p>
+            <a:fld id="{D57F1E4F-1CFF-5643-939E-02111984F565}" type="slidenum">
+              <a:rPr lang="en-US" dirty="0"/>
+              <a:t>‹#›</a:t>
+            </a:fld>
+            <a:endParaRPr lang="en-US" dirty="0"/>
+          </a:p>
+        </p:txBody>
+      </p:sp>
+    </p:spTree>
+    <p:extLst>
+      <p:ext uri="{BB962C8B-B14F-4D97-AF65-F5344CB8AC3E}">
+        <p14:creationId xmlns:p14="http://schemas.microsoft.com/office/powerpoint/2010/main" val="2243505227"/>
+      </p:ext>
+    </p:extLst>
+  </p:cSld>
+  <p:clrMapOvr>
+    <a:masterClrMapping/>
+  </p:clrMapOvr>
+</p:sldLayout>
+</file>
+
+<file path=ppt/slideLayouts/slideLayout9.xml><?xml version="1.0" encoding="utf-8"?>
+<p:sldLayout xmlns:a="http://schemas.openxmlformats.org/drawingml/2006/main" xmlns:r="http://schemas.openxmlformats.org/officeDocument/2006/relationships" xmlns:p="http://schemas.openxmlformats.org/presentationml/2006/main" type="picTx" preserve="1">
+  <p:cSld name="Picture with Caption">
+    <p:spTree>
+      <p:nvGrpSpPr>
+        <p:cNvPr id="1" name=""/>
+        <p:cNvGrpSpPr/>
+        <p:nvPr/>
+      </p:nvGrpSpPr>
+      <p:grpSpPr>
+        <a:xfrm>
+          <a:off x="0" y="0"/>
+          <a:ext cx="0" cy="0"/>
+          <a:chOff x="0" y="0"/>
+          <a:chExt cx="0" cy="0"/>
+        </a:xfrm>
+      </p:grpSpPr>
+      <p:sp>
+        <p:nvSpPr>
+          <p:cNvPr id="2" name="Title 1"/>
+          <p:cNvSpPr>
+            <a:spLocks noGrp="1"/>
+          </p:cNvSpPr>
+          <p:nvPr>
+            <p:ph type="title"/>
           </p:nvPr>
         </p:nvSpPr>
         <p:spPr>
           <a:xfrm>
-            <a:off x="839788" y="2057400"/>
-            <a:ext cx="3932237" cy="3811588"/>
+            <a:off x="1153907" y="1854192"/>
+            <a:ext cx="5092906" cy="1574808"/>
           </a:xfrm>
         </p:spPr>
         <p:txBody>
-          <a:bodyPr/>
+          <a:bodyPr anchor="b">
+            <a:normAutofit/>
+          </a:bodyPr>
           <a:lstStyle>
-            <a:lvl1pPr marL="0" indent="0">
+            <a:lvl1pPr algn="l">
+              <a:defRPr sz="3600" b="0"/>
+            </a:lvl1pPr>
+          </a:lstStyle>
+          <a:p>
+            <a:r>
+              <a:rPr lang="en-US" dirty="0"/>
+              <a:t>Click to edit Master title style</a:t>
+            </a:r>
+          </a:p>
+        </p:txBody>
+      </p:sp>
+      <p:sp>
+        <p:nvSpPr>
+          <p:cNvPr id="3" name="Picture Placeholder 2"/>
+          <p:cNvSpPr>
+            <a:spLocks noGrp="1" noChangeAspect="1"/>
+          </p:cNvSpPr>
+          <p:nvPr>
+            <p:ph type="pic" idx="1"/>
+          </p:nvPr>
+        </p:nvSpPr>
+        <p:spPr>
+          <a:xfrm>
+            <a:off x="6949546" y="1143000"/>
+            <a:ext cx="3200400" cy="4572000"/>
+          </a:xfrm>
+          <a:prstGeom prst="roundRect">
+            <a:avLst>
+              <a:gd name="adj" fmla="val 1858"/>
+            </a:avLst>
+          </a:prstGeom>
+          <a:effectLst>
+            <a:outerShdw blurRad="50800" dist="50800" dir="5400000" algn="tl" rotWithShape="0">
+              <a:srgbClr val="000000">
+                <a:alpha val="43000"/>
+              </a:srgbClr>
+            </a:outerShdw>
+          </a:effectLst>
+        </p:spPr>
+        <p:txBody>
+          <a:bodyPr anchor="t">
+            <a:normAutofit/>
+          </a:bodyPr>
+          <a:lstStyle>
+            <a:lvl1pPr marL="0" indent="0" algn="ctr">
               <a:buNone/>
               <a:defRPr sz="1600"/>
             </a:lvl1pPr>
             <a:lvl2pPr marL="457200" indent="0">
               <a:buNone/>
-              <a:defRPr sz="1400"/>
+              <a:defRPr sz="1600"/>
             </a:lvl2pPr>
             <a:lvl3pPr marL="914400" indent="0">
               <a:buNone/>
-              <a:defRPr sz="1200"/>
+              <a:defRPr sz="1600"/>
             </a:lvl3pPr>
             <a:lvl4pPr marL="1371600" indent="0">
               <a:buNone/>
-              <a:defRPr sz="1000"/>
+              <a:defRPr sz="1600"/>
             </a:lvl4pPr>
             <a:lvl5pPr marL="1828800" indent="0">
               <a:buNone/>
-              <a:defRPr sz="1000"/>
+              <a:defRPr sz="1600"/>
             </a:lvl5pPr>
             <a:lvl6pPr marL="2286000" indent="0">
               <a:buNone/>
-              <a:defRPr sz="1000"/>
+              <a:defRPr sz="1600"/>
             </a:lvl6pPr>
             <a:lvl7pPr marL="2743200" indent="0">
               <a:buNone/>
-              <a:defRPr sz="1000"/>
+              <a:defRPr sz="1600"/>
             </a:lvl7pPr>
             <a:lvl8pPr marL="3200400" indent="0">
               <a:buNone/>
-              <a:defRPr sz="1000"/>
+              <a:defRPr sz="1600"/>
             </a:lvl8pPr>
             <a:lvl9pPr marL="3657600" indent="0">
               <a:buNone/>
-              <a:defRPr sz="1000"/>
+              <a:defRPr sz="1600"/>
             </a:lvl9pPr>
           </a:lstStyle>
           <a:p>
+            <a:endParaRPr lang="en-US" dirty="0"/>
+          </a:p>
+        </p:txBody>
+      </p:sp>
+      <p:sp>
+        <p:nvSpPr>
+          <p:cNvPr id="4" name="Text Placeholder 3"/>
+          <p:cNvSpPr>
+            <a:spLocks noGrp="1"/>
+          </p:cNvSpPr>
+          <p:nvPr>
+            <p:ph type="body" sz="half" idx="2"/>
+          </p:nvPr>
+        </p:nvSpPr>
+        <p:spPr>
+          <a:xfrm>
+            <a:off x="1154954" y="3657600"/>
+            <a:ext cx="5084979" cy="1371600"/>
+          </a:xfrm>
+        </p:spPr>
+        <p:txBody>
+          <a:bodyPr>
+            <a:normAutofit/>
+          </a:bodyPr>
+          <a:lstStyle>
+            <a:lvl1pPr marL="0" indent="0">
+              <a:buNone/>
+              <a:defRPr sz="1400"/>
+            </a:lvl1pPr>
+            <a:lvl2pPr marL="457200" indent="0">
+              <a:buNone/>
+              <a:defRPr sz="1200"/>
+            </a:lvl2pPr>
+            <a:lvl3pPr marL="914400" indent="0">
+              <a:buNone/>
+              <a:defRPr sz="1000"/>
+            </a:lvl3pPr>
+            <a:lvl4pPr marL="1371600" indent="0">
+              <a:buNone/>
+              <a:defRPr sz="900"/>
+            </a:lvl4pPr>
+            <a:lvl5pPr marL="1828800" indent="0">
+              <a:buNone/>
+              <a:defRPr sz="900"/>
+            </a:lvl5pPr>
+            <a:lvl6pPr marL="2286000" indent="0">
+              <a:buNone/>
+              <a:defRPr sz="900"/>
+            </a:lvl6pPr>
+            <a:lvl7pPr marL="2743200" indent="0">
+              <a:buNone/>
+              <a:defRPr sz="900"/>
+            </a:lvl7pPr>
+            <a:lvl8pPr marL="3200400" indent="0">
+              <a:buNone/>
+              <a:defRPr sz="900"/>
+            </a:lvl8pPr>
+            <a:lvl9pPr marL="3657600" indent="0">
+              <a:buNone/>
+              <a:defRPr sz="900"/>
+            </a:lvl9pPr>
+          </a:lstStyle>
+          <a:p>
             <a:pPr lvl="0"/>
             <a:r>
-              <a:rPr lang="pl-PL"/>
-              <a:t>Kliknij, aby edytować style wzorca tekstu</a:t>
-            </a:r>
-          </a:p>
-        </p:txBody>
-      </p:sp>
-      <p:sp>
-        <p:nvSpPr>
-          <p:cNvPr id="5" name="Symbol zastępczy daty 4"/>
+              <a:rPr lang="en-US" dirty="0"/>
+              <a:t>Click to edit Master text styles</a:t>
+            </a:r>
+          </a:p>
+        </p:txBody>
+      </p:sp>
+      <p:sp>
+        <p:nvSpPr>
+          <p:cNvPr id="5" name="Date Placeholder 4"/>
           <p:cNvSpPr>
             <a:spLocks noGrp="1"/>
           </p:cNvSpPr>
@@ -2527,17 +5753,17 @@
           <a:bodyPr/>
           <a:lstStyle/>
           <a:p>
-            <a:fld id="{F98AA868-8872-43E4-8C98-D34DABD1FD38}" type="datetimeFigureOut">
-              <a:rPr lang="pl-PL" smtClean="0"/>
-              <a:t>16.06.2023</a:t>
+            <a:fld id="{4509A250-FF31-4206-8172-F9D3106AACB1}" type="datetimeFigureOut">
+              <a:rPr lang="en-US" dirty="0"/>
+              <a:t>6/16/2023</a:t>
             </a:fld>
-            <a:endParaRPr lang="pl-PL"/>
-          </a:p>
-        </p:txBody>
-      </p:sp>
-      <p:sp>
-        <p:nvSpPr>
-          <p:cNvPr id="6" name="Symbol zastępczy stopki 5"/>
+            <a:endParaRPr lang="en-US" dirty="0"/>
+          </a:p>
+        </p:txBody>
+      </p:sp>
+      <p:sp>
+        <p:nvSpPr>
+          <p:cNvPr id="6" name="Footer Placeholder 5"/>
           <p:cNvSpPr>
             <a:spLocks noGrp="1"/>
           </p:cNvSpPr>
@@ -2550,13 +5776,13 @@
           <a:bodyPr/>
           <a:lstStyle/>
           <a:p>
-            <a:endParaRPr lang="pl-PL"/>
-          </a:p>
-        </p:txBody>
-      </p:sp>
-      <p:sp>
-        <p:nvSpPr>
-          <p:cNvPr id="7" name="Symbol zastępczy numeru slajdu 6"/>
+            <a:endParaRPr lang="en-US" dirty="0"/>
+          </a:p>
+        </p:txBody>
+      </p:sp>
+      <p:sp>
+        <p:nvSpPr>
+          <p:cNvPr id="7" name="Slide Number Placeholder 6"/>
           <p:cNvSpPr>
             <a:spLocks noGrp="1"/>
           </p:cNvSpPr>
@@ -2569,18 +5795,18 @@
           <a:bodyPr/>
           <a:lstStyle/>
           <a:p>
-            <a:fld id="{C77C6C3F-668B-4AF5-BFA9-0F657EB068D6}" type="slidenum">
-              <a:rPr lang="pl-PL" smtClean="0"/>
+            <a:fld id="{D57F1E4F-1CFF-5643-939E-02111984F565}" type="slidenum">
+              <a:rPr lang="en-US" dirty="0"/>
               <a:t>‹#›</a:t>
             </a:fld>
-            <a:endParaRPr lang="pl-PL"/>
+            <a:endParaRPr lang="en-US" dirty="0"/>
           </a:p>
         </p:txBody>
       </p:sp>
     </p:spTree>
     <p:extLst>
       <p:ext uri="{BB962C8B-B14F-4D97-AF65-F5344CB8AC3E}">
-        <p14:creationId xmlns:p14="http://schemas.microsoft.com/office/powerpoint/2010/main" val="3024906009"/>
+        <p14:creationId xmlns:p14="http://schemas.microsoft.com/office/powerpoint/2010/main" val="2265920712"/>
       </p:ext>
     </p:extLst>
   </p:cSld>
@@ -2594,8 +5820,8 @@
 <p:sldMaster xmlns:a="http://schemas.openxmlformats.org/drawingml/2006/main" xmlns:r="http://schemas.openxmlformats.org/officeDocument/2006/relationships" xmlns:p="http://schemas.openxmlformats.org/presentationml/2006/main">
   <p:cSld>
     <p:bg>
-      <p:bgRef idx="1001">
-        <a:schemeClr val="bg1"/>
+      <p:bgRef idx="1003">
+        <a:schemeClr val="bg2"/>
       </p:bgRef>
     </p:bg>
     <p:spTree>
@@ -2612,123 +5838,418 @@
           <a:chExt cx="0" cy="0"/>
         </a:xfrm>
       </p:grpSpPr>
-      <p:sp>
-        <p:nvSpPr>
-          <p:cNvPr id="2" name="Symbol zastępczy tytułu 1"/>
-          <p:cNvSpPr>
-            <a:spLocks noGrp="1"/>
-          </p:cNvSpPr>
-          <p:nvPr>
-            <p:ph type="title"/>
-          </p:nvPr>
-        </p:nvSpPr>
+      <p:pic>
+        <p:nvPicPr>
+          <p:cNvPr id="8" name="Picture 7"/>
+          <p:cNvPicPr>
+            <a:picLocks noChangeAspect="1"/>
+          </p:cNvPicPr>
+          <p:nvPr/>
+        </p:nvPicPr>
+        <p:blipFill rotWithShape="1">
+          <a:blip r:embed="rId19">
+            <a:extLst>
+              <a:ext uri="{28A0092B-C50C-407E-A947-70E740481C1C}">
+                <a14:useLocalDpi xmlns:a14="http://schemas.microsoft.com/office/drawing/2010/main" val="0"/>
+              </a:ext>
+            </a:extLst>
+          </a:blip>
+          <a:srcRect l="3613"/>
+          <a:stretch/>
+        </p:blipFill>
         <p:spPr>
           <a:xfrm>
-            <a:off x="838200" y="365125"/>
-            <a:ext cx="10515600" cy="1325563"/>
+            <a:off x="0" y="2669685"/>
+            <a:ext cx="4037012" cy="4188315"/>
           </a:xfrm>
           <a:prstGeom prst="rect">
             <a:avLst/>
           </a:prstGeom>
         </p:spPr>
-        <p:txBody>
-          <a:bodyPr vert="horz" lIns="91440" tIns="45720" rIns="91440" bIns="45720" rtlCol="0" anchor="ctr">
-            <a:normAutofit/>
-          </a:bodyPr>
-          <a:lstStyle/>
-          <a:p>
-            <a:r>
-              <a:rPr lang="pl-PL"/>
-              <a:t>Kliknij, aby edytować styl</a:t>
-            </a:r>
-          </a:p>
-        </p:txBody>
-      </p:sp>
-      <p:sp>
-        <p:nvSpPr>
-          <p:cNvPr id="3" name="Symbol zastępczy tekstu 2"/>
-          <p:cNvSpPr>
-            <a:spLocks noGrp="1"/>
-          </p:cNvSpPr>
-          <p:nvPr>
-            <p:ph type="body" idx="1"/>
-          </p:nvPr>
-        </p:nvSpPr>
+      </p:pic>
+      <p:pic>
+        <p:nvPicPr>
+          <p:cNvPr id="7" name="Picture 6"/>
+          <p:cNvPicPr>
+            <a:picLocks noChangeAspect="1"/>
+          </p:cNvPicPr>
+          <p:nvPr/>
+        </p:nvPicPr>
+        <p:blipFill rotWithShape="1">
+          <a:blip r:embed="rId20">
+            <a:extLst>
+              <a:ext uri="{28A0092B-C50C-407E-A947-70E740481C1C}">
+                <a14:useLocalDpi xmlns:a14="http://schemas.microsoft.com/office/drawing/2010/main" val="0"/>
+              </a:ext>
+            </a:extLst>
+          </a:blip>
+          <a:srcRect l="35640"/>
+          <a:stretch/>
+        </p:blipFill>
         <p:spPr>
           <a:xfrm>
-            <a:off x="838200" y="1825625"/>
-            <a:ext cx="10515600" cy="4351338"/>
+            <a:off x="0" y="2892347"/>
+            <a:ext cx="1522412" cy="2365453"/>
           </a:xfrm>
           <a:prstGeom prst="rect">
             <a:avLst/>
           </a:prstGeom>
         </p:spPr>
-        <p:txBody>
-          <a:bodyPr vert="horz" lIns="91440" tIns="45720" rIns="91440" bIns="45720" rtlCol="0">
-            <a:normAutofit/>
-          </a:bodyPr>
-          <a:lstStyle/>
-          <a:p>
-            <a:pPr lvl="0"/>
-            <a:r>
-              <a:rPr lang="pl-PL"/>
-              <a:t>Kliknij, aby edytować style wzorca tekstu</a:t>
-            </a:r>
-          </a:p>
-          <a:p>
-            <a:pPr lvl="1"/>
-            <a:r>
-              <a:rPr lang="pl-PL"/>
-              <a:t>Drugi poziom</a:t>
-            </a:r>
-          </a:p>
-          <a:p>
-            <a:pPr lvl="2"/>
-            <a:r>
-              <a:rPr lang="pl-PL"/>
-              <a:t>Trzeci poziom</a:t>
-            </a:r>
-          </a:p>
-          <a:p>
-            <a:pPr lvl="3"/>
-            <a:r>
-              <a:rPr lang="pl-PL"/>
-              <a:t>Czwarty poziom</a:t>
-            </a:r>
-          </a:p>
-          <a:p>
-            <a:pPr lvl="4"/>
-            <a:r>
-              <a:rPr lang="pl-PL"/>
-              <a:t>Piąty poziom</a:t>
-            </a:r>
-          </a:p>
-        </p:txBody>
-      </p:sp>
-      <p:sp>
-        <p:nvSpPr>
-          <p:cNvPr id="4" name="Symbol zastępczy daty 3"/>
-          <p:cNvSpPr>
-            <a:spLocks noGrp="1"/>
-          </p:cNvSpPr>
-          <p:nvPr>
-            <p:ph type="dt" sz="half" idx="2"/>
-          </p:nvPr>
+      </p:pic>
+      <p:sp>
+        <p:nvSpPr>
+          <p:cNvPr id="16" name="Oval 15"/>
+          <p:cNvSpPr/>
+          <p:nvPr/>
         </p:nvSpPr>
         <p:spPr>
           <a:xfrm>
-            <a:off x="838200" y="6356350"/>
-            <a:ext cx="2743200" cy="365125"/>
+            <a:off x="8609012" y="1676400"/>
+            <a:ext cx="2819400" cy="2819400"/>
+          </a:xfrm>
+          <a:prstGeom prst="ellipse">
+            <a:avLst/>
+          </a:prstGeom>
+          <a:gradFill flip="none" rotWithShape="1">
+            <a:gsLst>
+              <a:gs pos="0">
+                <a:schemeClr val="accent1">
+                  <a:lumMod val="60000"/>
+                  <a:lumOff val="40000"/>
+                  <a:alpha val="7000"/>
+                </a:schemeClr>
+              </a:gs>
+              <a:gs pos="69000">
+                <a:schemeClr val="accent1">
+                  <a:lumMod val="60000"/>
+                  <a:lumOff val="40000"/>
+                  <a:alpha val="0"/>
+                </a:schemeClr>
+              </a:gs>
+              <a:gs pos="36000">
+                <a:schemeClr val="accent1">
+                  <a:lumMod val="60000"/>
+                  <a:lumOff val="40000"/>
+                  <a:alpha val="6000"/>
+                </a:schemeClr>
+              </a:gs>
+            </a:gsLst>
+            <a:path path="circle">
+              <a:fillToRect l="50000" t="50000" r="50000" b="50000"/>
+            </a:path>
+            <a:tileRect/>
+          </a:gradFill>
+          <a:ln>
+            <a:noFill/>
+          </a:ln>
+          <a:effectLst/>
+        </p:spPr>
+        <p:style>
+          <a:lnRef idx="1">
+            <a:schemeClr val="accent1"/>
+          </a:lnRef>
+          <a:fillRef idx="3">
+            <a:schemeClr val="accent1"/>
+          </a:fillRef>
+          <a:effectRef idx="2">
+            <a:schemeClr val="accent1"/>
+          </a:effectRef>
+          <a:fontRef idx="minor">
+            <a:schemeClr val="lt1"/>
+          </a:fontRef>
+        </p:style>
+      </p:sp>
+      <p:pic>
+        <p:nvPicPr>
+          <p:cNvPr id="9" name="Picture 8"/>
+          <p:cNvPicPr>
+            <a:picLocks noChangeAspect="1"/>
+          </p:cNvPicPr>
+          <p:nvPr/>
+        </p:nvPicPr>
+        <p:blipFill rotWithShape="1">
+          <a:blip r:embed="rId21">
+            <a:extLst>
+              <a:ext uri="{28A0092B-C50C-407E-A947-70E740481C1C}">
+                <a14:useLocalDpi xmlns:a14="http://schemas.microsoft.com/office/drawing/2010/main" val="0"/>
+              </a:ext>
+            </a:extLst>
+          </a:blip>
+          <a:srcRect t="28713"/>
+          <a:stretch/>
+        </p:blipFill>
+        <p:spPr>
+          <a:xfrm>
+            <a:off x="8000197" y="0"/>
+            <a:ext cx="1603387" cy="1143000"/>
           </a:xfrm>
           <a:prstGeom prst="rect">
             <a:avLst/>
           </a:prstGeom>
         </p:spPr>
-        <p:txBody>
-          <a:bodyPr vert="horz" lIns="91440" tIns="45720" rIns="91440" bIns="45720" rtlCol="0" anchor="ctr"/>
+      </p:pic>
+      <p:pic>
+        <p:nvPicPr>
+          <p:cNvPr id="10" name="Picture 9"/>
+          <p:cNvPicPr>
+            <a:picLocks noChangeAspect="1"/>
+          </p:cNvPicPr>
+          <p:nvPr/>
+        </p:nvPicPr>
+        <p:blipFill rotWithShape="1">
+          <a:blip r:embed="rId22">
+            <a:extLst>
+              <a:ext uri="{28A0092B-C50C-407E-A947-70E740481C1C}">
+                <a14:useLocalDpi xmlns:a14="http://schemas.microsoft.com/office/drawing/2010/main" val="0"/>
+              </a:ext>
+            </a:extLst>
+          </a:blip>
+          <a:srcRect b="24199"/>
+          <a:stretch/>
+        </p:blipFill>
+        <p:spPr>
+          <a:xfrm>
+            <a:off x="8609012" y="6092866"/>
+            <a:ext cx="993734" cy="765134"/>
+          </a:xfrm>
+          <a:prstGeom prst="rect">
+            <a:avLst/>
+          </a:prstGeom>
+        </p:spPr>
+      </p:pic>
+      <p:sp>
+        <p:nvSpPr>
+          <p:cNvPr id="14" name="Rectangle 13"/>
+          <p:cNvSpPr/>
+          <p:nvPr/>
+        </p:nvSpPr>
+        <p:spPr>
+          <a:xfrm>
+            <a:off x="10437812" y="0"/>
+            <a:ext cx="685800" cy="1143000"/>
+          </a:xfrm>
+          <a:prstGeom prst="rect">
+            <a:avLst/>
+          </a:prstGeom>
+          <a:solidFill>
+            <a:schemeClr val="accent1"/>
+          </a:solidFill>
+          <a:ln>
+            <a:noFill/>
+          </a:ln>
+        </p:spPr>
+        <p:style>
+          <a:lnRef idx="1">
+            <a:schemeClr val="accent1"/>
+          </a:lnRef>
+          <a:fillRef idx="3">
+            <a:schemeClr val="accent1"/>
+          </a:fillRef>
+          <a:effectRef idx="2">
+            <a:schemeClr val="accent1"/>
+          </a:effectRef>
+          <a:fontRef idx="minor">
+            <a:schemeClr val="lt1"/>
+          </a:fontRef>
+        </p:style>
+      </p:sp>
+      <p:sp>
+        <p:nvSpPr>
+          <p:cNvPr id="2" name="Title Placeholder 1"/>
+          <p:cNvSpPr>
+            <a:spLocks noGrp="1"/>
+          </p:cNvSpPr>
+          <p:nvPr>
+            <p:ph type="title"/>
+          </p:nvPr>
+        </p:nvSpPr>
+        <p:spPr>
+          <a:xfrm>
+            <a:off x="646111" y="452718"/>
+            <a:ext cx="9404723" cy="1400530"/>
+          </a:xfrm>
+          <a:prstGeom prst="rect">
+            <a:avLst/>
+          </a:prstGeom>
+        </p:spPr>
+        <p:txBody>
+          <a:bodyPr vert="horz" lIns="91440" tIns="45720" rIns="91440" bIns="45720" rtlCol="0" anchor="t">
+            <a:noAutofit/>
+          </a:bodyPr>
+          <a:lstStyle/>
+          <a:p>
+            <a:r>
+              <a:rPr lang="en-US" dirty="0"/>
+              <a:t>Click to edit Master title style</a:t>
+            </a:r>
+          </a:p>
+        </p:txBody>
+      </p:sp>
+      <p:sp>
+        <p:nvSpPr>
+          <p:cNvPr id="3" name="Text Placeholder 2"/>
+          <p:cNvSpPr>
+            <a:spLocks noGrp="1"/>
+          </p:cNvSpPr>
+          <p:nvPr>
+            <p:ph type="body" idx="1"/>
+          </p:nvPr>
+        </p:nvSpPr>
+        <p:spPr>
+          <a:xfrm>
+            <a:off x="1103312" y="2052918"/>
+            <a:ext cx="8946541" cy="4195481"/>
+          </a:xfrm>
+          <a:prstGeom prst="rect">
+            <a:avLst/>
+          </a:prstGeom>
+        </p:spPr>
+        <p:txBody>
+          <a:bodyPr vert="horz" lIns="91440" tIns="45720" rIns="91440" bIns="45720" rtlCol="0">
+            <a:normAutofit/>
+          </a:bodyPr>
+          <a:lstStyle/>
+          <a:p>
+            <a:pPr lvl="0"/>
+            <a:r>
+              <a:rPr lang="en-US" dirty="0"/>
+              <a:t>Click to edit Master text styles</a:t>
+            </a:r>
+          </a:p>
+          <a:p>
+            <a:pPr lvl="1"/>
+            <a:r>
+              <a:rPr lang="en-US" dirty="0"/>
+              <a:t>Second level</a:t>
+            </a:r>
+          </a:p>
+          <a:p>
+            <a:pPr lvl="2"/>
+            <a:r>
+              <a:rPr lang="en-US" dirty="0"/>
+              <a:t>Third level</a:t>
+            </a:r>
+          </a:p>
+          <a:p>
+            <a:pPr lvl="3"/>
+            <a:r>
+              <a:rPr lang="en-US" dirty="0"/>
+              <a:t>Fourth level</a:t>
+            </a:r>
+          </a:p>
+          <a:p>
+            <a:pPr lvl="4"/>
+            <a:r>
+              <a:rPr lang="en-US" dirty="0"/>
+              <a:t>Fifth level</a:t>
+            </a:r>
+          </a:p>
+        </p:txBody>
+      </p:sp>
+      <p:sp>
+        <p:nvSpPr>
+          <p:cNvPr id="4" name="Date Placeholder 3"/>
+          <p:cNvSpPr>
+            <a:spLocks noGrp="1"/>
+          </p:cNvSpPr>
+          <p:nvPr>
+            <p:ph type="dt" sz="half" idx="2"/>
+          </p:nvPr>
+        </p:nvSpPr>
+        <p:spPr>
+          <a:xfrm rot="5400000">
+            <a:off x="10155639" y="1790701"/>
+            <a:ext cx="990599" cy="304799"/>
+          </a:xfrm>
+          <a:prstGeom prst="rect">
+            <a:avLst/>
+          </a:prstGeom>
+        </p:spPr>
+        <p:txBody>
+          <a:bodyPr vert="horz" lIns="91440" tIns="45720" rIns="91440" bIns="45720" rtlCol="0" anchor="t"/>
           <a:lstStyle>
             <a:lvl1pPr algn="l">
-              <a:defRPr sz="1200">
+              <a:defRPr sz="1100" b="0" i="0">
+                <a:solidFill>
+                  <a:schemeClr val="tx1">
+                    <a:tint val="75000"/>
+                    <a:alpha val="60000"/>
+                  </a:schemeClr>
+                </a:solidFill>
+              </a:defRPr>
+            </a:lvl1pPr>
+          </a:lstStyle>
+          <a:p>
+            <a:fld id="{4AAD347D-5ACD-4C99-B74B-A9C85AD731AF}" type="datetimeFigureOut">
+              <a:rPr lang="en-US" dirty="0"/>
+              <a:t>6/16/2023</a:t>
+            </a:fld>
+            <a:endParaRPr lang="en-US" dirty="0"/>
+          </a:p>
+        </p:txBody>
+      </p:sp>
+      <p:sp>
+        <p:nvSpPr>
+          <p:cNvPr id="5" name="Footer Placeholder 4"/>
+          <p:cNvSpPr>
+            <a:spLocks noGrp="1"/>
+          </p:cNvSpPr>
+          <p:nvPr>
+            <p:ph type="ftr" sz="quarter" idx="3"/>
+          </p:nvPr>
+        </p:nvSpPr>
+        <p:spPr>
+          <a:xfrm rot="5400000">
+            <a:off x="8951573" y="3225297"/>
+            <a:ext cx="3859795" cy="304801"/>
+          </a:xfrm>
+          <a:prstGeom prst="rect">
+            <a:avLst/>
+          </a:prstGeom>
+        </p:spPr>
+        <p:txBody>
+          <a:bodyPr vert="horz" lIns="91440" tIns="45720" rIns="91440" bIns="45720" rtlCol="0" anchor="b"/>
+          <a:lstStyle>
+            <a:lvl1pPr algn="l">
+              <a:defRPr sz="1100" b="0" i="0">
+                <a:solidFill>
+                  <a:schemeClr val="tx1">
+                    <a:tint val="75000"/>
+                    <a:alpha val="60000"/>
+                  </a:schemeClr>
+                </a:solidFill>
+              </a:defRPr>
+            </a:lvl1pPr>
+          </a:lstStyle>
+          <a:p>
+            <a:endParaRPr lang="en-US" dirty="0"/>
+          </a:p>
+        </p:txBody>
+      </p:sp>
+      <p:sp>
+        <p:nvSpPr>
+          <p:cNvPr id="6" name="Slide Number Placeholder 5"/>
+          <p:cNvSpPr>
+            <a:spLocks noGrp="1"/>
+          </p:cNvSpPr>
+          <p:nvPr>
+            <p:ph type="sldNum" sz="quarter" idx="4"/>
+          </p:nvPr>
+        </p:nvSpPr>
+        <p:spPr>
+          <a:xfrm>
+            <a:off x="10352540" y="295729"/>
+            <a:ext cx="838199" cy="767687"/>
+          </a:xfrm>
+          <a:prstGeom prst="rect">
+            <a:avLst/>
+          </a:prstGeom>
+        </p:spPr>
+        <p:txBody>
+          <a:bodyPr vert="horz" lIns="91440" tIns="45720" rIns="91440" bIns="45720" rtlCol="0" anchor="b"/>
+          <a:lstStyle>
+            <a:lvl1pPr algn="ctr">
+              <a:defRPr sz="2800" b="0" i="0">
                 <a:solidFill>
                   <a:schemeClr val="tx1">
                     <a:tint val="75000"/>
@@ -2738,124 +6259,130 @@
             </a:lvl1pPr>
           </a:lstStyle>
           <a:p>
-            <a:fld id="{F98AA868-8872-43E4-8C98-D34DABD1FD38}" type="datetimeFigureOut">
-              <a:rPr lang="pl-PL" smtClean="0"/>
-              <a:t>16.06.2023</a:t>
-            </a:fld>
-            <a:endParaRPr lang="pl-PL"/>
-          </a:p>
-        </p:txBody>
-      </p:sp>
-      <p:sp>
-        <p:nvSpPr>
-          <p:cNvPr id="5" name="Symbol zastępczy stopki 4"/>
-          <p:cNvSpPr>
-            <a:spLocks noGrp="1"/>
-          </p:cNvSpPr>
-          <p:nvPr>
-            <p:ph type="ftr" sz="quarter" idx="3"/>
-          </p:nvPr>
-        </p:nvSpPr>
-        <p:spPr>
-          <a:xfrm>
-            <a:off x="4038600" y="6356350"/>
-            <a:ext cx="4114800" cy="365125"/>
-          </a:xfrm>
-          <a:prstGeom prst="rect">
-            <a:avLst/>
-          </a:prstGeom>
-        </p:spPr>
-        <p:txBody>
-          <a:bodyPr vert="horz" lIns="91440" tIns="45720" rIns="91440" bIns="45720" rtlCol="0" anchor="ctr"/>
-          <a:lstStyle>
-            <a:lvl1pPr algn="ctr">
-              <a:defRPr sz="1200">
-                <a:solidFill>
-                  <a:schemeClr val="tx1">
-                    <a:tint val="75000"/>
-                  </a:schemeClr>
-                </a:solidFill>
-              </a:defRPr>
-            </a:lvl1pPr>
-          </a:lstStyle>
-          <a:p>
-            <a:endParaRPr lang="pl-PL"/>
-          </a:p>
-        </p:txBody>
-      </p:sp>
-      <p:sp>
-        <p:nvSpPr>
-          <p:cNvPr id="6" name="Symbol zastępczy numeru slajdu 5"/>
-          <p:cNvSpPr>
-            <a:spLocks noGrp="1"/>
-          </p:cNvSpPr>
-          <p:nvPr>
-            <p:ph type="sldNum" sz="quarter" idx="4"/>
-          </p:nvPr>
-        </p:nvSpPr>
-        <p:spPr>
-          <a:xfrm>
-            <a:off x="8610600" y="6356350"/>
-            <a:ext cx="2743200" cy="365125"/>
-          </a:xfrm>
-          <a:prstGeom prst="rect">
-            <a:avLst/>
-          </a:prstGeom>
-        </p:spPr>
-        <p:txBody>
-          <a:bodyPr vert="horz" lIns="91440" tIns="45720" rIns="91440" bIns="45720" rtlCol="0" anchor="ctr"/>
-          <a:lstStyle>
-            <a:lvl1pPr algn="r">
-              <a:defRPr sz="1200">
-                <a:solidFill>
-                  <a:schemeClr val="tx1">
-                    <a:tint val="75000"/>
-                  </a:schemeClr>
-                </a:solidFill>
-              </a:defRPr>
-            </a:lvl1pPr>
-          </a:lstStyle>
-          <a:p>
-            <a:fld id="{C77C6C3F-668B-4AF5-BFA9-0F657EB068D6}" type="slidenum">
-              <a:rPr lang="pl-PL" smtClean="0"/>
+            <a:fld id="{D57F1E4F-1CFF-5643-939E-02111984F565}" type="slidenum">
+              <a:rPr lang="en-US" dirty="0"/>
               <a:t>‹#›</a:t>
             </a:fld>
-            <a:endParaRPr lang="pl-PL"/>
+            <a:endParaRPr lang="en-US" dirty="0"/>
           </a:p>
         </p:txBody>
       </p:sp>
     </p:spTree>
     <p:extLst>
       <p:ext uri="{BB962C8B-B14F-4D97-AF65-F5344CB8AC3E}">
-        <p14:creationId xmlns:p14="http://schemas.microsoft.com/office/powerpoint/2010/main" val="3926633689"/>
+        <p14:creationId xmlns:p14="http://schemas.microsoft.com/office/powerpoint/2010/main" val="4076733251"/>
       </p:ext>
     </p:extLst>
   </p:cSld>
-  <p:clrMap bg1="lt1" tx1="dk1" bg2="lt2" tx2="dk2" accent1="accent1" accent2="accent2" accent3="accent3" accent4="accent4" accent5="accent5" accent6="accent6" hlink="hlink" folHlink="folHlink"/>
+  <p:clrMap bg1="dk1" tx1="lt1" bg2="dk2" tx2="lt2" accent1="accent1" accent2="accent2" accent3="accent3" accent4="accent4" accent5="accent5" accent6="accent6" hlink="hlink" folHlink="folHlink"/>
   <p:sldLayoutIdLst>
-    <p:sldLayoutId id="2147483649" r:id="rId1"/>
-    <p:sldLayoutId id="2147483650" r:id="rId2"/>
-    <p:sldLayoutId id="2147483651" r:id="rId3"/>
-    <p:sldLayoutId id="2147483652" r:id="rId4"/>
-    <p:sldLayoutId id="2147483653" r:id="rId5"/>
-    <p:sldLayoutId id="2147483654" r:id="rId6"/>
-    <p:sldLayoutId id="2147483655" r:id="rId7"/>
-    <p:sldLayoutId id="2147483656" r:id="rId8"/>
-    <p:sldLayoutId id="2147483657" r:id="rId9"/>
-    <p:sldLayoutId id="2147483658" r:id="rId10"/>
-    <p:sldLayoutId id="2147483659" r:id="rId11"/>
+    <p:sldLayoutId id="2147483679" r:id="rId1"/>
+    <p:sldLayoutId id="2147483680" r:id="rId2"/>
+    <p:sldLayoutId id="2147483681" r:id="rId3"/>
+    <p:sldLayoutId id="2147483682" r:id="rId4"/>
+    <p:sldLayoutId id="2147483683" r:id="rId5"/>
+    <p:sldLayoutId id="2147483684" r:id="rId6"/>
+    <p:sldLayoutId id="2147483685" r:id="rId7"/>
+    <p:sldLayoutId id="2147483686" r:id="rId8"/>
+    <p:sldLayoutId id="2147483687" r:id="rId9"/>
+    <p:sldLayoutId id="2147483688" r:id="rId10"/>
+    <p:sldLayoutId id="2147483689" r:id="rId11"/>
+    <p:sldLayoutId id="2147483690" r:id="rId12"/>
+    <p:sldLayoutId id="2147483691" r:id="rId13"/>
+    <p:sldLayoutId id="2147483692" r:id="rId14"/>
+    <p:sldLayoutId id="2147483693" r:id="rId15"/>
+    <p:sldLayoutId id="2147483694" r:id="rId16"/>
+    <p:sldLayoutId id="2147483695" r:id="rId17"/>
   </p:sldLayoutIdLst>
+  <p:hf sldNum="0" hdr="0" ftr="0" dt="0"/>
   <p:txStyles>
     <p:titleStyle>
-      <a:lvl1pPr algn="l" defTabSz="914400" rtl="0" eaLnBrk="1" latinLnBrk="0" hangingPunct="1">
-        <a:lnSpc>
-          <a:spcPct val="90000"/>
-        </a:lnSpc>
+      <a:lvl1pPr algn="l" defTabSz="457200" rtl="0" eaLnBrk="1" latinLnBrk="0" hangingPunct="1">
         <a:spcBef>
           <a:spcPct val="0"/>
         </a:spcBef>
         <a:buNone/>
-        <a:defRPr sz="4400" kern="1200">
+        <a:defRPr sz="4200" b="0" i="0" kern="1200">
+          <a:solidFill>
+            <a:schemeClr val="tx2"/>
+          </a:solidFill>
+          <a:latin typeface="+mj-lt"/>
+          <a:ea typeface="+mj-ea"/>
+          <a:cs typeface="+mj-cs"/>
+        </a:defRPr>
+      </a:lvl1pPr>
+      <a:lvl2pPr eaLnBrk="1" hangingPunct="1">
+        <a:defRPr>
+          <a:solidFill>
+            <a:schemeClr val="tx2"/>
+          </a:solidFill>
+        </a:defRPr>
+      </a:lvl2pPr>
+      <a:lvl3pPr eaLnBrk="1" hangingPunct="1">
+        <a:defRPr>
+          <a:solidFill>
+            <a:schemeClr val="tx2"/>
+          </a:solidFill>
+        </a:defRPr>
+      </a:lvl3pPr>
+      <a:lvl4pPr eaLnBrk="1" hangingPunct="1">
+        <a:defRPr>
+          <a:solidFill>
+            <a:schemeClr val="tx2"/>
+          </a:solidFill>
+        </a:defRPr>
+      </a:lvl4pPr>
+      <a:lvl5pPr eaLnBrk="1" hangingPunct="1">
+        <a:defRPr>
+          <a:solidFill>
+            <a:schemeClr val="tx2"/>
+          </a:solidFill>
+        </a:defRPr>
+      </a:lvl5pPr>
+      <a:lvl6pPr eaLnBrk="1" hangingPunct="1">
+        <a:defRPr>
+          <a:solidFill>
+            <a:schemeClr val="tx2"/>
+          </a:solidFill>
+        </a:defRPr>
+      </a:lvl6pPr>
+      <a:lvl7pPr eaLnBrk="1" hangingPunct="1">
+        <a:defRPr>
+          <a:solidFill>
+            <a:schemeClr val="tx2"/>
+          </a:solidFill>
+        </a:defRPr>
+      </a:lvl7pPr>
+      <a:lvl8pPr eaLnBrk="1" hangingPunct="1">
+        <a:defRPr>
+          <a:solidFill>
+            <a:schemeClr val="tx2"/>
+          </a:solidFill>
+        </a:defRPr>
+      </a:lvl8pPr>
+      <a:lvl9pPr eaLnBrk="1" hangingPunct="1">
+        <a:defRPr>
+          <a:solidFill>
+            <a:schemeClr val="tx2"/>
+          </a:solidFill>
+        </a:defRPr>
+      </a:lvl9pPr>
+    </p:titleStyle>
+    <p:bodyStyle>
+      <a:lvl1pPr marL="342900" indent="-342900" algn="l" defTabSz="457200" rtl="0" eaLnBrk="1" latinLnBrk="0" hangingPunct="1">
+        <a:spcBef>
+          <a:spcPts val="1000"/>
+        </a:spcBef>
+        <a:spcAft>
+          <a:spcPts val="0"/>
+        </a:spcAft>
+        <a:buClr>
+          <a:schemeClr val="accent1"/>
+        </a:buClr>
+        <a:buSzPct val="80000"/>
+        <a:buFont typeface="Wingdings 3" charset="2"/>
+        <a:buChar char=""/>
+        <a:defRPr sz="2000" b="0" i="0" kern="1200">
           <a:solidFill>
             <a:schemeClr val="tx1"/>
           </a:solidFill>
@@ -2864,18 +6391,189 @@
           <a:cs typeface="+mj-cs"/>
         </a:defRPr>
       </a:lvl1pPr>
-    </p:titleStyle>
-    <p:bodyStyle>
-      <a:lvl1pPr marL="228600" indent="-228600" algn="l" defTabSz="914400" rtl="0" eaLnBrk="1" latinLnBrk="0" hangingPunct="1">
-        <a:lnSpc>
-          <a:spcPct val="90000"/>
-        </a:lnSpc>
+      <a:lvl2pPr marL="742950" indent="-285750" algn="l" defTabSz="457200" rtl="0" eaLnBrk="1" latinLnBrk="0" hangingPunct="1">
         <a:spcBef>
           <a:spcPts val="1000"/>
         </a:spcBef>
-        <a:buFont typeface="Arial" panose="020B0604020202020204" pitchFamily="34" charset="0"/>
-        <a:buChar char="•"/>
-        <a:defRPr sz="2800" kern="1200">
+        <a:spcAft>
+          <a:spcPts val="0"/>
+        </a:spcAft>
+        <a:buClr>
+          <a:schemeClr val="accent1"/>
+        </a:buClr>
+        <a:buSzPct val="80000"/>
+        <a:buFont typeface="Wingdings 3" charset="2"/>
+        <a:buChar char=""/>
+        <a:defRPr sz="1800" b="0" i="0" kern="1200">
+          <a:solidFill>
+            <a:schemeClr val="tx1"/>
+          </a:solidFill>
+          <a:latin typeface="+mj-lt"/>
+          <a:ea typeface="+mj-ea"/>
+          <a:cs typeface="+mj-cs"/>
+        </a:defRPr>
+      </a:lvl2pPr>
+      <a:lvl3pPr marL="1143000" indent="-228600" algn="l" defTabSz="457200" rtl="0" eaLnBrk="1" latinLnBrk="0" hangingPunct="1">
+        <a:spcBef>
+          <a:spcPts val="1000"/>
+        </a:spcBef>
+        <a:spcAft>
+          <a:spcPts val="0"/>
+        </a:spcAft>
+        <a:buClr>
+          <a:schemeClr val="accent1"/>
+        </a:buClr>
+        <a:buSzPct val="80000"/>
+        <a:buFont typeface="Wingdings 3" charset="2"/>
+        <a:buChar char=""/>
+        <a:defRPr sz="1600" b="0" i="0" kern="1200">
+          <a:solidFill>
+            <a:schemeClr val="tx1"/>
+          </a:solidFill>
+          <a:latin typeface="+mj-lt"/>
+          <a:ea typeface="+mj-ea"/>
+          <a:cs typeface="+mj-cs"/>
+        </a:defRPr>
+      </a:lvl3pPr>
+      <a:lvl4pPr marL="1600200" indent="-228600" algn="l" defTabSz="457200" rtl="0" eaLnBrk="1" latinLnBrk="0" hangingPunct="1">
+        <a:spcBef>
+          <a:spcPts val="1000"/>
+        </a:spcBef>
+        <a:spcAft>
+          <a:spcPts val="0"/>
+        </a:spcAft>
+        <a:buClr>
+          <a:schemeClr val="accent1"/>
+        </a:buClr>
+        <a:buSzPct val="80000"/>
+        <a:buFont typeface="Wingdings 3" charset="2"/>
+        <a:buChar char=""/>
+        <a:defRPr sz="1400" b="0" i="0" kern="1200">
+          <a:solidFill>
+            <a:schemeClr val="tx1"/>
+          </a:solidFill>
+          <a:latin typeface="+mj-lt"/>
+          <a:ea typeface="+mj-ea"/>
+          <a:cs typeface="+mj-cs"/>
+        </a:defRPr>
+      </a:lvl4pPr>
+      <a:lvl5pPr marL="2057400" indent="-228600" algn="l" defTabSz="457200" rtl="0" eaLnBrk="1" latinLnBrk="0" hangingPunct="1">
+        <a:spcBef>
+          <a:spcPts val="1000"/>
+        </a:spcBef>
+        <a:spcAft>
+          <a:spcPts val="0"/>
+        </a:spcAft>
+        <a:buClr>
+          <a:schemeClr val="accent1"/>
+        </a:buClr>
+        <a:buSzPct val="80000"/>
+        <a:buFont typeface="Wingdings 3" charset="2"/>
+        <a:buChar char=""/>
+        <a:defRPr sz="1400" b="0" i="0" kern="1200">
+          <a:solidFill>
+            <a:schemeClr val="tx1"/>
+          </a:solidFill>
+          <a:latin typeface="+mj-lt"/>
+          <a:ea typeface="+mj-ea"/>
+          <a:cs typeface="+mj-cs"/>
+        </a:defRPr>
+      </a:lvl5pPr>
+      <a:lvl6pPr marL="2514600" indent="-228600" algn="l" defTabSz="457200" rtl="0" eaLnBrk="1" latinLnBrk="0" hangingPunct="1">
+        <a:spcBef>
+          <a:spcPts val="1000"/>
+        </a:spcBef>
+        <a:spcAft>
+          <a:spcPts val="0"/>
+        </a:spcAft>
+        <a:buClr>
+          <a:schemeClr val="accent1"/>
+        </a:buClr>
+        <a:buSzPct val="80000"/>
+        <a:buFont typeface="Wingdings 3" charset="2"/>
+        <a:buChar char=""/>
+        <a:defRPr sz="1400" b="0" i="0" kern="1200">
+          <a:solidFill>
+            <a:schemeClr val="tx1"/>
+          </a:solidFill>
+          <a:latin typeface="+mj-lt"/>
+          <a:ea typeface="+mj-ea"/>
+          <a:cs typeface="+mj-cs"/>
+        </a:defRPr>
+      </a:lvl6pPr>
+      <a:lvl7pPr marL="2971800" indent="-228600" algn="l" defTabSz="457200" rtl="0" eaLnBrk="1" latinLnBrk="0" hangingPunct="1">
+        <a:spcBef>
+          <a:spcPts val="1000"/>
+        </a:spcBef>
+        <a:spcAft>
+          <a:spcPts val="0"/>
+        </a:spcAft>
+        <a:buClr>
+          <a:schemeClr val="accent1"/>
+        </a:buClr>
+        <a:buSzPct val="80000"/>
+        <a:buFont typeface="Wingdings 3" charset="2"/>
+        <a:buChar char=""/>
+        <a:defRPr sz="1400" b="0" i="0" kern="1200">
+          <a:solidFill>
+            <a:schemeClr val="tx1"/>
+          </a:solidFill>
+          <a:latin typeface="+mj-lt"/>
+          <a:ea typeface="+mj-ea"/>
+          <a:cs typeface="+mj-cs"/>
+        </a:defRPr>
+      </a:lvl7pPr>
+      <a:lvl8pPr marL="3429000" indent="-228600" algn="l" defTabSz="457200" rtl="0" eaLnBrk="1" latinLnBrk="0" hangingPunct="1">
+        <a:spcBef>
+          <a:spcPts val="1000"/>
+        </a:spcBef>
+        <a:spcAft>
+          <a:spcPts val="0"/>
+        </a:spcAft>
+        <a:buClr>
+          <a:schemeClr val="accent1"/>
+        </a:buClr>
+        <a:buSzPct val="80000"/>
+        <a:buFont typeface="Wingdings 3" charset="2"/>
+        <a:buChar char=""/>
+        <a:defRPr sz="1400" b="0" i="0" kern="1200">
+          <a:solidFill>
+            <a:schemeClr val="tx1"/>
+          </a:solidFill>
+          <a:latin typeface="+mj-lt"/>
+          <a:ea typeface="+mj-ea"/>
+          <a:cs typeface="+mj-cs"/>
+        </a:defRPr>
+      </a:lvl8pPr>
+      <a:lvl9pPr marL="3886200" indent="-228600" algn="l" defTabSz="457200" rtl="0" eaLnBrk="1" latinLnBrk="0" hangingPunct="1">
+        <a:spcBef>
+          <a:spcPts val="1000"/>
+        </a:spcBef>
+        <a:spcAft>
+          <a:spcPts val="0"/>
+        </a:spcAft>
+        <a:buClr>
+          <a:schemeClr val="accent1"/>
+        </a:buClr>
+        <a:buSzPct val="80000"/>
+        <a:buFont typeface="Wingdings 3" charset="2"/>
+        <a:buChar char=""/>
+        <a:defRPr sz="1400" b="0" i="0" kern="1200">
+          <a:solidFill>
+            <a:schemeClr val="tx1"/>
+          </a:solidFill>
+          <a:latin typeface="+mj-lt"/>
+          <a:ea typeface="+mj-ea"/>
+          <a:cs typeface="+mj-cs"/>
+        </a:defRPr>
+      </a:lvl9pPr>
+    </p:bodyStyle>
+    <p:otherStyle>
+      <a:defPPr>
+        <a:defRPr lang="en-US"/>
+      </a:defPPr>
+      <a:lvl1pPr marL="0" algn="l" defTabSz="457200" rtl="0" eaLnBrk="1" latinLnBrk="0" hangingPunct="1">
+        <a:defRPr sz="1800" kern="1200">
           <a:solidFill>
             <a:schemeClr val="tx1"/>
           </a:solidFill>
@@ -2884,16 +6582,8 @@
           <a:cs typeface="+mn-cs"/>
         </a:defRPr>
       </a:lvl1pPr>
-      <a:lvl2pPr marL="685800" indent="-228600" algn="l" defTabSz="914400" rtl="0" eaLnBrk="1" latinLnBrk="0" hangingPunct="1">
-        <a:lnSpc>
-          <a:spcPct val="90000"/>
-        </a:lnSpc>
-        <a:spcBef>
-          <a:spcPts val="500"/>
-        </a:spcBef>
-        <a:buFont typeface="Arial" panose="020B0604020202020204" pitchFamily="34" charset="0"/>
-        <a:buChar char="•"/>
-        <a:defRPr sz="2400" kern="1200">
+      <a:lvl2pPr marL="457200" algn="l" defTabSz="457200" rtl="0" eaLnBrk="1" latinLnBrk="0" hangingPunct="1">
+        <a:defRPr sz="1800" kern="1200">
           <a:solidFill>
             <a:schemeClr val="tx1"/>
           </a:solidFill>
@@ -2902,16 +6592,8 @@
           <a:cs typeface="+mn-cs"/>
         </a:defRPr>
       </a:lvl2pPr>
-      <a:lvl3pPr marL="1143000" indent="-228600" algn="l" defTabSz="914400" rtl="0" eaLnBrk="1" latinLnBrk="0" hangingPunct="1">
-        <a:lnSpc>
-          <a:spcPct val="90000"/>
-        </a:lnSpc>
-        <a:spcBef>
-          <a:spcPts val="500"/>
-        </a:spcBef>
-        <a:buFont typeface="Arial" panose="020B0604020202020204" pitchFamily="34" charset="0"/>
-        <a:buChar char="•"/>
-        <a:defRPr sz="2000" kern="1200">
+      <a:lvl3pPr marL="914400" algn="l" defTabSz="457200" rtl="0" eaLnBrk="1" latinLnBrk="0" hangingPunct="1">
+        <a:defRPr sz="1800" kern="1200">
           <a:solidFill>
             <a:schemeClr val="tx1"/>
           </a:solidFill>
@@ -2920,15 +6602,7 @@
           <a:cs typeface="+mn-cs"/>
         </a:defRPr>
       </a:lvl3pPr>
-      <a:lvl4pPr marL="1600200" indent="-228600" algn="l" defTabSz="914400" rtl="0" eaLnBrk="1" latinLnBrk="0" hangingPunct="1">
-        <a:lnSpc>
-          <a:spcPct val="90000"/>
-        </a:lnSpc>
-        <a:spcBef>
-          <a:spcPts val="500"/>
-        </a:spcBef>
-        <a:buFont typeface="Arial" panose="020B0604020202020204" pitchFamily="34" charset="0"/>
-        <a:buChar char="•"/>
+      <a:lvl4pPr marL="1371600" algn="l" defTabSz="457200" rtl="0" eaLnBrk="1" latinLnBrk="0" hangingPunct="1">
         <a:defRPr sz="1800" kern="1200">
           <a:solidFill>
             <a:schemeClr val="tx1"/>
@@ -2938,15 +6612,7 @@
           <a:cs typeface="+mn-cs"/>
         </a:defRPr>
       </a:lvl4pPr>
-      <a:lvl5pPr marL="2057400" indent="-228600" algn="l" defTabSz="914400" rtl="0" eaLnBrk="1" latinLnBrk="0" hangingPunct="1">
-        <a:lnSpc>
-          <a:spcPct val="90000"/>
-        </a:lnSpc>
-        <a:spcBef>
-          <a:spcPts val="500"/>
-        </a:spcBef>
-        <a:buFont typeface="Arial" panose="020B0604020202020204" pitchFamily="34" charset="0"/>
-        <a:buChar char="•"/>
+      <a:lvl5pPr marL="1828800" algn="l" defTabSz="457200" rtl="0" eaLnBrk="1" latinLnBrk="0" hangingPunct="1">
         <a:defRPr sz="1800" kern="1200">
           <a:solidFill>
             <a:schemeClr val="tx1"/>
@@ -2956,15 +6622,7 @@
           <a:cs typeface="+mn-cs"/>
         </a:defRPr>
       </a:lvl5pPr>
-      <a:lvl6pPr marL="2514600" indent="-228600" algn="l" defTabSz="914400" rtl="0" eaLnBrk="1" latinLnBrk="0" hangingPunct="1">
-        <a:lnSpc>
-          <a:spcPct val="90000"/>
-        </a:lnSpc>
-        <a:spcBef>
-          <a:spcPts val="500"/>
-        </a:spcBef>
-        <a:buFont typeface="Arial" panose="020B0604020202020204" pitchFamily="34" charset="0"/>
-        <a:buChar char="•"/>
+      <a:lvl6pPr marL="2286000" algn="l" defTabSz="457200" rtl="0" eaLnBrk="1" latinLnBrk="0" hangingPunct="1">
         <a:defRPr sz="1800" kern="1200">
           <a:solidFill>
             <a:schemeClr val="tx1"/>
@@ -2974,15 +6632,7 @@
           <a:cs typeface="+mn-cs"/>
         </a:defRPr>
       </a:lvl6pPr>
-      <a:lvl7pPr marL="2971800" indent="-228600" algn="l" defTabSz="914400" rtl="0" eaLnBrk="1" latinLnBrk="0" hangingPunct="1">
-        <a:lnSpc>
-          <a:spcPct val="90000"/>
-        </a:lnSpc>
-        <a:spcBef>
-          <a:spcPts val="500"/>
-        </a:spcBef>
-        <a:buFont typeface="Arial" panose="020B0604020202020204" pitchFamily="34" charset="0"/>
-        <a:buChar char="•"/>
+      <a:lvl7pPr marL="2743200" algn="l" defTabSz="457200" rtl="0" eaLnBrk="1" latinLnBrk="0" hangingPunct="1">
         <a:defRPr sz="1800" kern="1200">
           <a:solidFill>
             <a:schemeClr val="tx1"/>
@@ -2992,15 +6642,7 @@
           <a:cs typeface="+mn-cs"/>
         </a:defRPr>
       </a:lvl7pPr>
-      <a:lvl8pPr marL="3429000" indent="-228600" algn="l" defTabSz="914400" rtl="0" eaLnBrk="1" latinLnBrk="0" hangingPunct="1">
-        <a:lnSpc>
-          <a:spcPct val="90000"/>
-        </a:lnSpc>
-        <a:spcBef>
-          <a:spcPts val="500"/>
-        </a:spcBef>
-        <a:buFont typeface="Arial" panose="020B0604020202020204" pitchFamily="34" charset="0"/>
-        <a:buChar char="•"/>
+      <a:lvl8pPr marL="3200400" algn="l" defTabSz="457200" rtl="0" eaLnBrk="1" latinLnBrk="0" hangingPunct="1">
         <a:defRPr sz="1800" kern="1200">
           <a:solidFill>
             <a:schemeClr val="tx1"/>
@@ -3010,110 +6652,7 @@
           <a:cs typeface="+mn-cs"/>
         </a:defRPr>
       </a:lvl8pPr>
-      <a:lvl9pPr marL="3886200" indent="-228600" algn="l" defTabSz="914400" rtl="0" eaLnBrk="1" latinLnBrk="0" hangingPunct="1">
-        <a:lnSpc>
-          <a:spcPct val="90000"/>
-        </a:lnSpc>
-        <a:spcBef>
-          <a:spcPts val="500"/>
-        </a:spcBef>
-        <a:buFont typeface="Arial" panose="020B0604020202020204" pitchFamily="34" charset="0"/>
-        <a:buChar char="•"/>
-        <a:defRPr sz="1800" kern="1200">
-          <a:solidFill>
-            <a:schemeClr val="tx1"/>
-          </a:solidFill>
-          <a:latin typeface="+mn-lt"/>
-          <a:ea typeface="+mn-ea"/>
-          <a:cs typeface="+mn-cs"/>
-        </a:defRPr>
-      </a:lvl9pPr>
-    </p:bodyStyle>
-    <p:otherStyle>
-      <a:defPPr>
-        <a:defRPr lang="pl-PL"/>
-      </a:defPPr>
-      <a:lvl1pPr marL="0" algn="l" defTabSz="914400" rtl="0" eaLnBrk="1" latinLnBrk="0" hangingPunct="1">
-        <a:defRPr sz="1800" kern="1200">
-          <a:solidFill>
-            <a:schemeClr val="tx1"/>
-          </a:solidFill>
-          <a:latin typeface="+mn-lt"/>
-          <a:ea typeface="+mn-ea"/>
-          <a:cs typeface="+mn-cs"/>
-        </a:defRPr>
-      </a:lvl1pPr>
-      <a:lvl2pPr marL="457200" algn="l" defTabSz="914400" rtl="0" eaLnBrk="1" latinLnBrk="0" hangingPunct="1">
-        <a:defRPr sz="1800" kern="1200">
-          <a:solidFill>
-            <a:schemeClr val="tx1"/>
-          </a:solidFill>
-          <a:latin typeface="+mn-lt"/>
-          <a:ea typeface="+mn-ea"/>
-          <a:cs typeface="+mn-cs"/>
-        </a:defRPr>
-      </a:lvl2pPr>
-      <a:lvl3pPr marL="914400" algn="l" defTabSz="914400" rtl="0" eaLnBrk="1" latinLnBrk="0" hangingPunct="1">
-        <a:defRPr sz="1800" kern="1200">
-          <a:solidFill>
-            <a:schemeClr val="tx1"/>
-          </a:solidFill>
-          <a:latin typeface="+mn-lt"/>
-          <a:ea typeface="+mn-ea"/>
-          <a:cs typeface="+mn-cs"/>
-        </a:defRPr>
-      </a:lvl3pPr>
-      <a:lvl4pPr marL="1371600" algn="l" defTabSz="914400" rtl="0" eaLnBrk="1" latinLnBrk="0" hangingPunct="1">
-        <a:defRPr sz="1800" kern="1200">
-          <a:solidFill>
-            <a:schemeClr val="tx1"/>
-          </a:solidFill>
-          <a:latin typeface="+mn-lt"/>
-          <a:ea typeface="+mn-ea"/>
-          <a:cs typeface="+mn-cs"/>
-        </a:defRPr>
-      </a:lvl4pPr>
-      <a:lvl5pPr marL="1828800" algn="l" defTabSz="914400" rtl="0" eaLnBrk="1" latinLnBrk="0" hangingPunct="1">
-        <a:defRPr sz="1800" kern="1200">
-          <a:solidFill>
-            <a:schemeClr val="tx1"/>
-          </a:solidFill>
-          <a:latin typeface="+mn-lt"/>
-          <a:ea typeface="+mn-ea"/>
-          <a:cs typeface="+mn-cs"/>
-        </a:defRPr>
-      </a:lvl5pPr>
-      <a:lvl6pPr marL="2286000" algn="l" defTabSz="914400" rtl="0" eaLnBrk="1" latinLnBrk="0" hangingPunct="1">
-        <a:defRPr sz="1800" kern="1200">
-          <a:solidFill>
-            <a:schemeClr val="tx1"/>
-          </a:solidFill>
-          <a:latin typeface="+mn-lt"/>
-          <a:ea typeface="+mn-ea"/>
-          <a:cs typeface="+mn-cs"/>
-        </a:defRPr>
-      </a:lvl6pPr>
-      <a:lvl7pPr marL="2743200" algn="l" defTabSz="914400" rtl="0" eaLnBrk="1" latinLnBrk="0" hangingPunct="1">
-        <a:defRPr sz="1800" kern="1200">
-          <a:solidFill>
-            <a:schemeClr val="tx1"/>
-          </a:solidFill>
-          <a:latin typeface="+mn-lt"/>
-          <a:ea typeface="+mn-ea"/>
-          <a:cs typeface="+mn-cs"/>
-        </a:defRPr>
-      </a:lvl7pPr>
-      <a:lvl8pPr marL="3200400" algn="l" defTabSz="914400" rtl="0" eaLnBrk="1" latinLnBrk="0" hangingPunct="1">
-        <a:defRPr sz="1800" kern="1200">
-          <a:solidFill>
-            <a:schemeClr val="tx1"/>
-          </a:solidFill>
-          <a:latin typeface="+mn-lt"/>
-          <a:ea typeface="+mn-ea"/>
-          <a:cs typeface="+mn-cs"/>
-        </a:defRPr>
-      </a:lvl8pPr>
-      <a:lvl9pPr marL="3657600" algn="l" defTabSz="914400" rtl="0" eaLnBrk="1" latinLnBrk="0" hangingPunct="1">
+      <a:lvl9pPr marL="3657600" algn="l" defTabSz="457200" rtl="0" eaLnBrk="1" latinLnBrk="0" hangingPunct="1">
         <a:defRPr sz="1800" kern="1200">
           <a:solidFill>
             <a:schemeClr val="tx1"/>
@@ -3155,7 +6694,12 @@
             <p:ph type="ctrTitle"/>
           </p:nvPr>
         </p:nvSpPr>
-        <p:spPr/>
+        <p:spPr>
+          <a:xfrm>
+            <a:off x="1154955" y="2359351"/>
+            <a:ext cx="10427994" cy="1428142"/>
+          </a:xfrm>
+        </p:spPr>
         <p:txBody>
           <a:bodyPr/>
           <a:lstStyle/>
@@ -3179,25 +6723,6 @@
               <a:t>Pygame</a:t>
             </a:r>
             <a:endParaRPr lang="pl-PL" dirty="0" err="1"/>
-          </a:p>
-        </p:txBody>
-      </p:sp>
-      <p:sp>
-        <p:nvSpPr>
-          <p:cNvPr id="3" name="Podtytuł 2"/>
-          <p:cNvSpPr>
-            <a:spLocks noGrp="1"/>
-          </p:cNvSpPr>
-          <p:nvPr>
-            <p:ph type="subTitle" idx="1"/>
-          </p:nvPr>
-        </p:nvSpPr>
-        <p:spPr/>
-        <p:txBody>
-          <a:bodyPr/>
-          <a:lstStyle/>
-          <a:p>
-            <a:endParaRPr lang="pl-PL"/>
           </a:p>
         </p:txBody>
       </p:sp>
@@ -3284,36 +6809,6 @@
               <a:t>Gimp</a:t>
             </a:r>
             <a:endParaRPr lang="pl-PL" dirty="0" err="1"/>
-          </a:p>
-        </p:txBody>
-      </p:sp>
-      <p:sp>
-        <p:nvSpPr>
-          <p:cNvPr id="3" name="Symbol zastępczy zawartości 2">
-            <a:extLst>
-              <a:ext uri="{FF2B5EF4-FFF2-40B4-BE49-F238E27FC236}">
-                <a16:creationId xmlns:a16="http://schemas.microsoft.com/office/drawing/2014/main" id="{F5FBDFAB-9A36-D8D3-1A3F-2DECB7BB1693}"/>
-              </a:ext>
-            </a:extLst>
-          </p:cNvPr>
-          <p:cNvSpPr>
-            <a:spLocks noGrp="1"/>
-          </p:cNvSpPr>
-          <p:nvPr>
-            <p:ph idx="1"/>
-          </p:nvPr>
-        </p:nvSpPr>
-        <p:spPr>
-          <a:xfrm>
-            <a:off x="809714" y="5614261"/>
-            <a:ext cx="10515600" cy="4351338"/>
-          </a:xfrm>
-        </p:spPr>
-        <p:txBody>
-          <a:bodyPr/>
-          <a:lstStyle/>
-          <a:p>
-            <a:endParaRPr lang="pl-PL"/>
           </a:p>
         </p:txBody>
       </p:sp>
@@ -3874,9 +7369,9 @@
 </file>
 
 <file path=ppt/theme/theme1.xml><?xml version="1.0" encoding="utf-8"?>
-<a:theme xmlns:a="http://schemas.openxmlformats.org/drawingml/2006/main" name="Motyw pakietu Office">
+<a:theme xmlns:a="http://schemas.openxmlformats.org/drawingml/2006/main" name="Ion">
   <a:themeElements>
-    <a:clrScheme name="Pakiet Office">
+    <a:clrScheme name="Ion">
       <a:dk1>
         <a:sysClr val="windowText" lastClr="000000"/>
       </a:dk1>
@@ -3884,42 +7379,42 @@
         <a:sysClr val="window" lastClr="FFFFFF"/>
       </a:lt1>
       <a:dk2>
-        <a:srgbClr val="44546A"/>
+        <a:srgbClr val="EE5818"/>
       </a:dk2>
       <a:lt2>
-        <a:srgbClr val="E7E6E6"/>
+        <a:srgbClr val="EBEBEB"/>
       </a:lt2>
       <a:accent1>
-        <a:srgbClr val="4472C4"/>
+        <a:srgbClr val="F5A408"/>
       </a:accent1>
       <a:accent2>
-        <a:srgbClr val="ED7D31"/>
+        <a:srgbClr val="FA731A"/>
       </a:accent2>
       <a:accent3>
-        <a:srgbClr val="A5A5A5"/>
+        <a:srgbClr val="AB9281"/>
       </a:accent3>
       <a:accent4>
-        <a:srgbClr val="FFC000"/>
+        <a:srgbClr val="A18CD0"/>
       </a:accent4>
       <a:accent5>
-        <a:srgbClr val="5B9BD5"/>
+        <a:srgbClr val="8EBBD2"/>
       </a:accent5>
       <a:accent6>
-        <a:srgbClr val="70AD47"/>
+        <a:srgbClr val="ACC995"/>
       </a:accent6>
       <a:hlink>
-        <a:srgbClr val="0563C1"/>
+        <a:srgbClr val="FAC96A"/>
       </a:hlink>
       <a:folHlink>
-        <a:srgbClr val="954F72"/>
+        <a:srgbClr val="FCDB9B"/>
       </a:folHlink>
     </a:clrScheme>
-    <a:fontScheme name="Pakiet Office">
+    <a:fontScheme name="Ion">
       <a:majorFont>
-        <a:latin typeface="Calibri Light" panose="020F0302020204030204"/>
+        <a:latin typeface="Century Gothic" panose="020B0502020202020204"/>
         <a:ea typeface=""/>
         <a:cs typeface=""/>
-        <a:font script="Jpan" typeface="ＭＳ Ｐゴシック"/>
+        <a:font script="Jpan" typeface="メイリオ"/>
         <a:font script="Hang" typeface="맑은 고딕"/>
         <a:font script="Hans" typeface="宋体"/>
         <a:font script="Hant" typeface="新細明體"/>
@@ -3951,10 +7446,10 @@
         <a:font script="Geor" typeface="Sylfaen"/>
       </a:majorFont>
       <a:minorFont>
-        <a:latin typeface="Calibri" panose="020F0502020204030204"/>
+        <a:latin typeface="Century Gothic" panose="020B0502020202020204"/>
         <a:ea typeface=""/>
         <a:cs typeface=""/>
-        <a:font script="Jpan" typeface="ＭＳ Ｐゴシック"/>
+        <a:font script="Jpan" typeface="メイリオ"/>
         <a:font script="Hang" typeface="맑은 고딕"/>
         <a:font script="Hans" typeface="宋体"/>
         <a:font script="Hant" typeface="新細明體"/>
@@ -3986,7 +7481,7 @@
         <a:font script="Geor" typeface="Sylfaen"/>
       </a:minorFont>
     </a:fontScheme>
-    <a:fmtScheme name="Pakiet Office">
+    <a:fmtScheme name="Ion">
       <a:fillStyleLst>
         <a:solidFill>
           <a:schemeClr val="phClr"/>
@@ -3995,23 +7490,15 @@
           <a:gsLst>
             <a:gs pos="0">
               <a:schemeClr val="phClr">
-                <a:lumMod val="110000"/>
-                <a:satMod val="105000"/>
-                <a:tint val="67000"/>
-              </a:schemeClr>
-            </a:gs>
-            <a:gs pos="50000">
-              <a:schemeClr val="phClr">
-                <a:lumMod val="105000"/>
-                <a:satMod val="103000"/>
-                <a:tint val="73000"/>
+                <a:tint val="64000"/>
+                <a:lumMod val="118000"/>
               </a:schemeClr>
             </a:gs>
             <a:gs pos="100000">
               <a:schemeClr val="phClr">
-                <a:lumMod val="105000"/>
-                <a:satMod val="109000"/>
-                <a:tint val="81000"/>
+                <a:tint val="92000"/>
+                <a:alpha val="100000"/>
+                <a:lumMod val="110000"/>
               </a:schemeClr>
             </a:gs>
           </a:gsLst>
@@ -4021,23 +7508,14 @@
           <a:gsLst>
             <a:gs pos="0">
               <a:schemeClr val="phClr">
-                <a:satMod val="103000"/>
-                <a:lumMod val="102000"/>
-                <a:tint val="94000"/>
-              </a:schemeClr>
-            </a:gs>
-            <a:gs pos="50000">
-              <a:schemeClr val="phClr">
-                <a:satMod val="110000"/>
-                <a:lumMod val="100000"/>
-                <a:shade val="100000"/>
+                <a:tint val="98000"/>
+                <a:lumMod val="114000"/>
               </a:schemeClr>
             </a:gs>
             <a:gs pos="100000">
               <a:schemeClr val="phClr">
-                <a:lumMod val="99000"/>
-                <a:satMod val="120000"/>
-                <a:shade val="78000"/>
+                <a:shade val="90000"/>
+                <a:lumMod val="84000"/>
               </a:schemeClr>
             </a:gs>
           </a:gsLst>
@@ -4045,26 +7523,23 @@
         </a:gradFill>
       </a:fillStyleLst>
       <a:lnStyleLst>
-        <a:ln w="6350" cap="flat" cmpd="sng" algn="ctr">
+        <a:ln w="9525" cap="rnd" cmpd="sng" algn="ctr">
           <a:solidFill>
             <a:schemeClr val="phClr"/>
           </a:solidFill>
           <a:prstDash val="solid"/>
-          <a:miter lim="800000"/>
         </a:ln>
-        <a:ln w="12700" cap="flat" cmpd="sng" algn="ctr">
+        <a:ln w="19050" cap="rnd" cmpd="sng" algn="ctr">
           <a:solidFill>
             <a:schemeClr val="phClr"/>
           </a:solidFill>
           <a:prstDash val="solid"/>
-          <a:miter lim="800000"/>
         </a:ln>
-        <a:ln w="19050" cap="flat" cmpd="sng" algn="ctr">
+        <a:ln w="28575" cap="rnd" cmpd="sng" algn="ctr">
           <a:solidFill>
             <a:schemeClr val="phClr"/>
           </a:solidFill>
           <a:prstDash val="solid"/>
-          <a:miter lim="800000"/>
         </a:ln>
       </a:lnStyleLst>
       <a:effectStyleLst>
@@ -4072,55 +7547,77 @@
           <a:effectLst/>
         </a:effectStyle>
         <a:effectStyle>
-          <a:effectLst/>
+          <a:effectLst>
+            <a:outerShdw blurRad="38100" dist="25400" dir="5400000" rotWithShape="0">
+              <a:srgbClr val="000000">
+                <a:alpha val="45000"/>
+              </a:srgbClr>
+            </a:outerShdw>
+          </a:effectLst>
         </a:effectStyle>
         <a:effectStyle>
           <a:effectLst>
-            <a:outerShdw blurRad="57150" dist="19050" dir="5400000" algn="ctr" rotWithShape="0">
+            <a:outerShdw blurRad="63500" dist="38100" dir="5400000" rotWithShape="0">
               <a:srgbClr val="000000">
-                <a:alpha val="63000"/>
+                <a:alpha val="60000"/>
               </a:srgbClr>
             </a:outerShdw>
           </a:effectLst>
+          <a:scene3d>
+            <a:camera prst="orthographicFront">
+              <a:rot lat="0" lon="0" rev="0"/>
+            </a:camera>
+            <a:lightRig rig="threePt" dir="tl"/>
+          </a:scene3d>
+          <a:sp3d prstMaterial="plastic">
+            <a:bevelT w="0" h="0"/>
+          </a:sp3d>
         </a:effectStyle>
       </a:effectStyleLst>
       <a:bgFillStyleLst>
         <a:solidFill>
           <a:schemeClr val="phClr"/>
         </a:solidFill>
-        <a:solidFill>
-          <a:schemeClr val="phClr">
-            <a:tint val="95000"/>
-            <a:satMod val="170000"/>
-          </a:schemeClr>
-        </a:solidFill>
         <a:gradFill rotWithShape="1">
           <a:gsLst>
             <a:gs pos="0">
               <a:schemeClr val="phClr">
-                <a:tint val="93000"/>
-                <a:satMod val="150000"/>
-                <a:shade val="98000"/>
-                <a:lumMod val="102000"/>
-              </a:schemeClr>
-            </a:gs>
-            <a:gs pos="50000">
-              <a:schemeClr val="phClr">
                 <a:tint val="98000"/>
-                <a:satMod val="130000"/>
-                <a:shade val="90000"/>
-                <a:lumMod val="103000"/>
+                <a:hueMod val="104000"/>
+                <a:satMod val="128000"/>
+                <a:lumMod val="104000"/>
               </a:schemeClr>
             </a:gs>
             <a:gs pos="100000">
               <a:schemeClr val="phClr">
-                <a:shade val="63000"/>
-                <a:satMod val="120000"/>
+                <a:shade val="76000"/>
+                <a:hueMod val="89000"/>
+                <a:satMod val="164000"/>
+                <a:lumMod val="68000"/>
               </a:schemeClr>
             </a:gs>
           </a:gsLst>
-          <a:lin ang="5400000" scaled="0"/>
+          <a:path path="circle">
+            <a:fillToRect l="45000" t="65000" r="125000" b="100000"/>
+          </a:path>
         </a:gradFill>
+        <a:blipFill rotWithShape="1">
+          <a:blip xmlns:r="http://schemas.openxmlformats.org/officeDocument/2006/relationships" r:embed="rId1">
+            <a:duotone>
+              <a:schemeClr val="phClr">
+                <a:shade val="42000"/>
+                <a:hueMod val="42000"/>
+                <a:satMod val="124000"/>
+                <a:lumMod val="62000"/>
+              </a:schemeClr>
+              <a:schemeClr val="phClr">
+                <a:tint val="96000"/>
+                <a:satMod val="130000"/>
+              </a:schemeClr>
+            </a:duotone>
+          </a:blip>
+          <a:stretch/>
+        </a:blipFill>
       </a:bgFillStyleLst>
     </a:fmtScheme>
   </a:themeElements>
@@ -4128,7 +7625,7 @@
   <a:extraClrSchemeLst/>
   <a:extLst>
     <a:ext uri="{05A4C25C-085E-4340-85A3-A5531E510DB2}">
-      <thm15:themeFamily xmlns:thm15="http://schemas.microsoft.com/office/thememl/2012/main" name="Office Theme" id="{62F939B6-93AF-4DB8-9C6B-D6C7DFDC589F}" vid="{4A3C46E8-61CC-4603-A589-7422A47A8E4A}"/>
+      <thm15:themeFamily xmlns:thm15="http://schemas.microsoft.com/office/thememl/2012/main" name="Ion" id="{B8441ADB-2E43-4AF7-B97A-BD870242C6A8}" vid="{5A2F9111-B2DB-470C-BA56-608F9B658826}"/>
     </a:ext>
   </a:extLst>
 </a:theme>
